--- a/534_ANN/linear models.pptx
+++ b/534_ANN/linear models.pptx
@@ -28,6 +28,37 @@
     <p:sldId id="277" r:id="rId22"/>
     <p:sldId id="278" r:id="rId23"/>
     <p:sldId id="279" r:id="rId24"/>
+    <p:sldId id="280" r:id="rId25"/>
+    <p:sldId id="281" r:id="rId26"/>
+    <p:sldId id="282" r:id="rId27"/>
+    <p:sldId id="283" r:id="rId28"/>
+    <p:sldId id="284" r:id="rId29"/>
+    <p:sldId id="285" r:id="rId30"/>
+    <p:sldId id="286" r:id="rId31"/>
+    <p:sldId id="287" r:id="rId32"/>
+    <p:sldId id="288" r:id="rId33"/>
+    <p:sldId id="289" r:id="rId34"/>
+    <p:sldId id="290" r:id="rId35"/>
+    <p:sldId id="291" r:id="rId36"/>
+    <p:sldId id="292" r:id="rId37"/>
+    <p:sldId id="293" r:id="rId38"/>
+    <p:sldId id="294" r:id="rId39"/>
+    <p:sldId id="295" r:id="rId40"/>
+    <p:sldId id="296" r:id="rId41"/>
+    <p:sldId id="297" r:id="rId42"/>
+    <p:sldId id="299" r:id="rId43"/>
+    <p:sldId id="300" r:id="rId44"/>
+    <p:sldId id="312" r:id="rId45"/>
+    <p:sldId id="302" r:id="rId46"/>
+    <p:sldId id="303" r:id="rId47"/>
+    <p:sldId id="304" r:id="rId48"/>
+    <p:sldId id="305" r:id="rId49"/>
+    <p:sldId id="306" r:id="rId50"/>
+    <p:sldId id="307" r:id="rId51"/>
+    <p:sldId id="308" r:id="rId52"/>
+    <p:sldId id="309" r:id="rId53"/>
+    <p:sldId id="310" r:id="rId54"/>
+    <p:sldId id="311" r:id="rId55"/>
   </p:sldIdLst>
   <p:sldSz cx="12192000" cy="6858000"/>
   <p:notesSz cx="6858000" cy="9144000"/>
@@ -126,6 +157,11 @@
       </a:defRPr>
     </a:lvl9pPr>
   </p:defaultTextStyle>
+  <p:extLst>
+    <p:ext uri="{EFAFB233-063F-42B5-8137-9DF3F51BA10A}">
+      <p15:sldGuideLst xmlns:p15="http://schemas.microsoft.com/office/powerpoint/2012/main"/>
+    </p:ext>
+  </p:extLst>
 </p:presentation>
 </file>
 
@@ -260,7 +296,7 @@
           <a:p>
             <a:fld id="{AF84D126-A0AF-4351-9A14-08352010251B}" type="datetimeFigureOut">
               <a:rPr lang="en-US" smtClean="0"/>
-              <a:t>10/6/2016</a:t>
+              <a:t>10/20/2016</a:t>
             </a:fld>
             <a:endParaRPr lang="en-US"/>
           </a:p>
@@ -430,7 +466,7 @@
           <a:p>
             <a:fld id="{AF84D126-A0AF-4351-9A14-08352010251B}" type="datetimeFigureOut">
               <a:rPr lang="en-US" smtClean="0"/>
-              <a:t>10/6/2016</a:t>
+              <a:t>10/20/2016</a:t>
             </a:fld>
             <a:endParaRPr lang="en-US"/>
           </a:p>
@@ -610,7 +646,7 @@
           <a:p>
             <a:fld id="{AF84D126-A0AF-4351-9A14-08352010251B}" type="datetimeFigureOut">
               <a:rPr lang="en-US" smtClean="0"/>
-              <a:t>10/6/2016</a:t>
+              <a:t>10/20/2016</a:t>
             </a:fld>
             <a:endParaRPr lang="en-US"/>
           </a:p>
@@ -780,7 +816,7 @@
           <a:p>
             <a:fld id="{AF84D126-A0AF-4351-9A14-08352010251B}" type="datetimeFigureOut">
               <a:rPr lang="en-US" smtClean="0"/>
-              <a:t>10/6/2016</a:t>
+              <a:t>10/20/2016</a:t>
             </a:fld>
             <a:endParaRPr lang="en-US"/>
           </a:p>
@@ -1026,7 +1062,7 @@
           <a:p>
             <a:fld id="{AF84D126-A0AF-4351-9A14-08352010251B}" type="datetimeFigureOut">
               <a:rPr lang="en-US" smtClean="0"/>
-              <a:t>10/6/2016</a:t>
+              <a:t>10/20/2016</a:t>
             </a:fld>
             <a:endParaRPr lang="en-US"/>
           </a:p>
@@ -1258,7 +1294,7 @@
           <a:p>
             <a:fld id="{AF84D126-A0AF-4351-9A14-08352010251B}" type="datetimeFigureOut">
               <a:rPr lang="en-US" smtClean="0"/>
-              <a:t>10/6/2016</a:t>
+              <a:t>10/20/2016</a:t>
             </a:fld>
             <a:endParaRPr lang="en-US"/>
           </a:p>
@@ -1625,7 +1661,7 @@
           <a:p>
             <a:fld id="{AF84D126-A0AF-4351-9A14-08352010251B}" type="datetimeFigureOut">
               <a:rPr lang="en-US" smtClean="0"/>
-              <a:t>10/6/2016</a:t>
+              <a:t>10/20/2016</a:t>
             </a:fld>
             <a:endParaRPr lang="en-US"/>
           </a:p>
@@ -1743,7 +1779,7 @@
           <a:p>
             <a:fld id="{AF84D126-A0AF-4351-9A14-08352010251B}" type="datetimeFigureOut">
               <a:rPr lang="en-US" smtClean="0"/>
-              <a:t>10/6/2016</a:t>
+              <a:t>10/20/2016</a:t>
             </a:fld>
             <a:endParaRPr lang="en-US"/>
           </a:p>
@@ -1838,7 +1874,7 @@
           <a:p>
             <a:fld id="{AF84D126-A0AF-4351-9A14-08352010251B}" type="datetimeFigureOut">
               <a:rPr lang="en-US" smtClean="0"/>
-              <a:t>10/6/2016</a:t>
+              <a:t>10/20/2016</a:t>
             </a:fld>
             <a:endParaRPr lang="en-US"/>
           </a:p>
@@ -2115,7 +2151,7 @@
           <a:p>
             <a:fld id="{AF84D126-A0AF-4351-9A14-08352010251B}" type="datetimeFigureOut">
               <a:rPr lang="en-US" smtClean="0"/>
-              <a:t>10/6/2016</a:t>
+              <a:t>10/20/2016</a:t>
             </a:fld>
             <a:endParaRPr lang="en-US"/>
           </a:p>
@@ -2368,7 +2404,7 @@
           <a:p>
             <a:fld id="{AF84D126-A0AF-4351-9A14-08352010251B}" type="datetimeFigureOut">
               <a:rPr lang="en-US" smtClean="0"/>
-              <a:t>10/6/2016</a:t>
+              <a:t>10/20/2016</a:t>
             </a:fld>
             <a:endParaRPr lang="en-US"/>
           </a:p>
@@ -2581,7 +2617,7 @@
           <a:p>
             <a:fld id="{AF84D126-A0AF-4351-9A14-08352010251B}" type="datetimeFigureOut">
               <a:rPr lang="en-US" smtClean="0"/>
-              <a:t>10/6/2016</a:t>
+              <a:t>10/20/2016</a:t>
             </a:fld>
             <a:endParaRPr lang="en-US"/>
           </a:p>
@@ -12622,7 +12658,7 @@
           <a:graphicData uri="http://schemas.openxmlformats.org/presentationml/2006/ole">
             <mc:AlternateContent xmlns:mc="http://schemas.openxmlformats.org/markup-compatibility/2006">
               <mc:Choice xmlns:v="urn:schemas-microsoft-com:vml" Requires="v">
-                <p:oleObj spid="_x0000_s3074" name="Equation" r:id="rId4" imgW="1892160" imgH="431640" progId="Equation.3">
+                <p:oleObj spid="_x0000_s3078" name="Equation" r:id="rId4" imgW="1892160" imgH="431640" progId="Equation.3">
                   <p:embed/>
                 </p:oleObj>
               </mc:Choice>
@@ -13483,6 +13519,2763 @@
 </p:sld>
 </file>
 
+<file path=ppt/slides/slide24.xml><?xml version="1.0" encoding="utf-8"?>
+<p:sld xmlns:a="http://schemas.openxmlformats.org/drawingml/2006/main" xmlns:r="http://schemas.openxmlformats.org/officeDocument/2006/relationships" xmlns:p="http://schemas.openxmlformats.org/presentationml/2006/main">
+  <p:cSld>
+    <p:spTree>
+      <p:nvGrpSpPr>
+        <p:cNvPr id="1" name=""/>
+        <p:cNvGrpSpPr/>
+        <p:nvPr/>
+      </p:nvGrpSpPr>
+      <p:grpSpPr>
+        <a:xfrm>
+          <a:off x="0" y="0"/>
+          <a:ext cx="0" cy="0"/>
+          <a:chOff x="0" y="0"/>
+          <a:chExt cx="0" cy="0"/>
+        </a:xfrm>
+      </p:grpSpPr>
+    </p:spTree>
+    <p:extLst>
+      <p:ext uri="{BB962C8B-B14F-4D97-AF65-F5344CB8AC3E}">
+        <p14:creationId xmlns:p14="http://schemas.microsoft.com/office/powerpoint/2010/main" val="4117350530"/>
+      </p:ext>
+    </p:extLst>
+  </p:cSld>
+  <p:clrMapOvr>
+    <a:masterClrMapping/>
+  </p:clrMapOvr>
+</p:sld>
+</file>
+
+<file path=ppt/slides/slide25.xml><?xml version="1.0" encoding="utf-8"?>
+<p:sld xmlns:a="http://schemas.openxmlformats.org/drawingml/2006/main" xmlns:r="http://schemas.openxmlformats.org/officeDocument/2006/relationships" xmlns:p="http://schemas.openxmlformats.org/presentationml/2006/main">
+  <p:cSld>
+    <p:spTree>
+      <p:nvGrpSpPr>
+        <p:cNvPr id="1" name=""/>
+        <p:cNvGrpSpPr/>
+        <p:nvPr/>
+      </p:nvGrpSpPr>
+      <p:grpSpPr>
+        <a:xfrm>
+          <a:off x="0" y="0"/>
+          <a:ext cx="0" cy="0"/>
+          <a:chOff x="0" y="0"/>
+          <a:chExt cx="0" cy="0"/>
+        </a:xfrm>
+      </p:grpSpPr>
+      <p:sp>
+        <p:nvSpPr>
+          <p:cNvPr id="4" name="Rectangle 3"/>
+          <p:cNvSpPr/>
+          <p:nvPr/>
+        </p:nvSpPr>
+        <p:spPr>
+          <a:xfrm>
+            <a:off x="3886200" y="1600201"/>
+            <a:ext cx="4544834" cy="1015663"/>
+          </a:xfrm>
+          <a:prstGeom prst="rect">
+            <a:avLst/>
+          </a:prstGeom>
+        </p:spPr>
+        <p:txBody>
+          <a:bodyPr wrap="none">
+            <a:spAutoFit/>
+          </a:bodyPr>
+          <a:lstStyle/>
+          <a:p>
+            <a:pPr algn="ctr"/>
+            <a:r>
+              <a:rPr lang="en-US" sz="3200" dirty="0">
+                <a:latin typeface="Arial" panose="020B0604020202020204" pitchFamily="34" charset="0"/>
+                <a:cs typeface="Arial" panose="020B0604020202020204" pitchFamily="34" charset="0"/>
+              </a:rPr>
+              <a:t>Logistic Regression</a:t>
+            </a:r>
+            <a:endParaRPr lang="en-US" sz="2800" dirty="0">
+              <a:latin typeface="Arial" panose="020B0604020202020204" pitchFamily="34" charset="0"/>
+              <a:cs typeface="Arial" panose="020B0604020202020204" pitchFamily="34" charset="0"/>
+            </a:endParaRPr>
+          </a:p>
+          <a:p>
+            <a:pPr algn="ctr"/>
+            <a:r>
+              <a:rPr lang="en-US" sz="2800" dirty="0">
+                <a:latin typeface="Arial" panose="020B0604020202020204" pitchFamily="34" charset="0"/>
+                <a:cs typeface="Arial" panose="020B0604020202020204" pitchFamily="34" charset="0"/>
+              </a:rPr>
+              <a:t>(lecture 9 on amlbook.com)</a:t>
+            </a:r>
+          </a:p>
+        </p:txBody>
+      </p:sp>
+    </p:spTree>
+    <p:extLst>
+      <p:ext uri="{BB962C8B-B14F-4D97-AF65-F5344CB8AC3E}">
+        <p14:creationId xmlns:p14="http://schemas.microsoft.com/office/powerpoint/2010/main" val="3901883361"/>
+      </p:ext>
+    </p:extLst>
+  </p:cSld>
+  <p:clrMapOvr>
+    <a:masterClrMapping/>
+  </p:clrMapOvr>
+  <p:timing>
+    <p:tnLst>
+      <p:par>
+        <p:cTn id="1" dur="indefinite" restart="never" nodeType="tmRoot"/>
+      </p:par>
+    </p:tnLst>
+  </p:timing>
+</p:sld>
+</file>
+
+<file path=ppt/slides/slide26.xml><?xml version="1.0" encoding="utf-8"?>
+<p:sld xmlns:a="http://schemas.openxmlformats.org/drawingml/2006/main" xmlns:r="http://schemas.openxmlformats.org/officeDocument/2006/relationships" xmlns:p="http://schemas.openxmlformats.org/presentationml/2006/main">
+  <p:cSld>
+    <p:spTree>
+      <p:nvGrpSpPr>
+        <p:cNvPr id="1" name=""/>
+        <p:cNvGrpSpPr/>
+        <p:nvPr/>
+      </p:nvGrpSpPr>
+      <p:grpSpPr>
+        <a:xfrm>
+          <a:off x="0" y="0"/>
+          <a:ext cx="0" cy="0"/>
+          <a:chOff x="0" y="0"/>
+          <a:chExt cx="0" cy="0"/>
+        </a:xfrm>
+      </p:grpSpPr>
+      <p:sp>
+        <p:nvSpPr>
+          <p:cNvPr id="5" name="Rectangle 4"/>
+          <p:cNvSpPr/>
+          <p:nvPr/>
+        </p:nvSpPr>
+        <p:spPr>
+          <a:xfrm>
+            <a:off x="1076817" y="321528"/>
+            <a:ext cx="10587962" cy="830997"/>
+          </a:xfrm>
+          <a:prstGeom prst="rect">
+            <a:avLst/>
+          </a:prstGeom>
+        </p:spPr>
+        <p:txBody>
+          <a:bodyPr wrap="square">
+            <a:spAutoFit/>
+          </a:bodyPr>
+          <a:lstStyle/>
+          <a:p>
+            <a:r>
+              <a:rPr lang="en-US" sz="2400" dirty="0">
+                <a:latin typeface="Arial" panose="020B0604020202020204" pitchFamily="34" charset="0"/>
+                <a:cs typeface="Arial" panose="020B0604020202020204" pitchFamily="34" charset="0"/>
+              </a:rPr>
+              <a:t>In logistic regression, </a:t>
+            </a:r>
+            <a:r>
+              <a:rPr lang="en-US" sz="2400" dirty="0" smtClean="0">
+                <a:latin typeface="Arial" panose="020B0604020202020204" pitchFamily="34" charset="0"/>
+                <a:cs typeface="Arial" panose="020B0604020202020204" pitchFamily="34" charset="0"/>
+              </a:rPr>
+              <a:t>s=</a:t>
+            </a:r>
+            <a:r>
+              <a:rPr lang="en-US" sz="2400" b="1" dirty="0" smtClean="0">
+                <a:latin typeface="Arial" panose="020B0604020202020204" pitchFamily="34" charset="0"/>
+                <a:cs typeface="Arial" panose="020B0604020202020204" pitchFamily="34" charset="0"/>
+              </a:rPr>
+              <a:t>w</a:t>
+            </a:r>
+            <a:r>
+              <a:rPr lang="en-US" sz="2400" baseline="30000" dirty="0" smtClean="0">
+                <a:latin typeface="Arial" panose="020B0604020202020204" pitchFamily="34" charset="0"/>
+                <a:cs typeface="Arial" panose="020B0604020202020204" pitchFamily="34" charset="0"/>
+              </a:rPr>
+              <a:t>T</a:t>
+            </a:r>
+            <a:r>
+              <a:rPr lang="en-US" sz="2400" b="1" dirty="0" smtClean="0">
+                <a:latin typeface="Arial" panose="020B0604020202020204" pitchFamily="34" charset="0"/>
+                <a:cs typeface="Arial" panose="020B0604020202020204" pitchFamily="34" charset="0"/>
+              </a:rPr>
+              <a:t>x</a:t>
+            </a:r>
+            <a:r>
+              <a:rPr lang="en-US" sz="2400" dirty="0" smtClean="0">
+                <a:latin typeface="Arial" panose="020B0604020202020204" pitchFamily="34" charset="0"/>
+                <a:cs typeface="Arial" panose="020B0604020202020204" pitchFamily="34" charset="0"/>
+              </a:rPr>
+              <a:t> become </a:t>
+            </a:r>
+            <a:r>
+              <a:rPr lang="en-US" sz="2400" dirty="0">
+                <a:latin typeface="Arial" panose="020B0604020202020204" pitchFamily="34" charset="0"/>
+                <a:cs typeface="Arial" panose="020B0604020202020204" pitchFamily="34" charset="0"/>
+              </a:rPr>
+              <a:t>argument </a:t>
+            </a:r>
+            <a:r>
+              <a:rPr lang="en-US" sz="2400" dirty="0" smtClean="0">
+                <a:latin typeface="Arial" panose="020B0604020202020204" pitchFamily="34" charset="0"/>
+                <a:cs typeface="Arial" panose="020B0604020202020204" pitchFamily="34" charset="0"/>
+              </a:rPr>
+              <a:t>of </a:t>
+            </a:r>
+            <a:r>
+              <a:rPr lang="en-US" sz="2400" dirty="0">
+                <a:latin typeface="Arial" panose="020B0604020202020204" pitchFamily="34" charset="0"/>
+                <a:cs typeface="Arial" panose="020B0604020202020204" pitchFamily="34" charset="0"/>
+              </a:rPr>
+              <a:t>a </a:t>
+            </a:r>
+            <a:r>
+              <a:rPr lang="en-US" sz="2400" dirty="0" smtClean="0">
+                <a:latin typeface="Arial" panose="020B0604020202020204" pitchFamily="34" charset="0"/>
+                <a:cs typeface="Arial" panose="020B0604020202020204" pitchFamily="34" charset="0"/>
+              </a:rPr>
+              <a:t>function with </a:t>
+            </a:r>
+            <a:r>
+              <a:rPr lang="en-US" sz="2400" dirty="0">
+                <a:latin typeface="Arial" panose="020B0604020202020204" pitchFamily="34" charset="0"/>
+                <a:cs typeface="Arial" panose="020B0604020202020204" pitchFamily="34" charset="0"/>
+              </a:rPr>
+              <a:t>properties </a:t>
+            </a:r>
+            <a:endParaRPr lang="en-US" sz="2400" dirty="0" smtClean="0">
+              <a:latin typeface="Arial" panose="020B0604020202020204" pitchFamily="34" charset="0"/>
+              <a:cs typeface="Arial" panose="020B0604020202020204" pitchFamily="34" charset="0"/>
+            </a:endParaRPr>
+          </a:p>
+          <a:p>
+            <a:r>
+              <a:rPr lang="en-US" sz="2400" dirty="0" smtClean="0">
+                <a:latin typeface="Arial" panose="020B0604020202020204" pitchFamily="34" charset="0"/>
+                <a:cs typeface="Arial" panose="020B0604020202020204" pitchFamily="34" charset="0"/>
+              </a:rPr>
+              <a:t>like </a:t>
+            </a:r>
+            <a:r>
+              <a:rPr lang="en-US" sz="2400" dirty="0">
+                <a:latin typeface="Arial" panose="020B0604020202020204" pitchFamily="34" charset="0"/>
+                <a:cs typeface="Arial" panose="020B0604020202020204" pitchFamily="34" charset="0"/>
+              </a:rPr>
+              <a:t>a probability distribution</a:t>
+            </a:r>
+          </a:p>
+        </p:txBody>
+      </p:sp>
+      <p:pic>
+        <p:nvPicPr>
+          <p:cNvPr id="7" name="Picture 2" descr="E:\CS 483_580\2014\pictures from lecture 9\logistics function and graph.png"/>
+          <p:cNvPicPr>
+            <a:picLocks noChangeAspect="1" noChangeArrowheads="1"/>
+          </p:cNvPicPr>
+          <p:nvPr/>
+        </p:nvPicPr>
+        <p:blipFill>
+          <a:blip r:embed="rId2">
+            <a:extLst>
+              <a:ext uri="{28A0092B-C50C-407E-A947-70E740481C1C}">
+                <a14:useLocalDpi xmlns:a14="http://schemas.microsoft.com/office/drawing/2010/main" val="0"/>
+              </a:ext>
+            </a:extLst>
+          </a:blip>
+          <a:srcRect/>
+          <a:stretch>
+            <a:fillRect/>
+          </a:stretch>
+        </p:blipFill>
+        <p:spPr bwMode="auto">
+          <a:xfrm>
+            <a:off x="2663372" y="4267200"/>
+            <a:ext cx="7242629" cy="2055340"/>
+          </a:xfrm>
+          <a:prstGeom prst="rect">
+            <a:avLst/>
+          </a:prstGeom>
+          <a:noFill/>
+          <a:extLst>
+            <a:ext uri="{909E8E84-426E-40DD-AFC4-6F175D3DCCD1}">
+              <a14:hiddenFill xmlns:a14="http://schemas.microsoft.com/office/drawing/2010/main">
+                <a:solidFill>
+                  <a:srgbClr val="FFFFFF"/>
+                </a:solidFill>
+              </a14:hiddenFill>
+            </a:ext>
+          </a:extLst>
+        </p:spPr>
+      </p:pic>
+      <p:pic>
+        <p:nvPicPr>
+          <p:cNvPr id="1027" name="Picture 3" descr="H:\CS 483_580\2014\pictures from lecture 9\logistics regression.png"/>
+          <p:cNvPicPr>
+            <a:picLocks noChangeAspect="1" noChangeArrowheads="1"/>
+          </p:cNvPicPr>
+          <p:nvPr/>
+        </p:nvPicPr>
+        <p:blipFill>
+          <a:blip r:embed="rId3">
+            <a:extLst>
+              <a:ext uri="{28A0092B-C50C-407E-A947-70E740481C1C}">
+                <a14:useLocalDpi xmlns:a14="http://schemas.microsoft.com/office/drawing/2010/main" val="0"/>
+              </a:ext>
+            </a:extLst>
+          </a:blip>
+          <a:srcRect/>
+          <a:stretch>
+            <a:fillRect/>
+          </a:stretch>
+        </p:blipFill>
+        <p:spPr bwMode="auto">
+          <a:xfrm>
+            <a:off x="6181726" y="1009650"/>
+            <a:ext cx="3724275" cy="3257550"/>
+          </a:xfrm>
+          <a:prstGeom prst="rect">
+            <a:avLst/>
+          </a:prstGeom>
+          <a:noFill/>
+          <a:extLst>
+            <a:ext uri="{909E8E84-426E-40DD-AFC4-6F175D3DCCD1}">
+              <a14:hiddenFill xmlns:a14="http://schemas.microsoft.com/office/drawing/2010/main">
+                <a:solidFill>
+                  <a:srgbClr val="FFFFFF"/>
+                </a:solidFill>
+              </a14:hiddenFill>
+            </a:ext>
+          </a:extLst>
+        </p:spPr>
+      </p:pic>
+      <p:grpSp>
+        <p:nvGrpSpPr>
+          <p:cNvPr id="39" name="Group 38"/>
+          <p:cNvGrpSpPr/>
+          <p:nvPr/>
+        </p:nvGrpSpPr>
+        <p:grpSpPr>
+          <a:xfrm>
+            <a:off x="3060685" y="1390038"/>
+            <a:ext cx="2662881" cy="2801401"/>
+            <a:chOff x="7848600" y="2636839"/>
+            <a:chExt cx="2522538" cy="2592387"/>
+          </a:xfrm>
+        </p:grpSpPr>
+        <p:sp>
+          <p:nvSpPr>
+            <p:cNvPr id="40" name="Freeform 39"/>
+            <p:cNvSpPr/>
+            <p:nvPr/>
+          </p:nvSpPr>
+          <p:spPr>
+            <a:xfrm>
+              <a:off x="7848600" y="3505200"/>
+              <a:ext cx="1741488" cy="495300"/>
+            </a:xfrm>
+            <a:custGeom>
+              <a:avLst/>
+              <a:gdLst>
+                <a:gd name="connsiteX0" fmla="*/ 1740694 w 1740694"/>
+                <a:gd name="connsiteY0" fmla="*/ 53975 h 495300"/>
+                <a:gd name="connsiteX1" fmla="*/ 1216819 w 1740694"/>
+                <a:gd name="connsiteY1" fmla="*/ 58738 h 495300"/>
+                <a:gd name="connsiteX2" fmla="*/ 654844 w 1740694"/>
+                <a:gd name="connsiteY2" fmla="*/ 406400 h 495300"/>
+                <a:gd name="connsiteX3" fmla="*/ 92869 w 1740694"/>
+                <a:gd name="connsiteY3" fmla="*/ 482600 h 495300"/>
+                <a:gd name="connsiteX4" fmla="*/ 97632 w 1740694"/>
+                <a:gd name="connsiteY4" fmla="*/ 482600 h 495300"/>
+                <a:gd name="connsiteX5" fmla="*/ 97632 w 1740694"/>
+                <a:gd name="connsiteY5" fmla="*/ 482600 h 495300"/>
+              </a:gdLst>
+              <a:ahLst/>
+              <a:cxnLst>
+                <a:cxn ang="0">
+                  <a:pos x="connsiteX0" y="connsiteY0"/>
+                </a:cxn>
+                <a:cxn ang="0">
+                  <a:pos x="connsiteX1" y="connsiteY1"/>
+                </a:cxn>
+                <a:cxn ang="0">
+                  <a:pos x="connsiteX2" y="connsiteY2"/>
+                </a:cxn>
+                <a:cxn ang="0">
+                  <a:pos x="connsiteX3" y="connsiteY3"/>
+                </a:cxn>
+                <a:cxn ang="0">
+                  <a:pos x="connsiteX4" y="connsiteY4"/>
+                </a:cxn>
+                <a:cxn ang="0">
+                  <a:pos x="connsiteX5" y="connsiteY5"/>
+                </a:cxn>
+              </a:cxnLst>
+              <a:rect l="l" t="t" r="r" b="b"/>
+              <a:pathLst>
+                <a:path w="1740694" h="495300">
+                  <a:moveTo>
+                    <a:pt x="1740694" y="53975"/>
+                  </a:moveTo>
+                  <a:cubicBezTo>
+                    <a:pt x="1569244" y="26987"/>
+                    <a:pt x="1397794" y="0"/>
+                    <a:pt x="1216819" y="58738"/>
+                  </a:cubicBezTo>
+                  <a:cubicBezTo>
+                    <a:pt x="1035844" y="117476"/>
+                    <a:pt x="842169" y="335756"/>
+                    <a:pt x="654844" y="406400"/>
+                  </a:cubicBezTo>
+                  <a:cubicBezTo>
+                    <a:pt x="467519" y="477044"/>
+                    <a:pt x="185738" y="469900"/>
+                    <a:pt x="92869" y="482600"/>
+                  </a:cubicBezTo>
+                  <a:cubicBezTo>
+                    <a:pt x="0" y="495300"/>
+                    <a:pt x="97632" y="482600"/>
+                    <a:pt x="97632" y="482600"/>
+                  </a:cubicBezTo>
+                  <a:lnTo>
+                    <a:pt x="97632" y="482600"/>
+                  </a:lnTo>
+                </a:path>
+              </a:pathLst>
+            </a:custGeom>
+          </p:spPr>
+          <p:style>
+            <a:lnRef idx="1">
+              <a:schemeClr val="accent1"/>
+            </a:lnRef>
+            <a:fillRef idx="0">
+              <a:schemeClr val="accent1"/>
+            </a:fillRef>
+            <a:effectRef idx="0">
+              <a:schemeClr val="accent1"/>
+            </a:effectRef>
+            <a:fontRef idx="minor">
+              <a:schemeClr val="tx1"/>
+            </a:fontRef>
+          </p:style>
+          <p:txBody>
+            <a:bodyPr anchor="ctr"/>
+            <a:lstStyle/>
+            <a:p>
+              <a:pPr algn="ctr" eaLnBrk="1" hangingPunct="1">
+                <a:defRPr/>
+              </a:pPr>
+              <a:endParaRPr lang="tr-TR" sz="3200"/>
+            </a:p>
+          </p:txBody>
+        </p:sp>
+        <p:grpSp>
+          <p:nvGrpSpPr>
+            <p:cNvPr id="41" name="Group 40"/>
+            <p:cNvGrpSpPr/>
+            <p:nvPr/>
+          </p:nvGrpSpPr>
+          <p:grpSpPr>
+            <a:xfrm>
+              <a:off x="7896226" y="2636839"/>
+              <a:ext cx="2474912" cy="2592387"/>
+              <a:chOff x="7896226" y="2636839"/>
+              <a:chExt cx="2474912" cy="2592387"/>
+            </a:xfrm>
+          </p:grpSpPr>
+          <p:sp>
+            <p:nvSpPr>
+              <p:cNvPr id="42" name="Line 19"/>
+              <p:cNvSpPr>
+                <a:spLocks noChangeShapeType="1"/>
+              </p:cNvSpPr>
+              <p:nvPr/>
+            </p:nvSpPr>
+            <p:spPr bwMode="auto">
+              <a:xfrm>
+                <a:off x="8616951" y="4005264"/>
+                <a:ext cx="1439863" cy="1587"/>
+              </a:xfrm>
+              <a:prstGeom prst="line">
+                <a:avLst/>
+              </a:prstGeom>
+              <a:noFill/>
+              <a:ln w="9525">
+                <a:solidFill>
+                  <a:schemeClr val="tx1"/>
+                </a:solidFill>
+                <a:round/>
+                <a:headEnd/>
+                <a:tailEnd type="triangle" w="med" len="med"/>
+              </a:ln>
+              <a:effectLst/>
+            </p:spPr>
+            <p:txBody>
+              <a:bodyPr/>
+              <a:lstStyle/>
+              <a:p>
+                <a:pPr eaLnBrk="1" hangingPunct="1">
+                  <a:defRPr/>
+                </a:pPr>
+                <a:endParaRPr lang="tr-TR" sz="3200">
+                  <a:latin typeface="+mj-lt"/>
+                </a:endParaRPr>
+              </a:p>
+            </p:txBody>
+          </p:sp>
+          <p:sp>
+            <p:nvSpPr>
+              <p:cNvPr id="43" name="Line 29"/>
+              <p:cNvSpPr>
+                <a:spLocks noChangeShapeType="1"/>
+              </p:cNvSpPr>
+              <p:nvPr/>
+            </p:nvSpPr>
+            <p:spPr bwMode="auto">
+              <a:xfrm flipV="1">
+                <a:off x="9336088" y="2636839"/>
+                <a:ext cx="0" cy="2592387"/>
+              </a:xfrm>
+              <a:prstGeom prst="line">
+                <a:avLst/>
+              </a:prstGeom>
+              <a:noFill/>
+              <a:ln w="9525">
+                <a:solidFill>
+                  <a:schemeClr val="tx1"/>
+                </a:solidFill>
+                <a:round/>
+                <a:headEnd/>
+                <a:tailEnd type="triangle" w="med" len="med"/>
+              </a:ln>
+              <a:effectLst/>
+            </p:spPr>
+            <p:txBody>
+              <a:bodyPr/>
+              <a:lstStyle/>
+              <a:p>
+                <a:pPr eaLnBrk="1" hangingPunct="1">
+                  <a:defRPr/>
+                </a:pPr>
+                <a:endParaRPr lang="tr-TR" sz="3200">
+                  <a:latin typeface="+mj-lt"/>
+                </a:endParaRPr>
+              </a:p>
+            </p:txBody>
+          </p:sp>
+          <p:sp>
+            <p:nvSpPr>
+              <p:cNvPr id="44" name="Line 30"/>
+              <p:cNvSpPr>
+                <a:spLocks noChangeShapeType="1"/>
+              </p:cNvSpPr>
+              <p:nvPr/>
+            </p:nvSpPr>
+            <p:spPr bwMode="auto">
+              <a:xfrm flipV="1">
+                <a:off x="8472488" y="2781300"/>
+                <a:ext cx="1225550" cy="1728788"/>
+              </a:xfrm>
+              <a:prstGeom prst="line">
+                <a:avLst/>
+              </a:prstGeom>
+              <a:noFill/>
+              <a:ln w="28575">
+                <a:solidFill>
+                  <a:srgbClr val="3333FF"/>
+                </a:solidFill>
+                <a:round/>
+                <a:headEnd/>
+                <a:tailEnd/>
+              </a:ln>
+              <a:effectLst/>
+            </p:spPr>
+            <p:txBody>
+              <a:bodyPr/>
+              <a:lstStyle/>
+              <a:p>
+                <a:pPr eaLnBrk="1" hangingPunct="1">
+                  <a:defRPr/>
+                </a:pPr>
+                <a:endParaRPr lang="tr-TR" sz="3200">
+                  <a:latin typeface="+mj-lt"/>
+                </a:endParaRPr>
+              </a:p>
+            </p:txBody>
+          </p:sp>
+          <p:sp>
+            <p:nvSpPr>
+              <p:cNvPr id="45" name="Line 38"/>
+              <p:cNvSpPr>
+                <a:spLocks noChangeShapeType="1"/>
+              </p:cNvSpPr>
+              <p:nvPr/>
+            </p:nvSpPr>
+            <p:spPr bwMode="auto">
+              <a:xfrm>
+                <a:off x="8897145" y="4000500"/>
+                <a:ext cx="1008062" cy="0"/>
+              </a:xfrm>
+              <a:prstGeom prst="line">
+                <a:avLst/>
+              </a:prstGeom>
+              <a:noFill/>
+              <a:ln w="28575">
+                <a:solidFill>
+                  <a:srgbClr val="00B050"/>
+                </a:solidFill>
+                <a:round/>
+                <a:headEnd/>
+                <a:tailEnd/>
+              </a:ln>
+              <a:effectLst/>
+            </p:spPr>
+            <p:txBody>
+              <a:bodyPr/>
+              <a:lstStyle/>
+              <a:p>
+                <a:pPr eaLnBrk="1" hangingPunct="1">
+                  <a:defRPr/>
+                </a:pPr>
+                <a:endParaRPr lang="tr-TR" sz="3200">
+                  <a:latin typeface="+mj-lt"/>
+                </a:endParaRPr>
+              </a:p>
+            </p:txBody>
+          </p:sp>
+          <p:sp>
+            <p:nvSpPr>
+              <p:cNvPr id="46" name="Line 39"/>
+              <p:cNvSpPr>
+                <a:spLocks noChangeShapeType="1"/>
+              </p:cNvSpPr>
+              <p:nvPr/>
+            </p:nvSpPr>
+            <p:spPr bwMode="auto">
+              <a:xfrm>
+                <a:off x="7896226" y="4005263"/>
+                <a:ext cx="936625" cy="0"/>
+              </a:xfrm>
+              <a:prstGeom prst="line">
+                <a:avLst/>
+              </a:prstGeom>
+              <a:noFill/>
+              <a:ln w="28575">
+                <a:solidFill>
+                  <a:srgbClr val="FF0000"/>
+                </a:solidFill>
+                <a:round/>
+                <a:headEnd/>
+                <a:tailEnd/>
+              </a:ln>
+              <a:effectLst/>
+            </p:spPr>
+            <p:txBody>
+              <a:bodyPr/>
+              <a:lstStyle/>
+              <a:p>
+                <a:pPr eaLnBrk="1" hangingPunct="1">
+                  <a:defRPr/>
+                </a:pPr>
+                <a:endParaRPr lang="tr-TR" sz="3200">
+                  <a:latin typeface="+mj-lt"/>
+                </a:endParaRPr>
+              </a:p>
+            </p:txBody>
+          </p:sp>
+          <p:sp>
+            <p:nvSpPr>
+              <p:cNvPr id="47" name="Text Box 40"/>
+              <p:cNvSpPr txBox="1">
+                <a:spLocks noChangeArrowheads="1"/>
+              </p:cNvSpPr>
+              <p:nvPr/>
+            </p:nvSpPr>
+            <p:spPr bwMode="auto">
+              <a:xfrm>
+                <a:off x="9264650" y="4005263"/>
+                <a:ext cx="508000" cy="461962"/>
+              </a:xfrm>
+              <a:prstGeom prst="rect">
+                <a:avLst/>
+              </a:prstGeom>
+              <a:noFill/>
+              <a:ln w="9525">
+                <a:noFill/>
+                <a:miter lim="800000"/>
+                <a:headEnd/>
+                <a:tailEnd/>
+              </a:ln>
+              <a:effectLst/>
+            </p:spPr>
+            <p:txBody>
+              <a:bodyPr wrap="none">
+                <a:spAutoFit/>
+              </a:bodyPr>
+              <a:lstStyle/>
+              <a:p>
+                <a:pPr eaLnBrk="1" hangingPunct="1">
+                  <a:defRPr/>
+                </a:pPr>
+                <a:r>
+                  <a:rPr lang="tr-TR" sz="2400" i="1" dirty="0">
+                    <a:latin typeface="+mj-lt"/>
+                  </a:rPr>
+                  <a:t>w</a:t>
+                </a:r>
+                <a:r>
+                  <a:rPr lang="tr-TR" sz="2400" baseline="-25000" dirty="0">
+                    <a:latin typeface="+mj-lt"/>
+                  </a:rPr>
+                  <a:t>0</a:t>
+                </a:r>
+              </a:p>
+            </p:txBody>
+          </p:sp>
+          <p:grpSp>
+            <p:nvGrpSpPr>
+              <p:cNvPr id="48" name="Group 58"/>
+              <p:cNvGrpSpPr>
+                <a:grpSpLocks/>
+              </p:cNvGrpSpPr>
+              <p:nvPr/>
+            </p:nvGrpSpPr>
+            <p:grpSpPr bwMode="auto">
+              <a:xfrm>
+                <a:off x="9401176" y="3933826"/>
+                <a:ext cx="144463" cy="142875"/>
+                <a:chOff x="4150" y="3748"/>
+                <a:chExt cx="91" cy="90"/>
+              </a:xfrm>
+            </p:grpSpPr>
+            <p:sp>
+              <p:nvSpPr>
+                <p:cNvPr id="71" name="Line 56"/>
+                <p:cNvSpPr>
+                  <a:spLocks noChangeShapeType="1"/>
+                </p:cNvSpPr>
+                <p:nvPr/>
+              </p:nvSpPr>
+              <p:spPr bwMode="auto">
+                <a:xfrm>
+                  <a:off x="4150" y="3748"/>
+                  <a:ext cx="91" cy="90"/>
+                </a:xfrm>
+                <a:prstGeom prst="line">
+                  <a:avLst/>
+                </a:prstGeom>
+                <a:noFill/>
+                <a:ln w="28575">
+                  <a:solidFill>
+                    <a:srgbClr val="66FF33"/>
+                  </a:solidFill>
+                  <a:round/>
+                  <a:headEnd/>
+                  <a:tailEnd/>
+                </a:ln>
+                <a:extLst>
+                  <a:ext uri="{909E8E84-426E-40DD-AFC4-6F175D3DCCD1}">
+                    <a14:hiddenFill xmlns:a14="http://schemas.microsoft.com/office/drawing/2010/main">
+                      <a:noFill/>
+                    </a14:hiddenFill>
+                  </a:ext>
+                </a:extLst>
+              </p:spPr>
+              <p:txBody>
+                <a:bodyPr/>
+                <a:lstStyle/>
+                <a:p>
+                  <a:endParaRPr lang="en-US"/>
+                </a:p>
+              </p:txBody>
+            </p:sp>
+            <p:sp>
+              <p:nvSpPr>
+                <p:cNvPr id="72" name="Line 57"/>
+                <p:cNvSpPr>
+                  <a:spLocks noChangeShapeType="1"/>
+                </p:cNvSpPr>
+                <p:nvPr/>
+              </p:nvSpPr>
+              <p:spPr bwMode="auto">
+                <a:xfrm flipH="1">
+                  <a:off x="4150" y="3748"/>
+                  <a:ext cx="91" cy="90"/>
+                </a:xfrm>
+                <a:prstGeom prst="line">
+                  <a:avLst/>
+                </a:prstGeom>
+                <a:noFill/>
+                <a:ln w="28575">
+                  <a:solidFill>
+                    <a:srgbClr val="66FF33"/>
+                  </a:solidFill>
+                  <a:round/>
+                  <a:headEnd/>
+                  <a:tailEnd/>
+                </a:ln>
+                <a:extLst>
+                  <a:ext uri="{909E8E84-426E-40DD-AFC4-6F175D3DCCD1}">
+                    <a14:hiddenFill xmlns:a14="http://schemas.microsoft.com/office/drawing/2010/main">
+                      <a:noFill/>
+                    </a14:hiddenFill>
+                  </a:ext>
+                </a:extLst>
+              </p:spPr>
+              <p:txBody>
+                <a:bodyPr/>
+                <a:lstStyle/>
+                <a:p>
+                  <a:endParaRPr lang="en-US"/>
+                </a:p>
+              </p:txBody>
+            </p:sp>
+          </p:grpSp>
+          <p:grpSp>
+            <p:nvGrpSpPr>
+              <p:cNvPr id="49" name="Group 59"/>
+              <p:cNvGrpSpPr>
+                <a:grpSpLocks/>
+              </p:cNvGrpSpPr>
+              <p:nvPr/>
+            </p:nvGrpSpPr>
+            <p:grpSpPr bwMode="auto">
+              <a:xfrm>
+                <a:off x="8975726" y="3933826"/>
+                <a:ext cx="144463" cy="142875"/>
+                <a:chOff x="4150" y="3748"/>
+                <a:chExt cx="91" cy="90"/>
+              </a:xfrm>
+            </p:grpSpPr>
+            <p:sp>
+              <p:nvSpPr>
+                <p:cNvPr id="69" name="Line 60"/>
+                <p:cNvSpPr>
+                  <a:spLocks noChangeShapeType="1"/>
+                </p:cNvSpPr>
+                <p:nvPr/>
+              </p:nvSpPr>
+              <p:spPr bwMode="auto">
+                <a:xfrm>
+                  <a:off x="4150" y="3748"/>
+                  <a:ext cx="91" cy="90"/>
+                </a:xfrm>
+                <a:prstGeom prst="line">
+                  <a:avLst/>
+                </a:prstGeom>
+                <a:noFill/>
+                <a:ln w="28575">
+                  <a:solidFill>
+                    <a:srgbClr val="66FF33"/>
+                  </a:solidFill>
+                  <a:round/>
+                  <a:headEnd/>
+                  <a:tailEnd/>
+                </a:ln>
+                <a:extLst>
+                  <a:ext uri="{909E8E84-426E-40DD-AFC4-6F175D3DCCD1}">
+                    <a14:hiddenFill xmlns:a14="http://schemas.microsoft.com/office/drawing/2010/main">
+                      <a:noFill/>
+                    </a14:hiddenFill>
+                  </a:ext>
+                </a:extLst>
+              </p:spPr>
+              <p:txBody>
+                <a:bodyPr/>
+                <a:lstStyle/>
+                <a:p>
+                  <a:endParaRPr lang="en-US"/>
+                </a:p>
+              </p:txBody>
+            </p:sp>
+            <p:sp>
+              <p:nvSpPr>
+                <p:cNvPr id="70" name="Line 61"/>
+                <p:cNvSpPr>
+                  <a:spLocks noChangeShapeType="1"/>
+                </p:cNvSpPr>
+                <p:nvPr/>
+              </p:nvSpPr>
+              <p:spPr bwMode="auto">
+                <a:xfrm flipH="1">
+                  <a:off x="4150" y="3748"/>
+                  <a:ext cx="91" cy="90"/>
+                </a:xfrm>
+                <a:prstGeom prst="line">
+                  <a:avLst/>
+                </a:prstGeom>
+                <a:noFill/>
+                <a:ln w="28575">
+                  <a:solidFill>
+                    <a:srgbClr val="66FF33"/>
+                  </a:solidFill>
+                  <a:round/>
+                  <a:headEnd/>
+                  <a:tailEnd/>
+                </a:ln>
+                <a:extLst>
+                  <a:ext uri="{909E8E84-426E-40DD-AFC4-6F175D3DCCD1}">
+                    <a14:hiddenFill xmlns:a14="http://schemas.microsoft.com/office/drawing/2010/main">
+                      <a:noFill/>
+                    </a14:hiddenFill>
+                  </a:ext>
+                </a:extLst>
+              </p:spPr>
+              <p:txBody>
+                <a:bodyPr/>
+                <a:lstStyle/>
+                <a:p>
+                  <a:endParaRPr lang="en-US"/>
+                </a:p>
+              </p:txBody>
+            </p:sp>
+          </p:grpSp>
+          <p:grpSp>
+            <p:nvGrpSpPr>
+              <p:cNvPr id="50" name="Group 62"/>
+              <p:cNvGrpSpPr>
+                <a:grpSpLocks/>
+              </p:cNvGrpSpPr>
+              <p:nvPr/>
+            </p:nvGrpSpPr>
+            <p:grpSpPr bwMode="auto">
+              <a:xfrm>
+                <a:off x="9191626" y="3933826"/>
+                <a:ext cx="144463" cy="142875"/>
+                <a:chOff x="4150" y="3748"/>
+                <a:chExt cx="91" cy="90"/>
+              </a:xfrm>
+            </p:grpSpPr>
+            <p:sp>
+              <p:nvSpPr>
+                <p:cNvPr id="67" name="Line 63"/>
+                <p:cNvSpPr>
+                  <a:spLocks noChangeShapeType="1"/>
+                </p:cNvSpPr>
+                <p:nvPr/>
+              </p:nvSpPr>
+              <p:spPr bwMode="auto">
+                <a:xfrm>
+                  <a:off x="4150" y="3748"/>
+                  <a:ext cx="91" cy="90"/>
+                </a:xfrm>
+                <a:prstGeom prst="line">
+                  <a:avLst/>
+                </a:prstGeom>
+                <a:noFill/>
+                <a:ln w="28575">
+                  <a:solidFill>
+                    <a:srgbClr val="66FF33"/>
+                  </a:solidFill>
+                  <a:round/>
+                  <a:headEnd/>
+                  <a:tailEnd/>
+                </a:ln>
+                <a:extLst>
+                  <a:ext uri="{909E8E84-426E-40DD-AFC4-6F175D3DCCD1}">
+                    <a14:hiddenFill xmlns:a14="http://schemas.microsoft.com/office/drawing/2010/main">
+                      <a:noFill/>
+                    </a14:hiddenFill>
+                  </a:ext>
+                </a:extLst>
+              </p:spPr>
+              <p:txBody>
+                <a:bodyPr/>
+                <a:lstStyle/>
+                <a:p>
+                  <a:endParaRPr lang="en-US"/>
+                </a:p>
+              </p:txBody>
+            </p:sp>
+            <p:sp>
+              <p:nvSpPr>
+                <p:cNvPr id="68" name="Line 64"/>
+                <p:cNvSpPr>
+                  <a:spLocks noChangeShapeType="1"/>
+                </p:cNvSpPr>
+                <p:nvPr/>
+              </p:nvSpPr>
+              <p:spPr bwMode="auto">
+                <a:xfrm flipH="1">
+                  <a:off x="4150" y="3748"/>
+                  <a:ext cx="91" cy="90"/>
+                </a:xfrm>
+                <a:prstGeom prst="line">
+                  <a:avLst/>
+                </a:prstGeom>
+                <a:noFill/>
+                <a:ln w="28575">
+                  <a:solidFill>
+                    <a:srgbClr val="66FF33"/>
+                  </a:solidFill>
+                  <a:round/>
+                  <a:headEnd/>
+                  <a:tailEnd/>
+                </a:ln>
+                <a:extLst>
+                  <a:ext uri="{909E8E84-426E-40DD-AFC4-6F175D3DCCD1}">
+                    <a14:hiddenFill xmlns:a14="http://schemas.microsoft.com/office/drawing/2010/main">
+                      <a:noFill/>
+                    </a14:hiddenFill>
+                  </a:ext>
+                </a:extLst>
+              </p:spPr>
+              <p:txBody>
+                <a:bodyPr/>
+                <a:lstStyle/>
+                <a:p>
+                  <a:endParaRPr lang="en-US"/>
+                </a:p>
+              </p:txBody>
+            </p:sp>
+          </p:grpSp>
+          <p:grpSp>
+            <p:nvGrpSpPr>
+              <p:cNvPr id="51" name="Group 65"/>
+              <p:cNvGrpSpPr>
+                <a:grpSpLocks/>
+              </p:cNvGrpSpPr>
+              <p:nvPr/>
+            </p:nvGrpSpPr>
+            <p:grpSpPr bwMode="auto">
+              <a:xfrm>
+                <a:off x="9296401" y="3933826"/>
+                <a:ext cx="144463" cy="142875"/>
+                <a:chOff x="4150" y="3748"/>
+                <a:chExt cx="91" cy="90"/>
+              </a:xfrm>
+            </p:grpSpPr>
+            <p:sp>
+              <p:nvSpPr>
+                <p:cNvPr id="65" name="Line 66"/>
+                <p:cNvSpPr>
+                  <a:spLocks noChangeShapeType="1"/>
+                </p:cNvSpPr>
+                <p:nvPr/>
+              </p:nvSpPr>
+              <p:spPr bwMode="auto">
+                <a:xfrm>
+                  <a:off x="4150" y="3748"/>
+                  <a:ext cx="91" cy="90"/>
+                </a:xfrm>
+                <a:prstGeom prst="line">
+                  <a:avLst/>
+                </a:prstGeom>
+                <a:noFill/>
+                <a:ln w="28575">
+                  <a:solidFill>
+                    <a:srgbClr val="66FF33"/>
+                  </a:solidFill>
+                  <a:round/>
+                  <a:headEnd/>
+                  <a:tailEnd/>
+                </a:ln>
+                <a:extLst>
+                  <a:ext uri="{909E8E84-426E-40DD-AFC4-6F175D3DCCD1}">
+                    <a14:hiddenFill xmlns:a14="http://schemas.microsoft.com/office/drawing/2010/main">
+                      <a:noFill/>
+                    </a14:hiddenFill>
+                  </a:ext>
+                </a:extLst>
+              </p:spPr>
+              <p:txBody>
+                <a:bodyPr/>
+                <a:lstStyle/>
+                <a:p>
+                  <a:endParaRPr lang="en-US"/>
+                </a:p>
+              </p:txBody>
+            </p:sp>
+            <p:sp>
+              <p:nvSpPr>
+                <p:cNvPr id="66" name="Line 67"/>
+                <p:cNvSpPr>
+                  <a:spLocks noChangeShapeType="1"/>
+                </p:cNvSpPr>
+                <p:nvPr/>
+              </p:nvSpPr>
+              <p:spPr bwMode="auto">
+                <a:xfrm flipH="1">
+                  <a:off x="4150" y="3748"/>
+                  <a:ext cx="91" cy="90"/>
+                </a:xfrm>
+                <a:prstGeom prst="line">
+                  <a:avLst/>
+                </a:prstGeom>
+                <a:noFill/>
+                <a:ln w="28575">
+                  <a:solidFill>
+                    <a:srgbClr val="66FF33"/>
+                  </a:solidFill>
+                  <a:round/>
+                  <a:headEnd/>
+                  <a:tailEnd/>
+                </a:ln>
+                <a:extLst>
+                  <a:ext uri="{909E8E84-426E-40DD-AFC4-6F175D3DCCD1}">
+                    <a14:hiddenFill xmlns:a14="http://schemas.microsoft.com/office/drawing/2010/main">
+                      <a:noFill/>
+                    </a14:hiddenFill>
+                  </a:ext>
+                </a:extLst>
+              </p:spPr>
+              <p:txBody>
+                <a:bodyPr/>
+                <a:lstStyle/>
+                <a:p>
+                  <a:endParaRPr lang="en-US"/>
+                </a:p>
+              </p:txBody>
+            </p:sp>
+          </p:grpSp>
+          <p:grpSp>
+            <p:nvGrpSpPr>
+              <p:cNvPr id="52" name="Group 68"/>
+              <p:cNvGrpSpPr>
+                <a:grpSpLocks/>
+              </p:cNvGrpSpPr>
+              <p:nvPr/>
+            </p:nvGrpSpPr>
+            <p:grpSpPr bwMode="auto">
+              <a:xfrm>
+                <a:off x="8474076" y="3933826"/>
+                <a:ext cx="144463" cy="142875"/>
+                <a:chOff x="4150" y="3748"/>
+                <a:chExt cx="91" cy="90"/>
+              </a:xfrm>
+            </p:grpSpPr>
+            <p:sp>
+              <p:nvSpPr>
+                <p:cNvPr id="63" name="Line 69"/>
+                <p:cNvSpPr>
+                  <a:spLocks noChangeShapeType="1"/>
+                </p:cNvSpPr>
+                <p:nvPr/>
+              </p:nvSpPr>
+              <p:spPr bwMode="auto">
+                <a:xfrm>
+                  <a:off x="4150" y="3748"/>
+                  <a:ext cx="91" cy="90"/>
+                </a:xfrm>
+                <a:prstGeom prst="line">
+                  <a:avLst/>
+                </a:prstGeom>
+                <a:noFill/>
+                <a:ln w="28575">
+                  <a:solidFill>
+                    <a:srgbClr val="FF33CC"/>
+                  </a:solidFill>
+                  <a:round/>
+                  <a:headEnd/>
+                  <a:tailEnd/>
+                </a:ln>
+                <a:extLst>
+                  <a:ext uri="{909E8E84-426E-40DD-AFC4-6F175D3DCCD1}">
+                    <a14:hiddenFill xmlns:a14="http://schemas.microsoft.com/office/drawing/2010/main">
+                      <a:noFill/>
+                    </a14:hiddenFill>
+                  </a:ext>
+                </a:extLst>
+              </p:spPr>
+              <p:txBody>
+                <a:bodyPr/>
+                <a:lstStyle/>
+                <a:p>
+                  <a:endParaRPr lang="en-US"/>
+                </a:p>
+              </p:txBody>
+            </p:sp>
+            <p:sp>
+              <p:nvSpPr>
+                <p:cNvPr id="64" name="Line 70"/>
+                <p:cNvSpPr>
+                  <a:spLocks noChangeShapeType="1"/>
+                </p:cNvSpPr>
+                <p:nvPr/>
+              </p:nvSpPr>
+              <p:spPr bwMode="auto">
+                <a:xfrm flipH="1">
+                  <a:off x="4150" y="3748"/>
+                  <a:ext cx="91" cy="90"/>
+                </a:xfrm>
+                <a:prstGeom prst="line">
+                  <a:avLst/>
+                </a:prstGeom>
+                <a:noFill/>
+                <a:ln w="28575">
+                  <a:solidFill>
+                    <a:srgbClr val="FF33CC"/>
+                  </a:solidFill>
+                  <a:round/>
+                  <a:headEnd/>
+                  <a:tailEnd/>
+                </a:ln>
+                <a:extLst>
+                  <a:ext uri="{909E8E84-426E-40DD-AFC4-6F175D3DCCD1}">
+                    <a14:hiddenFill xmlns:a14="http://schemas.microsoft.com/office/drawing/2010/main">
+                      <a:noFill/>
+                    </a14:hiddenFill>
+                  </a:ext>
+                </a:extLst>
+              </p:spPr>
+              <p:txBody>
+                <a:bodyPr/>
+                <a:lstStyle/>
+                <a:p>
+                  <a:endParaRPr lang="en-US"/>
+                </a:p>
+              </p:txBody>
+            </p:sp>
+          </p:grpSp>
+          <p:grpSp>
+            <p:nvGrpSpPr>
+              <p:cNvPr id="53" name="Group 71"/>
+              <p:cNvGrpSpPr>
+                <a:grpSpLocks/>
+              </p:cNvGrpSpPr>
+              <p:nvPr/>
+            </p:nvGrpSpPr>
+            <p:grpSpPr bwMode="auto">
+              <a:xfrm>
+                <a:off x="8040688" y="3933826"/>
+                <a:ext cx="144462" cy="142875"/>
+                <a:chOff x="4150" y="3748"/>
+                <a:chExt cx="91" cy="90"/>
+              </a:xfrm>
+            </p:grpSpPr>
+            <p:sp>
+              <p:nvSpPr>
+                <p:cNvPr id="61" name="Line 72"/>
+                <p:cNvSpPr>
+                  <a:spLocks noChangeShapeType="1"/>
+                </p:cNvSpPr>
+                <p:nvPr/>
+              </p:nvSpPr>
+              <p:spPr bwMode="auto">
+                <a:xfrm>
+                  <a:off x="4150" y="3748"/>
+                  <a:ext cx="91" cy="90"/>
+                </a:xfrm>
+                <a:prstGeom prst="line">
+                  <a:avLst/>
+                </a:prstGeom>
+                <a:noFill/>
+                <a:ln w="28575">
+                  <a:solidFill>
+                    <a:srgbClr val="FF33CC"/>
+                  </a:solidFill>
+                  <a:round/>
+                  <a:headEnd/>
+                  <a:tailEnd/>
+                </a:ln>
+                <a:extLst>
+                  <a:ext uri="{909E8E84-426E-40DD-AFC4-6F175D3DCCD1}">
+                    <a14:hiddenFill xmlns:a14="http://schemas.microsoft.com/office/drawing/2010/main">
+                      <a:noFill/>
+                    </a14:hiddenFill>
+                  </a:ext>
+                </a:extLst>
+              </p:spPr>
+              <p:txBody>
+                <a:bodyPr/>
+                <a:lstStyle/>
+                <a:p>
+                  <a:endParaRPr lang="en-US"/>
+                </a:p>
+              </p:txBody>
+            </p:sp>
+            <p:sp>
+              <p:nvSpPr>
+                <p:cNvPr id="62" name="Line 73"/>
+                <p:cNvSpPr>
+                  <a:spLocks noChangeShapeType="1"/>
+                </p:cNvSpPr>
+                <p:nvPr/>
+              </p:nvSpPr>
+              <p:spPr bwMode="auto">
+                <a:xfrm flipH="1">
+                  <a:off x="4150" y="3748"/>
+                  <a:ext cx="91" cy="90"/>
+                </a:xfrm>
+                <a:prstGeom prst="line">
+                  <a:avLst/>
+                </a:prstGeom>
+                <a:noFill/>
+                <a:ln w="28575">
+                  <a:solidFill>
+                    <a:srgbClr val="FF33CC"/>
+                  </a:solidFill>
+                  <a:round/>
+                  <a:headEnd/>
+                  <a:tailEnd/>
+                </a:ln>
+                <a:extLst>
+                  <a:ext uri="{909E8E84-426E-40DD-AFC4-6F175D3DCCD1}">
+                    <a14:hiddenFill xmlns:a14="http://schemas.microsoft.com/office/drawing/2010/main">
+                      <a:noFill/>
+                    </a14:hiddenFill>
+                  </a:ext>
+                </a:extLst>
+              </p:spPr>
+              <p:txBody>
+                <a:bodyPr/>
+                <a:lstStyle/>
+                <a:p>
+                  <a:endParaRPr lang="en-US"/>
+                </a:p>
+              </p:txBody>
+            </p:sp>
+          </p:grpSp>
+          <p:grpSp>
+            <p:nvGrpSpPr>
+              <p:cNvPr id="54" name="Group 74"/>
+              <p:cNvGrpSpPr>
+                <a:grpSpLocks/>
+              </p:cNvGrpSpPr>
+              <p:nvPr/>
+            </p:nvGrpSpPr>
+            <p:grpSpPr bwMode="auto">
+              <a:xfrm>
+                <a:off x="8256588" y="3933826"/>
+                <a:ext cx="144462" cy="142875"/>
+                <a:chOff x="4150" y="3748"/>
+                <a:chExt cx="91" cy="90"/>
+              </a:xfrm>
+            </p:grpSpPr>
+            <p:sp>
+              <p:nvSpPr>
+                <p:cNvPr id="59" name="Line 75"/>
+                <p:cNvSpPr>
+                  <a:spLocks noChangeShapeType="1"/>
+                </p:cNvSpPr>
+                <p:nvPr/>
+              </p:nvSpPr>
+              <p:spPr bwMode="auto">
+                <a:xfrm>
+                  <a:off x="4150" y="3748"/>
+                  <a:ext cx="91" cy="90"/>
+                </a:xfrm>
+                <a:prstGeom prst="line">
+                  <a:avLst/>
+                </a:prstGeom>
+                <a:noFill/>
+                <a:ln w="28575">
+                  <a:solidFill>
+                    <a:srgbClr val="FF33CC"/>
+                  </a:solidFill>
+                  <a:round/>
+                  <a:headEnd/>
+                  <a:tailEnd/>
+                </a:ln>
+                <a:extLst>
+                  <a:ext uri="{909E8E84-426E-40DD-AFC4-6F175D3DCCD1}">
+                    <a14:hiddenFill xmlns:a14="http://schemas.microsoft.com/office/drawing/2010/main">
+                      <a:noFill/>
+                    </a14:hiddenFill>
+                  </a:ext>
+                </a:extLst>
+              </p:spPr>
+              <p:txBody>
+                <a:bodyPr/>
+                <a:lstStyle/>
+                <a:p>
+                  <a:endParaRPr lang="en-US"/>
+                </a:p>
+              </p:txBody>
+            </p:sp>
+            <p:sp>
+              <p:nvSpPr>
+                <p:cNvPr id="60" name="Line 76"/>
+                <p:cNvSpPr>
+                  <a:spLocks noChangeShapeType="1"/>
+                </p:cNvSpPr>
+                <p:nvPr/>
+              </p:nvSpPr>
+              <p:spPr bwMode="auto">
+                <a:xfrm flipH="1">
+                  <a:off x="4150" y="3748"/>
+                  <a:ext cx="91" cy="90"/>
+                </a:xfrm>
+                <a:prstGeom prst="line">
+                  <a:avLst/>
+                </a:prstGeom>
+                <a:noFill/>
+                <a:ln w="28575">
+                  <a:solidFill>
+                    <a:srgbClr val="FF33CC"/>
+                  </a:solidFill>
+                  <a:round/>
+                  <a:headEnd/>
+                  <a:tailEnd/>
+                </a:ln>
+                <a:extLst>
+                  <a:ext uri="{909E8E84-426E-40DD-AFC4-6F175D3DCCD1}">
+                    <a14:hiddenFill xmlns:a14="http://schemas.microsoft.com/office/drawing/2010/main">
+                      <a:noFill/>
+                    </a14:hiddenFill>
+                  </a:ext>
+                </a:extLst>
+              </p:spPr>
+              <p:txBody>
+                <a:bodyPr/>
+                <a:lstStyle/>
+                <a:p>
+                  <a:endParaRPr lang="en-US"/>
+                </a:p>
+              </p:txBody>
+            </p:sp>
+          </p:grpSp>
+          <p:grpSp>
+            <p:nvGrpSpPr>
+              <p:cNvPr id="55" name="Group 77"/>
+              <p:cNvGrpSpPr>
+                <a:grpSpLocks/>
+              </p:cNvGrpSpPr>
+              <p:nvPr/>
+            </p:nvGrpSpPr>
+            <p:grpSpPr bwMode="auto">
+              <a:xfrm>
+                <a:off x="8401051" y="3933826"/>
+                <a:ext cx="144463" cy="142875"/>
+                <a:chOff x="4150" y="3748"/>
+                <a:chExt cx="91" cy="90"/>
+              </a:xfrm>
+            </p:grpSpPr>
+            <p:sp>
+              <p:nvSpPr>
+                <p:cNvPr id="57" name="Line 78"/>
+                <p:cNvSpPr>
+                  <a:spLocks noChangeShapeType="1"/>
+                </p:cNvSpPr>
+                <p:nvPr/>
+              </p:nvSpPr>
+              <p:spPr bwMode="auto">
+                <a:xfrm>
+                  <a:off x="4150" y="3748"/>
+                  <a:ext cx="91" cy="90"/>
+                </a:xfrm>
+                <a:prstGeom prst="line">
+                  <a:avLst/>
+                </a:prstGeom>
+                <a:noFill/>
+                <a:ln w="28575">
+                  <a:solidFill>
+                    <a:srgbClr val="FF33CC"/>
+                  </a:solidFill>
+                  <a:round/>
+                  <a:headEnd/>
+                  <a:tailEnd/>
+                </a:ln>
+                <a:extLst>
+                  <a:ext uri="{909E8E84-426E-40DD-AFC4-6F175D3DCCD1}">
+                    <a14:hiddenFill xmlns:a14="http://schemas.microsoft.com/office/drawing/2010/main">
+                      <a:noFill/>
+                    </a14:hiddenFill>
+                  </a:ext>
+                </a:extLst>
+              </p:spPr>
+              <p:txBody>
+                <a:bodyPr/>
+                <a:lstStyle/>
+                <a:p>
+                  <a:endParaRPr lang="en-US"/>
+                </a:p>
+              </p:txBody>
+            </p:sp>
+            <p:sp>
+              <p:nvSpPr>
+                <p:cNvPr id="58" name="Line 79"/>
+                <p:cNvSpPr>
+                  <a:spLocks noChangeShapeType="1"/>
+                </p:cNvSpPr>
+                <p:nvPr/>
+              </p:nvSpPr>
+              <p:spPr bwMode="auto">
+                <a:xfrm flipH="1">
+                  <a:off x="4150" y="3748"/>
+                  <a:ext cx="91" cy="90"/>
+                </a:xfrm>
+                <a:prstGeom prst="line">
+                  <a:avLst/>
+                </a:prstGeom>
+                <a:noFill/>
+                <a:ln w="28575">
+                  <a:solidFill>
+                    <a:srgbClr val="FF33CC"/>
+                  </a:solidFill>
+                  <a:round/>
+                  <a:headEnd/>
+                  <a:tailEnd/>
+                </a:ln>
+                <a:extLst>
+                  <a:ext uri="{909E8E84-426E-40DD-AFC4-6F175D3DCCD1}">
+                    <a14:hiddenFill xmlns:a14="http://schemas.microsoft.com/office/drawing/2010/main">
+                      <a:noFill/>
+                    </a14:hiddenFill>
+                  </a:ext>
+                </a:extLst>
+              </p:spPr>
+              <p:txBody>
+                <a:bodyPr/>
+                <a:lstStyle/>
+                <a:p>
+                  <a:endParaRPr lang="en-US"/>
+                </a:p>
+              </p:txBody>
+            </p:sp>
+          </p:grpSp>
+          <p:sp>
+            <p:nvSpPr>
+              <p:cNvPr id="56" name="Text Box 42"/>
+              <p:cNvSpPr txBox="1">
+                <a:spLocks noChangeArrowheads="1"/>
+              </p:cNvSpPr>
+              <p:nvPr/>
+            </p:nvSpPr>
+            <p:spPr bwMode="auto">
+              <a:xfrm>
+                <a:off x="10053638" y="3752851"/>
+                <a:ext cx="317500" cy="461963"/>
+              </a:xfrm>
+              <a:prstGeom prst="rect">
+                <a:avLst/>
+              </a:prstGeom>
+              <a:noFill/>
+              <a:ln w="9525">
+                <a:noFill/>
+                <a:miter lim="800000"/>
+                <a:headEnd/>
+                <a:tailEnd/>
+              </a:ln>
+              <a:effectLst/>
+            </p:spPr>
+            <p:txBody>
+              <a:bodyPr wrap="none">
+                <a:spAutoFit/>
+              </a:bodyPr>
+              <a:lstStyle/>
+              <a:p>
+                <a:pPr eaLnBrk="1" hangingPunct="1">
+                  <a:defRPr/>
+                </a:pPr>
+                <a:r>
+                  <a:rPr lang="tr-TR" sz="2400" i="1" dirty="0">
+                    <a:latin typeface="+mj-lt"/>
+                  </a:rPr>
+                  <a:t>x</a:t>
+                </a:r>
+              </a:p>
+            </p:txBody>
+          </p:sp>
+        </p:grpSp>
+      </p:grpSp>
+      <p:sp>
+        <p:nvSpPr>
+          <p:cNvPr id="2" name="TextBox 1"/>
+          <p:cNvSpPr txBox="1"/>
+          <p:nvPr/>
+        </p:nvSpPr>
+        <p:spPr>
+          <a:xfrm>
+            <a:off x="1774591" y="1569466"/>
+            <a:ext cx="1890261" cy="830997"/>
+          </a:xfrm>
+          <a:prstGeom prst="rect">
+            <a:avLst/>
+          </a:prstGeom>
+          <a:noFill/>
+        </p:spPr>
+        <p:txBody>
+          <a:bodyPr wrap="none" rtlCol="0">
+            <a:spAutoFit/>
+          </a:bodyPr>
+          <a:lstStyle/>
+          <a:p>
+            <a:r>
+              <a:rPr lang="en-US" sz="2400" b="1" dirty="0" smtClean="0">
+                <a:latin typeface="Arial" panose="020B0604020202020204" pitchFamily="34" charset="0"/>
+                <a:cs typeface="Arial" panose="020B0604020202020204" pitchFamily="34" charset="0"/>
+              </a:rPr>
+              <a:t>w</a:t>
+            </a:r>
+            <a:r>
+              <a:rPr lang="en-US" sz="2400" baseline="30000" dirty="0" smtClean="0">
+                <a:latin typeface="Arial" panose="020B0604020202020204" pitchFamily="34" charset="0"/>
+                <a:cs typeface="Arial" panose="020B0604020202020204" pitchFamily="34" charset="0"/>
+              </a:rPr>
+              <a:t>T</a:t>
+            </a:r>
+            <a:r>
+              <a:rPr lang="en-US" sz="2400" b="1" dirty="0" smtClean="0">
+                <a:latin typeface="Arial" panose="020B0604020202020204" pitchFamily="34" charset="0"/>
+                <a:cs typeface="Arial" panose="020B0604020202020204" pitchFamily="34" charset="0"/>
+              </a:rPr>
+              <a:t>x</a:t>
+            </a:r>
+            <a:r>
+              <a:rPr lang="en-US" sz="2400" dirty="0" smtClean="0">
+                <a:latin typeface="Arial" panose="020B0604020202020204" pitchFamily="34" charset="0"/>
+                <a:cs typeface="Arial" panose="020B0604020202020204" pitchFamily="34" charset="0"/>
+              </a:rPr>
+              <a:t> = 0 is a </a:t>
+            </a:r>
+          </a:p>
+          <a:p>
+            <a:r>
+              <a:rPr lang="en-US" sz="2400" dirty="0" smtClean="0">
+                <a:latin typeface="Arial" panose="020B0604020202020204" pitchFamily="34" charset="0"/>
+                <a:cs typeface="Arial" panose="020B0604020202020204" pitchFamily="34" charset="0"/>
+              </a:rPr>
+              <a:t>discriminant</a:t>
+            </a:r>
+            <a:endParaRPr lang="en-US" sz="2400" dirty="0"/>
+          </a:p>
+        </p:txBody>
+      </p:sp>
+    </p:spTree>
+    <p:extLst>
+      <p:ext uri="{BB962C8B-B14F-4D97-AF65-F5344CB8AC3E}">
+        <p14:creationId xmlns:p14="http://schemas.microsoft.com/office/powerpoint/2010/main" val="150995828"/>
+      </p:ext>
+    </p:extLst>
+  </p:cSld>
+  <p:clrMapOvr>
+    <a:masterClrMapping/>
+  </p:clrMapOvr>
+  <p:timing>
+    <p:tnLst>
+      <p:par>
+        <p:cTn id="1" dur="indefinite" restart="never" nodeType="tmRoot"/>
+      </p:par>
+    </p:tnLst>
+  </p:timing>
+</p:sld>
+</file>
+
+<file path=ppt/slides/slide27.xml><?xml version="1.0" encoding="utf-8"?>
+<p:sld xmlns:a="http://schemas.openxmlformats.org/drawingml/2006/main" xmlns:r="http://schemas.openxmlformats.org/officeDocument/2006/relationships" xmlns:p="http://schemas.openxmlformats.org/presentationml/2006/main">
+  <p:cSld>
+    <p:spTree>
+      <p:nvGrpSpPr>
+        <p:cNvPr id="1" name=""/>
+        <p:cNvGrpSpPr/>
+        <p:nvPr/>
+      </p:nvGrpSpPr>
+      <p:grpSpPr>
+        <a:xfrm>
+          <a:off x="0" y="0"/>
+          <a:ext cx="0" cy="0"/>
+          <a:chOff x="0" y="0"/>
+          <a:chExt cx="0" cy="0"/>
+        </a:xfrm>
+      </p:grpSpPr>
+      <p:sp>
+        <p:nvSpPr>
+          <p:cNvPr id="2" name="TextBox 1"/>
+          <p:cNvSpPr txBox="1"/>
+          <p:nvPr/>
+        </p:nvSpPr>
+        <p:spPr>
+          <a:xfrm>
+            <a:off x="1981200" y="4188941"/>
+            <a:ext cx="8280472" cy="1569660"/>
+          </a:xfrm>
+          <a:prstGeom prst="rect">
+            <a:avLst/>
+          </a:prstGeom>
+          <a:noFill/>
+        </p:spPr>
+        <p:txBody>
+          <a:bodyPr wrap="none" rtlCol="0">
+            <a:spAutoFit/>
+          </a:bodyPr>
+          <a:lstStyle/>
+          <a:p>
+            <a:r>
+              <a:rPr lang="en-US" sz="3200" dirty="0"/>
+              <a:t>Objective: find </a:t>
+            </a:r>
+            <a:r>
+              <a:rPr lang="en-US" sz="3200" b="1" dirty="0"/>
+              <a:t>w</a:t>
+            </a:r>
+            <a:r>
+              <a:rPr lang="en-US" sz="3200" dirty="0"/>
+              <a:t> such that risk score &gt;&gt; 0 for </a:t>
+            </a:r>
+          </a:p>
+          <a:p>
+            <a:r>
+              <a:rPr lang="en-US" sz="3200" dirty="0"/>
+              <a:t>patients that had a heart attack (</a:t>
+            </a:r>
+            <a:r>
+              <a:rPr lang="en-US" sz="3200" dirty="0">
+                <a:latin typeface="Symbol" panose="05050102010706020507" pitchFamily="18" charset="2"/>
+              </a:rPr>
+              <a:t>q</a:t>
+            </a:r>
+            <a:r>
+              <a:rPr lang="en-US" sz="3200" dirty="0"/>
+              <a:t>(s) ~ 1) and </a:t>
+            </a:r>
+          </a:p>
+          <a:p>
+            <a:r>
+              <a:rPr lang="en-US" sz="3200" dirty="0"/>
+              <a:t>risk score &lt;&lt; 0 for those who have not (</a:t>
+            </a:r>
+            <a:r>
+              <a:rPr lang="en-US" sz="3200" dirty="0">
+                <a:latin typeface="Symbol" panose="05050102010706020507" pitchFamily="18" charset="2"/>
+              </a:rPr>
+              <a:t>q</a:t>
+            </a:r>
+            <a:r>
+              <a:rPr lang="en-US" sz="3200" dirty="0"/>
+              <a:t>(s) ~ 0). </a:t>
+            </a:r>
+          </a:p>
+        </p:txBody>
+      </p:sp>
+      <p:sp>
+        <p:nvSpPr>
+          <p:cNvPr id="4" name="TextBox 3"/>
+          <p:cNvSpPr txBox="1"/>
+          <p:nvPr/>
+        </p:nvSpPr>
+        <p:spPr>
+          <a:xfrm>
+            <a:off x="3356918" y="886587"/>
+            <a:ext cx="5391861" cy="584775"/>
+          </a:xfrm>
+          <a:prstGeom prst="rect">
+            <a:avLst/>
+          </a:prstGeom>
+          <a:noFill/>
+        </p:spPr>
+        <p:txBody>
+          <a:bodyPr wrap="none" rtlCol="0">
+            <a:spAutoFit/>
+          </a:bodyPr>
+          <a:lstStyle/>
+          <a:p>
+            <a:r>
+              <a:rPr lang="en-US" sz="3200" dirty="0"/>
+              <a:t>Application: risk of heart attack</a:t>
+            </a:r>
+          </a:p>
+        </p:txBody>
+      </p:sp>
+      <p:pic>
+        <p:nvPicPr>
+          <p:cNvPr id="5123" name="Picture 3" descr="E:\CS 483_580\2014\pictures from lecture 9\prediction of heart attack.png"/>
+          <p:cNvPicPr>
+            <a:picLocks noChangeAspect="1" noChangeArrowheads="1"/>
+          </p:cNvPicPr>
+          <p:nvPr/>
+        </p:nvPicPr>
+        <p:blipFill>
+          <a:blip r:embed="rId2">
+            <a:extLst>
+              <a:ext uri="{28A0092B-C50C-407E-A947-70E740481C1C}">
+                <a14:useLocalDpi xmlns:a14="http://schemas.microsoft.com/office/drawing/2010/main" val="0"/>
+              </a:ext>
+            </a:extLst>
+          </a:blip>
+          <a:srcRect/>
+          <a:stretch>
+            <a:fillRect/>
+          </a:stretch>
+        </p:blipFill>
+        <p:spPr bwMode="auto">
+          <a:xfrm>
+            <a:off x="2845437" y="1565819"/>
+            <a:ext cx="6414824" cy="2528665"/>
+          </a:xfrm>
+          <a:prstGeom prst="rect">
+            <a:avLst/>
+          </a:prstGeom>
+          <a:noFill/>
+          <a:extLst>
+            <a:ext uri="{909E8E84-426E-40DD-AFC4-6F175D3DCCD1}">
+              <a14:hiddenFill xmlns:a14="http://schemas.microsoft.com/office/drawing/2010/main">
+                <a:solidFill>
+                  <a:srgbClr val="FFFFFF"/>
+                </a:solidFill>
+              </a14:hiddenFill>
+            </a:ext>
+          </a:extLst>
+        </p:spPr>
+      </p:pic>
+    </p:spTree>
+    <p:extLst>
+      <p:ext uri="{BB962C8B-B14F-4D97-AF65-F5344CB8AC3E}">
+        <p14:creationId xmlns:p14="http://schemas.microsoft.com/office/powerpoint/2010/main" val="3348544169"/>
+      </p:ext>
+    </p:extLst>
+  </p:cSld>
+  <p:clrMapOvr>
+    <a:masterClrMapping/>
+  </p:clrMapOvr>
+  <p:timing>
+    <p:tnLst>
+      <p:par>
+        <p:cTn id="1" dur="indefinite" restart="never" nodeType="tmRoot"/>
+      </p:par>
+    </p:tnLst>
+  </p:timing>
+</p:sld>
+</file>
+
+<file path=ppt/slides/slide28.xml><?xml version="1.0" encoding="utf-8"?>
+<p:sld xmlns:a="http://schemas.openxmlformats.org/drawingml/2006/main" xmlns:r="http://schemas.openxmlformats.org/officeDocument/2006/relationships" xmlns:p="http://schemas.openxmlformats.org/presentationml/2006/main">
+  <p:cSld>
+    <p:spTree>
+      <p:nvGrpSpPr>
+        <p:cNvPr id="1" name=""/>
+        <p:cNvGrpSpPr/>
+        <p:nvPr/>
+      </p:nvGrpSpPr>
+      <p:grpSpPr>
+        <a:xfrm>
+          <a:off x="0" y="0"/>
+          <a:ext cx="0" cy="0"/>
+          <a:chOff x="0" y="0"/>
+          <a:chExt cx="0" cy="0"/>
+        </a:xfrm>
+      </p:grpSpPr>
+      <p:sp>
+        <p:nvSpPr>
+          <p:cNvPr id="2" name="TextBox 1"/>
+          <p:cNvSpPr txBox="1"/>
+          <p:nvPr/>
+        </p:nvSpPr>
+        <p:spPr>
+          <a:xfrm>
+            <a:off x="3516911" y="665791"/>
+            <a:ext cx="4721229" cy="523220"/>
+          </a:xfrm>
+          <a:prstGeom prst="rect">
+            <a:avLst/>
+          </a:prstGeom>
+          <a:noFill/>
+        </p:spPr>
+        <p:txBody>
+          <a:bodyPr wrap="none" rtlCol="0">
+            <a:spAutoFit/>
+          </a:bodyPr>
+          <a:lstStyle/>
+          <a:p>
+            <a:r>
+              <a:rPr lang="en-US" sz="2800" dirty="0"/>
+              <a:t>More specifically (see text p91)</a:t>
+            </a:r>
+          </a:p>
+        </p:txBody>
+      </p:sp>
+      <p:sp>
+        <p:nvSpPr>
+          <p:cNvPr id="3" name="TextBox 2"/>
+          <p:cNvSpPr txBox="1"/>
+          <p:nvPr/>
+        </p:nvSpPr>
+        <p:spPr>
+          <a:xfrm>
+            <a:off x="938609" y="1433501"/>
+            <a:ext cx="9877832" cy="4308872"/>
+          </a:xfrm>
+          <a:prstGeom prst="rect">
+            <a:avLst/>
+          </a:prstGeom>
+          <a:noFill/>
+        </p:spPr>
+        <p:txBody>
+          <a:bodyPr wrap="none" rtlCol="0">
+            <a:spAutoFit/>
+          </a:bodyPr>
+          <a:lstStyle/>
+          <a:p>
+            <a:r>
+              <a:rPr lang="en-US" sz="2800" dirty="0" smtClean="0"/>
+              <a:t>Assume that the data is drawn </a:t>
+            </a:r>
+            <a:r>
+              <a:rPr lang="en-US" sz="2800" dirty="0"/>
+              <a:t>from a distribution function P(</a:t>
+            </a:r>
+            <a:r>
+              <a:rPr lang="en-US" sz="2800" dirty="0" err="1"/>
+              <a:t>y|</a:t>
+            </a:r>
+            <a:r>
+              <a:rPr lang="en-US" sz="2800" b="1" dirty="0" err="1"/>
+              <a:t>x</a:t>
+            </a:r>
+            <a:r>
+              <a:rPr lang="en-US" sz="2800" dirty="0"/>
+              <a:t>), </a:t>
+            </a:r>
+            <a:endParaRPr lang="en-US" sz="2800" dirty="0" smtClean="0"/>
+          </a:p>
+          <a:p>
+            <a:r>
+              <a:rPr lang="en-US" sz="2800" dirty="0" smtClean="0"/>
+              <a:t>which </a:t>
+            </a:r>
+            <a:r>
+              <a:rPr lang="en-US" sz="2800" dirty="0"/>
+              <a:t>is </a:t>
+            </a:r>
+            <a:r>
+              <a:rPr lang="en-US" sz="2800" dirty="0" smtClean="0"/>
+              <a:t>related </a:t>
+            </a:r>
+            <a:r>
+              <a:rPr lang="en-US" sz="2800" dirty="0"/>
+              <a:t>to hypothesis h(</a:t>
+            </a:r>
+            <a:r>
+              <a:rPr lang="en-US" sz="2800" b="1" dirty="0"/>
+              <a:t>x</a:t>
+            </a:r>
+            <a:r>
+              <a:rPr lang="en-US" sz="2800" dirty="0"/>
+              <a:t>) by</a:t>
+            </a:r>
+          </a:p>
+          <a:p>
+            <a:endParaRPr lang="en-US" sz="2000" dirty="0"/>
+          </a:p>
+          <a:p>
+            <a:r>
+              <a:rPr lang="en-US" sz="2800" dirty="0"/>
+              <a:t>h(</a:t>
+            </a:r>
+            <a:r>
+              <a:rPr lang="en-US" sz="2800" b="1" dirty="0" err="1"/>
+              <a:t>x</a:t>
+            </a:r>
+            <a:r>
+              <a:rPr lang="en-US" sz="2800" baseline="-25000" dirty="0" err="1"/>
+              <a:t>n</a:t>
+            </a:r>
+            <a:r>
+              <a:rPr lang="en-US" sz="2800" dirty="0"/>
+              <a:t>) </a:t>
+            </a:r>
+            <a:r>
+              <a:rPr lang="en-US" sz="2800" dirty="0" smtClean="0"/>
+              <a:t>= P(</a:t>
+            </a:r>
+            <a:r>
+              <a:rPr lang="en-US" sz="2800" dirty="0" err="1" smtClean="0"/>
+              <a:t>y</a:t>
+            </a:r>
+            <a:r>
+              <a:rPr lang="en-US" sz="2800" baseline="-25000" dirty="0" err="1" smtClean="0"/>
+              <a:t>n</a:t>
+            </a:r>
+            <a:r>
+              <a:rPr lang="en-US" sz="2800" dirty="0" err="1" smtClean="0"/>
+              <a:t>|</a:t>
+            </a:r>
+            <a:r>
+              <a:rPr lang="en-US" sz="2800" b="1" dirty="0" err="1" smtClean="0"/>
+              <a:t>x</a:t>
+            </a:r>
+            <a:r>
+              <a:rPr lang="en-US" sz="2800" baseline="-25000" dirty="0" err="1" smtClean="0"/>
+              <a:t>n</a:t>
+            </a:r>
+            <a:r>
+              <a:rPr lang="en-US" sz="2800" dirty="0"/>
+              <a:t>) </a:t>
+            </a:r>
+            <a:r>
+              <a:rPr lang="en-US" sz="2800" dirty="0" smtClean="0"/>
+              <a:t> if </a:t>
+            </a:r>
+            <a:r>
+              <a:rPr lang="en-US" sz="2800" dirty="0" err="1"/>
+              <a:t>y</a:t>
+            </a:r>
+            <a:r>
+              <a:rPr lang="en-US" sz="2800" baseline="-25000" dirty="0" err="1"/>
+              <a:t>n</a:t>
+            </a:r>
+            <a:r>
+              <a:rPr lang="en-US" sz="2800" dirty="0"/>
+              <a:t> = +1; 	 h(</a:t>
+            </a:r>
+            <a:r>
+              <a:rPr lang="en-US" sz="2800" b="1" dirty="0" err="1"/>
+              <a:t>x</a:t>
+            </a:r>
+            <a:r>
+              <a:rPr lang="en-US" sz="2800" baseline="-25000" dirty="0" err="1"/>
+              <a:t>n</a:t>
+            </a:r>
+            <a:r>
+              <a:rPr lang="en-US" sz="2800" dirty="0"/>
+              <a:t>) </a:t>
+            </a:r>
+            <a:r>
+              <a:rPr lang="en-US" sz="2800" dirty="0" smtClean="0"/>
+              <a:t>= 1-P(</a:t>
+            </a:r>
+            <a:r>
+              <a:rPr lang="en-US" sz="2800" dirty="0" err="1" smtClean="0"/>
+              <a:t>y</a:t>
+            </a:r>
+            <a:r>
+              <a:rPr lang="en-US" sz="2800" baseline="-25000" dirty="0" err="1" smtClean="0"/>
+              <a:t>n</a:t>
+            </a:r>
+            <a:r>
+              <a:rPr lang="en-US" sz="2800" dirty="0" err="1" smtClean="0"/>
+              <a:t>|</a:t>
+            </a:r>
+            <a:r>
+              <a:rPr lang="en-US" sz="2800" b="1" dirty="0" err="1" smtClean="0"/>
+              <a:t>x</a:t>
+            </a:r>
+            <a:r>
+              <a:rPr lang="en-US" sz="2800" baseline="-25000" dirty="0" err="1" smtClean="0"/>
+              <a:t>n</a:t>
+            </a:r>
+            <a:r>
+              <a:rPr lang="en-US" sz="2800" dirty="0"/>
+              <a:t>) </a:t>
+            </a:r>
+            <a:r>
+              <a:rPr lang="en-US" sz="2800" dirty="0" smtClean="0"/>
+              <a:t>if </a:t>
+            </a:r>
+            <a:r>
+              <a:rPr lang="en-US" sz="2800" dirty="0" err="1"/>
+              <a:t>y</a:t>
+            </a:r>
+            <a:r>
+              <a:rPr lang="en-US" sz="2800" baseline="-25000" dirty="0" err="1"/>
+              <a:t>n</a:t>
+            </a:r>
+            <a:r>
+              <a:rPr lang="en-US" sz="2800" dirty="0"/>
+              <a:t> = -1</a:t>
+            </a:r>
+          </a:p>
+          <a:p>
+            <a:endParaRPr lang="en-US" sz="2000" dirty="0"/>
+          </a:p>
+          <a:p>
+            <a:r>
+              <a:rPr lang="en-US" sz="2800" dirty="0" smtClean="0"/>
+              <a:t>Since the logistic </a:t>
+            </a:r>
+            <a:r>
+              <a:rPr lang="en-US" sz="2800" dirty="0"/>
+              <a:t>function has the property </a:t>
+            </a:r>
+            <a:r>
+              <a:rPr lang="en-US" sz="2800" dirty="0">
+                <a:latin typeface="Symbol" panose="05050102010706020507" pitchFamily="18" charset="2"/>
+              </a:rPr>
+              <a:t>q</a:t>
+            </a:r>
+            <a:r>
+              <a:rPr lang="en-US" sz="2800" dirty="0"/>
+              <a:t>(-s) = 1 – </a:t>
+            </a:r>
+            <a:r>
+              <a:rPr lang="en-US" sz="2800" dirty="0">
+                <a:latin typeface="Symbol" panose="05050102010706020507" pitchFamily="18" charset="2"/>
+              </a:rPr>
+              <a:t>q</a:t>
+            </a:r>
+            <a:r>
+              <a:rPr lang="en-US" sz="2800" dirty="0"/>
+              <a:t>(s)</a:t>
+            </a:r>
+          </a:p>
+          <a:p>
+            <a:endParaRPr lang="en-US" sz="2000" dirty="0"/>
+          </a:p>
+          <a:p>
+            <a:r>
+              <a:rPr lang="en-US" sz="2800" dirty="0"/>
+              <a:t>B</a:t>
+            </a:r>
+            <a:r>
+              <a:rPr lang="en-US" sz="2800" dirty="0" smtClean="0"/>
+              <a:t>oth </a:t>
+            </a:r>
+            <a:r>
+              <a:rPr lang="en-US" sz="2800" dirty="0"/>
+              <a:t>relationships are satisfied by P(</a:t>
+            </a:r>
+            <a:r>
+              <a:rPr lang="en-US" sz="2800" dirty="0" err="1"/>
+              <a:t>y</a:t>
+            </a:r>
+            <a:r>
+              <a:rPr lang="en-US" sz="2800" baseline="-25000" dirty="0" err="1"/>
+              <a:t>n</a:t>
+            </a:r>
+            <a:r>
+              <a:rPr lang="en-US" sz="2800" dirty="0" err="1"/>
+              <a:t>|</a:t>
+            </a:r>
+            <a:r>
+              <a:rPr lang="en-US" sz="2800" b="1" dirty="0" err="1"/>
+              <a:t>x</a:t>
+            </a:r>
+            <a:r>
+              <a:rPr lang="en-US" sz="2800" baseline="-25000" dirty="0" err="1"/>
+              <a:t>n</a:t>
+            </a:r>
+            <a:r>
+              <a:rPr lang="en-US" sz="2800" dirty="0"/>
+              <a:t>) = </a:t>
+            </a:r>
+            <a:r>
+              <a:rPr lang="en-US" sz="2800" dirty="0">
+                <a:latin typeface="Symbol" panose="05050102010706020507" pitchFamily="18" charset="2"/>
+              </a:rPr>
+              <a:t>q</a:t>
+            </a:r>
+            <a:r>
+              <a:rPr lang="en-US" sz="2800" dirty="0"/>
+              <a:t>(</a:t>
+            </a:r>
+            <a:r>
+              <a:rPr lang="en-US" sz="2800" dirty="0" err="1"/>
+              <a:t>y</a:t>
+            </a:r>
+            <a:r>
+              <a:rPr lang="en-US" sz="2800" baseline="-25000" dirty="0" err="1"/>
+              <a:t>n</a:t>
+            </a:r>
+            <a:r>
+              <a:rPr lang="en-US" sz="2800" b="1" dirty="0" err="1"/>
+              <a:t>w</a:t>
+            </a:r>
+            <a:r>
+              <a:rPr lang="en-US" sz="2800" baseline="30000" dirty="0" err="1"/>
+              <a:t>T</a:t>
+            </a:r>
+            <a:r>
+              <a:rPr lang="en-US" sz="2800" baseline="-25000" dirty="0"/>
+              <a:t> </a:t>
+            </a:r>
+            <a:r>
+              <a:rPr lang="en-US" sz="2800" b="1" dirty="0" err="1"/>
+              <a:t>x</a:t>
+            </a:r>
+            <a:r>
+              <a:rPr lang="en-US" sz="2800" baseline="-25000" dirty="0" err="1"/>
+              <a:t>n</a:t>
+            </a:r>
+            <a:r>
+              <a:rPr lang="en-US" sz="2800" dirty="0"/>
+              <a:t>)</a:t>
+            </a:r>
+          </a:p>
+          <a:p>
+            <a:endParaRPr lang="en-US" dirty="0"/>
+          </a:p>
+          <a:p>
+            <a:r>
+              <a:rPr lang="en-US" sz="2800" dirty="0"/>
+              <a:t>Now use maximum likelihood estimation (MLE) to derive an </a:t>
+            </a:r>
+          </a:p>
+          <a:p>
+            <a:r>
+              <a:rPr lang="en-US" sz="2800" dirty="0"/>
+              <a:t>error function that we minimize to find the optimum </a:t>
+            </a:r>
+            <a:r>
+              <a:rPr lang="en-US" sz="2800" b="1" dirty="0"/>
+              <a:t>w</a:t>
+            </a:r>
+            <a:r>
+              <a:rPr lang="en-US" sz="2800" dirty="0"/>
+              <a:t> </a:t>
+            </a:r>
+          </a:p>
+        </p:txBody>
+      </p:sp>
+    </p:spTree>
+    <p:extLst>
+      <p:ext uri="{BB962C8B-B14F-4D97-AF65-F5344CB8AC3E}">
+        <p14:creationId xmlns:p14="http://schemas.microsoft.com/office/powerpoint/2010/main" val="2251921882"/>
+      </p:ext>
+    </p:extLst>
+  </p:cSld>
+  <p:clrMapOvr>
+    <a:masterClrMapping/>
+  </p:clrMapOvr>
+  <p:timing>
+    <p:tnLst>
+      <p:par>
+        <p:cTn id="1" dur="indefinite" restart="never" nodeType="tmRoot"/>
+      </p:par>
+    </p:tnLst>
+  </p:timing>
+</p:sld>
+</file>
+
+<file path=ppt/slides/slide29.xml><?xml version="1.0" encoding="utf-8"?>
+<p:sld xmlns:a="http://schemas.openxmlformats.org/drawingml/2006/main" xmlns:r="http://schemas.openxmlformats.org/officeDocument/2006/relationships" xmlns:p="http://schemas.openxmlformats.org/presentationml/2006/main">
+  <p:cSld>
+    <p:spTree>
+      <p:nvGrpSpPr>
+        <p:cNvPr id="1" name=""/>
+        <p:cNvGrpSpPr/>
+        <p:nvPr/>
+      </p:nvGrpSpPr>
+      <p:grpSpPr>
+        <a:xfrm>
+          <a:off x="0" y="0"/>
+          <a:ext cx="0" cy="0"/>
+          <a:chOff x="0" y="0"/>
+          <a:chExt cx="0" cy="0"/>
+        </a:xfrm>
+      </p:grpSpPr>
+      <p:sp>
+        <p:nvSpPr>
+          <p:cNvPr id="3" name="Rectangle 2"/>
+          <p:cNvSpPr txBox="1">
+            <a:spLocks noChangeArrowheads="1"/>
+          </p:cNvSpPr>
+          <p:nvPr/>
+        </p:nvSpPr>
+        <p:spPr>
+          <a:xfrm>
+            <a:off x="1622884" y="212125"/>
+            <a:ext cx="8229600" cy="579438"/>
+          </a:xfrm>
+          <a:prstGeom prst="rect">
+            <a:avLst/>
+          </a:prstGeom>
+        </p:spPr>
+        <p:txBody>
+          <a:bodyPr vert="horz" lIns="0" tIns="45720" rIns="0" bIns="0" rtlCol="0" anchor="b">
+            <a:normAutofit fontScale="97500" lnSpcReduction="10000"/>
+          </a:bodyPr>
+          <a:lstStyle>
+            <a:lvl1pPr algn="ctr" defTabSz="914400" rtl="0" eaLnBrk="1" latinLnBrk="0" hangingPunct="1">
+              <a:spcBef>
+                <a:spcPct val="0"/>
+              </a:spcBef>
+              <a:buNone/>
+              <a:defRPr sz="4400" kern="1200">
+                <a:solidFill>
+                  <a:schemeClr val="tx1"/>
+                </a:solidFill>
+                <a:latin typeface="+mj-lt"/>
+                <a:ea typeface="+mj-ea"/>
+                <a:cs typeface="+mj-cs"/>
+              </a:defRPr>
+            </a:lvl1pPr>
+          </a:lstStyle>
+          <a:p>
+            <a:r>
+              <a:rPr lang="en-US" altLang="en-US" sz="3900" dirty="0"/>
+              <a:t>Recall that MLE is used to </a:t>
+            </a:r>
+            <a:endParaRPr lang="en-GB" altLang="en-US" sz="3900" dirty="0"/>
+          </a:p>
+        </p:txBody>
+      </p:sp>
+      <p:sp>
+        <p:nvSpPr>
+          <p:cNvPr id="5" name="TextBox 4"/>
+          <p:cNvSpPr txBox="1"/>
+          <p:nvPr/>
+        </p:nvSpPr>
+        <p:spPr>
+          <a:xfrm>
+            <a:off x="2061581" y="791563"/>
+            <a:ext cx="8200707" cy="4862870"/>
+          </a:xfrm>
+          <a:prstGeom prst="rect">
+            <a:avLst/>
+          </a:prstGeom>
+          <a:noFill/>
+        </p:spPr>
+        <p:txBody>
+          <a:bodyPr wrap="none" rtlCol="0">
+            <a:spAutoFit/>
+          </a:bodyPr>
+          <a:lstStyle/>
+          <a:p>
+            <a:r>
+              <a:rPr lang="en-US" altLang="en-US" sz="2800" dirty="0"/>
+              <a:t>Estimate parameters of a probability distribution </a:t>
+            </a:r>
+            <a:r>
+              <a:rPr lang="tr-TR" altLang="en-US" sz="2800" dirty="0"/>
+              <a:t>given </a:t>
+            </a:r>
+            <a:endParaRPr lang="en-US" altLang="en-US" sz="2800" dirty="0"/>
+          </a:p>
+          <a:p>
+            <a:r>
+              <a:rPr lang="en-US" altLang="en-US" sz="2800" dirty="0"/>
+              <a:t>a</a:t>
+            </a:r>
+            <a:r>
+              <a:rPr lang="tr-TR" altLang="en-US" sz="2800" dirty="0"/>
+              <a:t> sample </a:t>
+            </a:r>
+            <a:r>
+              <a:rPr lang="tr-TR" altLang="en-US" sz="2800" dirty="0">
+                <a:latin typeface="Lucida Calligraphy" panose="03010101010101010101" pitchFamily="66" charset="0"/>
+              </a:rPr>
+              <a:t>X</a:t>
+            </a:r>
+            <a:r>
+              <a:rPr lang="en-US" altLang="en-US" sz="2800" dirty="0"/>
+              <a:t> drawn from that distribution</a:t>
+            </a:r>
+          </a:p>
+          <a:p>
+            <a:endParaRPr lang="en-US" altLang="en-US" sz="1400" dirty="0"/>
+          </a:p>
+          <a:p>
+            <a:r>
+              <a:rPr lang="en-US" altLang="en-US" sz="2800" dirty="0">
+                <a:latin typeface="Calibri" pitchFamily="34" charset="0"/>
+              </a:rPr>
+              <a:t>In logistic regression, parameters are the weights</a:t>
+            </a:r>
+          </a:p>
+          <a:p>
+            <a:endParaRPr lang="en-US" altLang="en-US" sz="1200" dirty="0">
+              <a:latin typeface="Calibri" pitchFamily="34" charset="0"/>
+            </a:endParaRPr>
+          </a:p>
+          <a:p>
+            <a:pPr marL="273050" indent="-273050"/>
+            <a:r>
+              <a:rPr lang="tr-TR" altLang="en-US" sz="2800" dirty="0">
+                <a:latin typeface="Calibri" pitchFamily="34" charset="0"/>
+              </a:rPr>
+              <a:t>Likelihood of </a:t>
+            </a:r>
+            <a:r>
+              <a:rPr lang="en-US" altLang="en-US" sz="2800" b="1" dirty="0"/>
+              <a:t>w</a:t>
+            </a:r>
+            <a:r>
+              <a:rPr lang="tr-TR" altLang="en-US" sz="2800" dirty="0">
+                <a:latin typeface="Calibri" pitchFamily="34" charset="0"/>
+              </a:rPr>
+              <a:t> given the sample </a:t>
+            </a:r>
+            <a:r>
+              <a:rPr lang="tr-TR" altLang="en-US" sz="2800" dirty="0">
+                <a:latin typeface="Lucida Calligraphy" pitchFamily="66" charset="0"/>
+              </a:rPr>
+              <a:t>X</a:t>
+            </a:r>
+          </a:p>
+          <a:p>
+            <a:pPr marL="273050" indent="-273050"/>
+            <a:r>
+              <a:rPr lang="tr-TR" altLang="en-US" sz="2800" dirty="0"/>
+              <a:t>		</a:t>
+            </a:r>
+            <a:r>
+              <a:rPr lang="tr-TR" altLang="en-US" sz="2800" i="1" dirty="0">
+                <a:latin typeface="Palatino Linotype" pitchFamily="18" charset="0"/>
+              </a:rPr>
+              <a:t>l</a:t>
+            </a:r>
+            <a:r>
+              <a:rPr lang="tr-TR" altLang="en-US" sz="2800" dirty="0"/>
+              <a:t>(</a:t>
+            </a:r>
+            <a:r>
+              <a:rPr lang="en-GB" altLang="en-US" sz="2800" b="1" dirty="0"/>
+              <a:t>w</a:t>
+            </a:r>
+            <a:r>
+              <a:rPr lang="tr-TR" altLang="en-US" sz="2800" dirty="0"/>
+              <a:t>|</a:t>
+            </a:r>
+            <a:r>
+              <a:rPr lang="tr-TR" altLang="en-US" sz="2800" dirty="0">
+                <a:latin typeface="Lucida Calligraphy" pitchFamily="66" charset="0"/>
+              </a:rPr>
+              <a:t>X</a:t>
+            </a:r>
+            <a:r>
+              <a:rPr lang="tr-TR" altLang="en-US" sz="2800" dirty="0"/>
+              <a:t>) = </a:t>
+            </a:r>
+            <a:r>
+              <a:rPr lang="tr-TR" altLang="en-US" sz="2800" i="1" dirty="0"/>
+              <a:t>p </a:t>
+            </a:r>
+            <a:r>
+              <a:rPr lang="tr-TR" altLang="en-US" sz="2800" dirty="0"/>
+              <a:t>(</a:t>
+            </a:r>
+            <a:r>
+              <a:rPr lang="tr-TR" altLang="en-US" sz="2800" dirty="0">
+                <a:latin typeface="Lucida Calligraphy" pitchFamily="66" charset="0"/>
+              </a:rPr>
+              <a:t>X</a:t>
+            </a:r>
+            <a:r>
+              <a:rPr lang="tr-TR" altLang="en-US" sz="2800" b="1" i="1" dirty="0"/>
+              <a:t> </a:t>
+            </a:r>
+            <a:r>
+              <a:rPr lang="tr-TR" altLang="en-US" sz="2800" dirty="0"/>
+              <a:t>|</a:t>
+            </a:r>
+            <a:r>
+              <a:rPr lang="en-GB" altLang="en-US" sz="2800" b="1" dirty="0"/>
+              <a:t>w</a:t>
+            </a:r>
+            <a:r>
+              <a:rPr lang="tr-TR" altLang="en-US" sz="2800" dirty="0"/>
+              <a:t>) = ∏</a:t>
+            </a:r>
+            <a:r>
+              <a:rPr lang="tr-TR" altLang="en-US" sz="2800" i="1" baseline="-40000" dirty="0"/>
+              <a:t>t</a:t>
+            </a:r>
+            <a:r>
+              <a:rPr lang="tr-TR" altLang="en-US" sz="2800" dirty="0"/>
+              <a:t> </a:t>
+            </a:r>
+            <a:r>
+              <a:rPr lang="tr-TR" altLang="en-US" sz="2800" i="1" dirty="0"/>
+              <a:t>p</a:t>
+            </a:r>
+            <a:r>
+              <a:rPr lang="tr-TR" altLang="en-US" sz="2800" dirty="0"/>
+              <a:t>(</a:t>
+            </a:r>
+            <a:r>
+              <a:rPr lang="tr-TR" altLang="en-US" sz="2800" i="1" dirty="0"/>
+              <a:t>x</a:t>
+            </a:r>
+            <a:r>
+              <a:rPr lang="tr-TR" altLang="en-US" sz="2800" i="1" baseline="30000" dirty="0"/>
+              <a:t>t</a:t>
+            </a:r>
+            <a:r>
+              <a:rPr lang="tr-TR" altLang="en-US" sz="2800" dirty="0"/>
+              <a:t>|</a:t>
+            </a:r>
+            <a:r>
+              <a:rPr lang="en-GB" altLang="en-US" sz="2800" b="1" dirty="0"/>
+              <a:t>w</a:t>
+            </a:r>
+            <a:r>
+              <a:rPr lang="tr-TR" altLang="en-US" sz="2800" dirty="0"/>
+              <a:t>)</a:t>
+            </a:r>
+            <a:endParaRPr lang="en-US" altLang="en-US" sz="2800" dirty="0"/>
+          </a:p>
+          <a:p>
+            <a:pPr marL="273050" indent="-273050"/>
+            <a:endParaRPr lang="en-US" altLang="en-US" sz="1400" dirty="0"/>
+          </a:p>
+          <a:p>
+            <a:pPr marL="273050" indent="-273050"/>
+            <a:r>
+              <a:rPr lang="tr-TR" altLang="en-US" sz="2800" dirty="0">
+                <a:latin typeface="Calibri" pitchFamily="34" charset="0"/>
+              </a:rPr>
+              <a:t>Log likelihood</a:t>
+            </a:r>
+          </a:p>
+          <a:p>
+            <a:pPr marL="273050" indent="-273050"/>
+            <a:r>
+              <a:rPr lang="tr-TR" altLang="en-US" sz="2800" dirty="0"/>
+              <a:t>		 </a:t>
+            </a:r>
+            <a:r>
+              <a:rPr lang="tr-TR" altLang="en-US" sz="2800" dirty="0">
+                <a:latin typeface="Lucida Calligraphy" pitchFamily="66" charset="0"/>
+              </a:rPr>
+              <a:t>L</a:t>
+            </a:r>
+            <a:r>
+              <a:rPr lang="tr-TR" altLang="en-US" sz="2800" dirty="0"/>
+              <a:t>(</a:t>
+            </a:r>
+            <a:r>
+              <a:rPr lang="en-GB" altLang="en-US" sz="2800" b="1" dirty="0"/>
+              <a:t>w</a:t>
+            </a:r>
+            <a:r>
+              <a:rPr lang="tr-TR" altLang="en-US" sz="2800" dirty="0"/>
+              <a:t>|</a:t>
+            </a:r>
+            <a:r>
+              <a:rPr lang="tr-TR" altLang="en-US" sz="2800" dirty="0">
+                <a:latin typeface="Lucida Calligraphy" pitchFamily="66" charset="0"/>
+              </a:rPr>
+              <a:t>X</a:t>
+            </a:r>
+            <a:r>
+              <a:rPr lang="tr-TR" altLang="en-US" sz="2800" dirty="0"/>
+              <a:t>) = </a:t>
+            </a:r>
+            <a:r>
+              <a:rPr lang="tr-TR" altLang="en-US" sz="2800" dirty="0">
+                <a:latin typeface="Calibri" pitchFamily="34" charset="0"/>
+              </a:rPr>
+              <a:t>log</a:t>
+            </a:r>
+            <a:r>
+              <a:rPr lang="en-US" altLang="en-US" sz="2800" dirty="0">
+                <a:latin typeface="Calibri" pitchFamily="34" charset="0"/>
+              </a:rPr>
+              <a:t>(</a:t>
+            </a:r>
+            <a:r>
+              <a:rPr lang="tr-TR" altLang="en-US" sz="2800" i="1" dirty="0">
+                <a:latin typeface="Palatino Linotype" pitchFamily="18" charset="0"/>
+              </a:rPr>
+              <a:t>l</a:t>
+            </a:r>
+            <a:r>
+              <a:rPr lang="tr-TR" altLang="en-US" sz="2800" dirty="0"/>
+              <a:t>(</a:t>
+            </a:r>
+            <a:r>
+              <a:rPr lang="en-GB" altLang="en-US" sz="2800" b="1" dirty="0"/>
+              <a:t>w</a:t>
+            </a:r>
+            <a:r>
+              <a:rPr lang="tr-TR" altLang="en-US" sz="2800" dirty="0"/>
+              <a:t>|</a:t>
+            </a:r>
+            <a:r>
+              <a:rPr lang="tr-TR" altLang="en-US" sz="2800" dirty="0">
+                <a:latin typeface="Lucida Calligraphy" pitchFamily="66" charset="0"/>
+              </a:rPr>
+              <a:t>X</a:t>
+            </a:r>
+            <a:r>
+              <a:rPr lang="tr-TR" altLang="en-US" sz="2800" dirty="0"/>
+              <a:t>)</a:t>
+            </a:r>
+            <a:r>
+              <a:rPr lang="en-US" altLang="en-US" sz="2800" dirty="0"/>
+              <a:t>)</a:t>
+            </a:r>
+            <a:r>
+              <a:rPr lang="tr-TR" altLang="en-US" sz="2800" dirty="0"/>
+              <a:t> = ∑</a:t>
+            </a:r>
+            <a:r>
+              <a:rPr lang="tr-TR" altLang="en-US" sz="2800" i="1" baseline="-40000" dirty="0"/>
+              <a:t>t</a:t>
+            </a:r>
+            <a:r>
+              <a:rPr lang="tr-TR" altLang="en-US" sz="2800" dirty="0"/>
+              <a:t> log </a:t>
+            </a:r>
+            <a:r>
+              <a:rPr lang="tr-TR" altLang="en-US" sz="2800" i="1" dirty="0"/>
+              <a:t>p</a:t>
+            </a:r>
+            <a:r>
+              <a:rPr lang="tr-TR" altLang="en-US" sz="2800" dirty="0"/>
+              <a:t>(</a:t>
+            </a:r>
+            <a:r>
+              <a:rPr lang="tr-TR" altLang="en-US" sz="2800" i="1" dirty="0"/>
+              <a:t>x</a:t>
+            </a:r>
+            <a:r>
+              <a:rPr lang="tr-TR" altLang="en-US" sz="2800" i="1" baseline="30000" dirty="0"/>
+              <a:t>t</a:t>
+            </a:r>
+            <a:r>
+              <a:rPr lang="tr-TR" altLang="en-US" sz="2800" dirty="0"/>
+              <a:t>|</a:t>
+            </a:r>
+            <a:r>
+              <a:rPr lang="en-GB" altLang="en-US" sz="2800" b="1" dirty="0"/>
+              <a:t>w</a:t>
+            </a:r>
+            <a:r>
+              <a:rPr lang="en-GB" altLang="en-US" sz="2800" dirty="0" smtClean="0"/>
+              <a:t>)</a:t>
+            </a:r>
+          </a:p>
+          <a:p>
+            <a:pPr marL="273050" indent="-273050"/>
+            <a:r>
+              <a:rPr lang="en-US" altLang="en-US" sz="2800" dirty="0"/>
+              <a:t>Choose </a:t>
+            </a:r>
+            <a:r>
+              <a:rPr lang="en-US" altLang="en-US" sz="2800" b="1" dirty="0"/>
+              <a:t>w</a:t>
+            </a:r>
+            <a:r>
+              <a:rPr lang="en-US" altLang="en-US" sz="2800" dirty="0"/>
+              <a:t> that maximizes </a:t>
+            </a:r>
+            <a:r>
+              <a:rPr lang="tr-TR" altLang="en-US" sz="2800" dirty="0">
+                <a:latin typeface="Lucida Calligraphy" pitchFamily="66" charset="0"/>
+              </a:rPr>
+              <a:t>L</a:t>
+            </a:r>
+            <a:r>
+              <a:rPr lang="tr-TR" altLang="en-US" sz="2800" dirty="0"/>
+              <a:t>(</a:t>
+            </a:r>
+            <a:r>
+              <a:rPr lang="en-GB" altLang="en-US" sz="2800" b="1" dirty="0"/>
+              <a:t>w</a:t>
+            </a:r>
+            <a:r>
+              <a:rPr lang="tr-TR" altLang="en-US" sz="2800" dirty="0"/>
+              <a:t>|</a:t>
+            </a:r>
+            <a:r>
+              <a:rPr lang="tr-TR" altLang="en-US" sz="2800" dirty="0">
+                <a:latin typeface="Lucida Calligraphy" pitchFamily="66" charset="0"/>
+              </a:rPr>
+              <a:t>X</a:t>
+            </a:r>
+            <a:r>
+              <a:rPr lang="tr-TR" altLang="en-US" sz="2800" dirty="0"/>
+              <a:t>) </a:t>
+            </a:r>
+            <a:endParaRPr lang="en-GB" altLang="en-US" sz="2800" dirty="0"/>
+          </a:p>
+          <a:p>
+            <a:pPr marL="273050" indent="-273050"/>
+            <a:endParaRPr lang="en-GB" altLang="en-US" sz="1400" dirty="0"/>
+          </a:p>
+          <a:p>
+            <a:pPr marL="273050" indent="-273050"/>
+            <a:r>
+              <a:rPr lang="en-GB" altLang="en-US" sz="2800" dirty="0"/>
+              <a:t>In </a:t>
+            </a:r>
+            <a:r>
+              <a:rPr lang="en-US" altLang="en-US" sz="2800" dirty="0">
+                <a:latin typeface="Calibri" pitchFamily="34" charset="0"/>
+              </a:rPr>
+              <a:t>logistic regression</a:t>
+            </a:r>
+            <a:r>
+              <a:rPr lang="en-GB" altLang="en-US" sz="2800" dirty="0"/>
+              <a:t>, </a:t>
+            </a:r>
+            <a:r>
+              <a:rPr lang="en-US" altLang="en-US" sz="2800" i="1" dirty="0"/>
+              <a:t>p</a:t>
+            </a:r>
+            <a:r>
+              <a:rPr lang="en-US" sz="2800" dirty="0"/>
+              <a:t>(</a:t>
+            </a:r>
+            <a:r>
+              <a:rPr lang="en-US" sz="3200" i="1" dirty="0" err="1"/>
+              <a:t>x</a:t>
+            </a:r>
+            <a:r>
+              <a:rPr lang="en-US" sz="2800" baseline="30000" dirty="0" err="1"/>
+              <a:t>t</a:t>
+            </a:r>
+            <a:r>
+              <a:rPr lang="en-US" sz="2800" dirty="0" err="1"/>
+              <a:t>|</a:t>
+            </a:r>
+            <a:r>
+              <a:rPr lang="en-US" sz="2800" b="1" dirty="0" err="1"/>
+              <a:t>w</a:t>
+            </a:r>
+            <a:r>
+              <a:rPr lang="en-US" sz="2800" dirty="0"/>
+              <a:t>) = </a:t>
+            </a:r>
+            <a:r>
+              <a:rPr lang="en-US" sz="2800" dirty="0">
+                <a:latin typeface="Symbol" panose="05050102010706020507" pitchFamily="18" charset="2"/>
+              </a:rPr>
+              <a:t>q</a:t>
+            </a:r>
+            <a:r>
+              <a:rPr lang="en-US" sz="2800" dirty="0"/>
+              <a:t>(</a:t>
+            </a:r>
+            <a:r>
+              <a:rPr lang="en-US" sz="2800" dirty="0" err="1"/>
+              <a:t>y</a:t>
+            </a:r>
+            <a:r>
+              <a:rPr lang="en-US" sz="2800" baseline="-25000" dirty="0" err="1"/>
+              <a:t>n</a:t>
+            </a:r>
+            <a:r>
+              <a:rPr lang="en-US" sz="2800" b="1" dirty="0" err="1"/>
+              <a:t>w</a:t>
+            </a:r>
+            <a:r>
+              <a:rPr lang="en-US" sz="2800" baseline="30000" dirty="0" err="1"/>
+              <a:t>T</a:t>
+            </a:r>
+            <a:r>
+              <a:rPr lang="en-US" sz="2800" baseline="-25000" dirty="0"/>
+              <a:t> </a:t>
+            </a:r>
+            <a:r>
+              <a:rPr lang="en-US" sz="2800" b="1" dirty="0" err="1"/>
+              <a:t>x</a:t>
+            </a:r>
+            <a:r>
+              <a:rPr lang="en-US" sz="2800" baseline="-25000" dirty="0" err="1"/>
+              <a:t>n</a:t>
+            </a:r>
+            <a:r>
+              <a:rPr lang="en-US" sz="2800" dirty="0" smtClean="0"/>
+              <a:t>)</a:t>
+            </a:r>
+          </a:p>
+        </p:txBody>
+      </p:sp>
+    </p:spTree>
+    <p:extLst>
+      <p:ext uri="{BB962C8B-B14F-4D97-AF65-F5344CB8AC3E}">
+        <p14:creationId xmlns:p14="http://schemas.microsoft.com/office/powerpoint/2010/main" val="437722794"/>
+      </p:ext>
+    </p:extLst>
+  </p:cSld>
+  <p:clrMapOvr>
+    <a:masterClrMapping/>
+  </p:clrMapOvr>
+  <p:timing>
+    <p:tnLst>
+      <p:par>
+        <p:cTn id="1" dur="indefinite" restart="never" nodeType="tmRoot"/>
+      </p:par>
+    </p:tnLst>
+  </p:timing>
+</p:sld>
+</file>
+
 <file path=ppt/slides/slide3.xml><?xml version="1.0" encoding="utf-8"?>
 <p:sld xmlns:a="http://schemas.openxmlformats.org/drawingml/2006/main" xmlns:r="http://schemas.openxmlformats.org/officeDocument/2006/relationships" xmlns:p="http://schemas.openxmlformats.org/presentationml/2006/main">
   <p:cSld>
@@ -13660,6 +16453,1879 @@
     <p:extLst>
       <p:ext uri="{BB962C8B-B14F-4D97-AF65-F5344CB8AC3E}">
         <p14:creationId xmlns:p14="http://schemas.microsoft.com/office/powerpoint/2010/main" val="2856656807"/>
+      </p:ext>
+    </p:extLst>
+  </p:cSld>
+  <p:clrMapOvr>
+    <a:masterClrMapping/>
+  </p:clrMapOvr>
+  <p:timing>
+    <p:tnLst>
+      <p:par>
+        <p:cTn id="1" dur="indefinite" restart="never" nodeType="tmRoot"/>
+      </p:par>
+    </p:tnLst>
+  </p:timing>
+</p:sld>
+</file>
+
+<file path=ppt/slides/slide30.xml><?xml version="1.0" encoding="utf-8"?>
+<p:sld xmlns:a="http://schemas.openxmlformats.org/drawingml/2006/main" xmlns:r="http://schemas.openxmlformats.org/officeDocument/2006/relationships" xmlns:p="http://schemas.openxmlformats.org/presentationml/2006/main">
+  <p:cSld>
+    <p:spTree>
+      <p:nvGrpSpPr>
+        <p:cNvPr id="1" name=""/>
+        <p:cNvGrpSpPr/>
+        <p:nvPr/>
+      </p:nvGrpSpPr>
+      <p:grpSpPr>
+        <a:xfrm>
+          <a:off x="0" y="0"/>
+          <a:ext cx="0" cy="0"/>
+          <a:chOff x="0" y="0"/>
+          <a:chExt cx="0" cy="0"/>
+        </a:xfrm>
+      </p:grpSpPr>
+      <p:sp>
+        <p:nvSpPr>
+          <p:cNvPr id="2" name="TextBox 1"/>
+          <p:cNvSpPr txBox="1"/>
+          <p:nvPr/>
+        </p:nvSpPr>
+        <p:spPr>
+          <a:xfrm>
+            <a:off x="1967720" y="813488"/>
+            <a:ext cx="8862978" cy="1200329"/>
+          </a:xfrm>
+          <a:prstGeom prst="rect">
+            <a:avLst/>
+          </a:prstGeom>
+          <a:noFill/>
+        </p:spPr>
+        <p:txBody>
+          <a:bodyPr wrap="square" rtlCol="0">
+            <a:spAutoFit/>
+          </a:bodyPr>
+          <a:lstStyle/>
+          <a:p>
+            <a:r>
+              <a:rPr lang="en-US" sz="2400" dirty="0"/>
+              <a:t>Since Log is a monotone increasing function, </a:t>
+            </a:r>
+            <a:r>
+              <a:rPr lang="en-US" sz="2400" dirty="0" smtClean="0"/>
+              <a:t>maximizing log(likelihood</a:t>
+            </a:r>
+            <a:r>
+              <a:rPr lang="en-US" sz="2400" dirty="0"/>
+              <a:t>) is equivalent to minimizing -log(likelihood</a:t>
+            </a:r>
+            <a:r>
+              <a:rPr lang="en-US" sz="2400" dirty="0" smtClean="0"/>
+              <a:t>)</a:t>
+            </a:r>
+            <a:endParaRPr lang="en-US" sz="2400" dirty="0"/>
+          </a:p>
+          <a:p>
+            <a:r>
+              <a:rPr lang="en-US" sz="2400" dirty="0"/>
+              <a:t>Text also normalizes by dividing by N; hence error function becomes</a:t>
+            </a:r>
+          </a:p>
+        </p:txBody>
+      </p:sp>
+      <p:pic>
+        <p:nvPicPr>
+          <p:cNvPr id="4098" name="Picture 2" descr="E:\CS 483_580\2014\pictures from lecture 9\max likelihood min cross entropy.png"/>
+          <p:cNvPicPr>
+            <a:picLocks noChangeAspect="1" noChangeArrowheads="1"/>
+          </p:cNvPicPr>
+          <p:nvPr/>
+        </p:nvPicPr>
+        <p:blipFill>
+          <a:blip r:embed="rId2">
+            <a:extLst>
+              <a:ext uri="{28A0092B-C50C-407E-A947-70E740481C1C}">
+                <a14:useLocalDpi xmlns:a14="http://schemas.microsoft.com/office/drawing/2010/main" val="0"/>
+              </a:ext>
+            </a:extLst>
+          </a:blip>
+          <a:srcRect/>
+          <a:stretch>
+            <a:fillRect/>
+          </a:stretch>
+        </p:blipFill>
+        <p:spPr bwMode="auto">
+          <a:xfrm>
+            <a:off x="3657600" y="2133600"/>
+            <a:ext cx="4533900" cy="4267200"/>
+          </a:xfrm>
+          <a:prstGeom prst="rect">
+            <a:avLst/>
+          </a:prstGeom>
+          <a:noFill/>
+          <a:extLst>
+            <a:ext uri="{909E8E84-426E-40DD-AFC4-6F175D3DCCD1}">
+              <a14:hiddenFill xmlns:a14="http://schemas.microsoft.com/office/drawing/2010/main">
+                <a:solidFill>
+                  <a:srgbClr val="FFFFFF"/>
+                </a:solidFill>
+              </a14:hiddenFill>
+            </a:ext>
+          </a:extLst>
+        </p:spPr>
+      </p:pic>
+      <p:sp>
+        <p:nvSpPr>
+          <p:cNvPr id="4" name="TextBox 3"/>
+          <p:cNvSpPr txBox="1"/>
+          <p:nvPr/>
+        </p:nvSpPr>
+        <p:spPr>
+          <a:xfrm>
+            <a:off x="6590270" y="4547286"/>
+            <a:ext cx="779957" cy="400110"/>
+          </a:xfrm>
+          <a:prstGeom prst="rect">
+            <a:avLst/>
+          </a:prstGeom>
+          <a:noFill/>
+        </p:spPr>
+        <p:txBody>
+          <a:bodyPr wrap="none" rtlCol="0">
+            <a:spAutoFit/>
+          </a:bodyPr>
+          <a:lstStyle/>
+          <a:p>
+            <a:r>
+              <a:rPr lang="en-US" sz="2000" dirty="0" smtClean="0"/>
+              <a:t>How?</a:t>
+            </a:r>
+            <a:endParaRPr lang="en-US" sz="2000" dirty="0"/>
+          </a:p>
+        </p:txBody>
+      </p:sp>
+    </p:spTree>
+    <p:extLst>
+      <p:ext uri="{BB962C8B-B14F-4D97-AF65-F5344CB8AC3E}">
+        <p14:creationId xmlns:p14="http://schemas.microsoft.com/office/powerpoint/2010/main" val="353711048"/>
+      </p:ext>
+    </p:extLst>
+  </p:cSld>
+  <p:clrMapOvr>
+    <a:masterClrMapping/>
+  </p:clrMapOvr>
+  <p:timing>
+    <p:tnLst>
+      <p:par>
+        <p:cTn id="1" dur="indefinite" restart="never" nodeType="tmRoot"/>
+      </p:par>
+    </p:tnLst>
+  </p:timing>
+</p:sld>
+</file>
+
+<file path=ppt/slides/slide31.xml><?xml version="1.0" encoding="utf-8"?>
+<p:sld xmlns:a="http://schemas.openxmlformats.org/drawingml/2006/main" xmlns:r="http://schemas.openxmlformats.org/officeDocument/2006/relationships" xmlns:p="http://schemas.openxmlformats.org/presentationml/2006/main">
+  <p:cSld>
+    <p:spTree>
+      <p:nvGrpSpPr>
+        <p:cNvPr id="1" name=""/>
+        <p:cNvGrpSpPr/>
+        <p:nvPr/>
+      </p:nvGrpSpPr>
+      <p:grpSpPr>
+        <a:xfrm>
+          <a:off x="0" y="0"/>
+          <a:ext cx="0" cy="0"/>
+          <a:chOff x="0" y="0"/>
+          <a:chExt cx="0" cy="0"/>
+        </a:xfrm>
+      </p:grpSpPr>
+      <p:sp>
+        <p:nvSpPr>
+          <p:cNvPr id="2" name="TextBox 1"/>
+          <p:cNvSpPr txBox="1"/>
+          <p:nvPr/>
+        </p:nvSpPr>
+        <p:spPr>
+          <a:xfrm>
+            <a:off x="1905000" y="2895600"/>
+            <a:ext cx="8345939" cy="3631763"/>
+          </a:xfrm>
+          <a:prstGeom prst="rect">
+            <a:avLst/>
+          </a:prstGeom>
+          <a:noFill/>
+        </p:spPr>
+        <p:txBody>
+          <a:bodyPr wrap="none" rtlCol="0">
+            <a:spAutoFit/>
+          </a:bodyPr>
+          <a:lstStyle/>
+          <a:p>
+            <a:r>
+              <a:rPr lang="en-US" sz="2400" dirty="0"/>
+              <a:t>Error function of logistic regression (called cross entropy) has the </a:t>
+            </a:r>
+          </a:p>
+          <a:p>
+            <a:r>
+              <a:rPr lang="en-US" sz="2400" dirty="0"/>
+              <a:t>desired properties.</a:t>
+            </a:r>
+          </a:p>
+          <a:p>
+            <a:endParaRPr lang="en-US" dirty="0"/>
+          </a:p>
+          <a:p>
+            <a:r>
+              <a:rPr lang="en-US" sz="2400" dirty="0"/>
+              <a:t>If </a:t>
+            </a:r>
+            <a:r>
+              <a:rPr lang="en-US" sz="2400" b="1" dirty="0" err="1" smtClean="0"/>
+              <a:t>x</a:t>
+            </a:r>
+            <a:r>
+              <a:rPr lang="en-US" sz="2400" baseline="-25000" dirty="0" err="1" smtClean="0"/>
+              <a:t>n</a:t>
+            </a:r>
+            <a:r>
+              <a:rPr lang="en-US" sz="2400" dirty="0"/>
+              <a:t> </a:t>
+            </a:r>
+            <a:r>
+              <a:rPr lang="en-US" sz="2400" dirty="0" smtClean="0"/>
+              <a:t>is attribute </a:t>
+            </a:r>
+            <a:r>
+              <a:rPr lang="en-US" sz="2400" dirty="0"/>
+              <a:t>of person who has had a heart attack, </a:t>
+            </a:r>
+            <a:r>
+              <a:rPr lang="en-US" sz="2400" b="1" dirty="0" err="1"/>
+              <a:t>w</a:t>
+            </a:r>
+            <a:r>
+              <a:rPr lang="en-US" sz="2400" baseline="30000" dirty="0" err="1"/>
+              <a:t>T</a:t>
+            </a:r>
+            <a:r>
+              <a:rPr lang="en-US" sz="2400" b="1" dirty="0" err="1"/>
+              <a:t>x</a:t>
+            </a:r>
+            <a:r>
+              <a:rPr lang="en-US" sz="2400" baseline="-25000" dirty="0" err="1"/>
+              <a:t>n</a:t>
+            </a:r>
+            <a:r>
+              <a:rPr lang="en-US" sz="2400" dirty="0"/>
+              <a:t> &gt;&gt; 0 </a:t>
+            </a:r>
+          </a:p>
+          <a:p>
+            <a:r>
+              <a:rPr lang="en-US" sz="2400" dirty="0"/>
+              <a:t>and </a:t>
+            </a:r>
+            <a:r>
+              <a:rPr lang="en-US" sz="2400" dirty="0" err="1"/>
+              <a:t>y</a:t>
+            </a:r>
+            <a:r>
+              <a:rPr lang="en-US" sz="2400" baseline="-25000" dirty="0" err="1"/>
+              <a:t>n</a:t>
+            </a:r>
+            <a:r>
+              <a:rPr lang="en-US" sz="2400" baseline="-25000" dirty="0"/>
+              <a:t> </a:t>
+            </a:r>
+            <a:r>
+              <a:rPr lang="en-US" sz="2400" dirty="0"/>
+              <a:t>&gt; 0 so contribution to </a:t>
+            </a:r>
+            <a:r>
+              <a:rPr lang="en-US" sz="2400" dirty="0" err="1"/>
+              <a:t>E</a:t>
+            </a:r>
+            <a:r>
+              <a:rPr lang="en-US" sz="2400" baseline="-25000" dirty="0" err="1"/>
+              <a:t>in</a:t>
+            </a:r>
+            <a:r>
+              <a:rPr lang="en-US" sz="2400" dirty="0"/>
+              <a:t>(</a:t>
+            </a:r>
+            <a:r>
+              <a:rPr lang="en-US" sz="2400" b="1" dirty="0"/>
+              <a:t>w</a:t>
+            </a:r>
+            <a:r>
+              <a:rPr lang="en-US" sz="2400" dirty="0"/>
+              <a:t>) is small.</a:t>
+            </a:r>
+          </a:p>
+          <a:p>
+            <a:endParaRPr lang="en-US" dirty="0"/>
+          </a:p>
+          <a:p>
+            <a:r>
+              <a:rPr lang="en-US" sz="2400" dirty="0"/>
+              <a:t>If </a:t>
+            </a:r>
+            <a:r>
+              <a:rPr lang="en-US" sz="2400" b="1" dirty="0" err="1"/>
+              <a:t>x</a:t>
+            </a:r>
+            <a:r>
+              <a:rPr lang="en-US" sz="2400" baseline="-25000" dirty="0" err="1"/>
+              <a:t>n</a:t>
+            </a:r>
+            <a:r>
+              <a:rPr lang="en-US" sz="2400" dirty="0"/>
+              <a:t> are attributes of person who has not had a heart attack, </a:t>
+            </a:r>
+          </a:p>
+          <a:p>
+            <a:r>
+              <a:rPr lang="en-US" sz="2400" b="1" dirty="0" err="1"/>
+              <a:t>w</a:t>
+            </a:r>
+            <a:r>
+              <a:rPr lang="en-US" sz="2400" baseline="30000" dirty="0" err="1"/>
+              <a:t>T</a:t>
+            </a:r>
+            <a:r>
+              <a:rPr lang="en-US" sz="2400" b="1" dirty="0" err="1"/>
+              <a:t>x</a:t>
+            </a:r>
+            <a:r>
+              <a:rPr lang="en-US" sz="2400" baseline="-25000" dirty="0" err="1"/>
+              <a:t>n</a:t>
+            </a:r>
+            <a:r>
+              <a:rPr lang="en-US" sz="2400" dirty="0"/>
+              <a:t> &lt;&lt; 0 and </a:t>
+            </a:r>
+            <a:r>
+              <a:rPr lang="en-US" sz="2400" dirty="0" err="1"/>
+              <a:t>y</a:t>
+            </a:r>
+            <a:r>
+              <a:rPr lang="en-US" sz="2400" baseline="-25000" dirty="0" err="1"/>
+              <a:t>n</a:t>
+            </a:r>
+            <a:r>
+              <a:rPr lang="en-US" sz="2400" baseline="-25000" dirty="0"/>
+              <a:t> </a:t>
+            </a:r>
+            <a:r>
+              <a:rPr lang="en-US" sz="2400" dirty="0"/>
+              <a:t>&lt; 0 so contribution to </a:t>
+            </a:r>
+            <a:r>
+              <a:rPr lang="en-US" sz="2400" dirty="0" err="1"/>
+              <a:t>E</a:t>
+            </a:r>
+            <a:r>
+              <a:rPr lang="en-US" sz="2400" baseline="-25000" dirty="0" err="1"/>
+              <a:t>in</a:t>
+            </a:r>
+            <a:r>
+              <a:rPr lang="en-US" sz="2400" dirty="0"/>
+              <a:t>(</a:t>
+            </a:r>
+            <a:r>
+              <a:rPr lang="en-US" sz="2400" b="1" dirty="0"/>
+              <a:t>w</a:t>
+            </a:r>
+            <a:r>
+              <a:rPr lang="en-US" sz="2400" dirty="0"/>
+              <a:t>) is again small</a:t>
+            </a:r>
+            <a:r>
+              <a:rPr lang="en-US" sz="2400" dirty="0" smtClean="0"/>
+              <a:t>.</a:t>
+            </a:r>
+          </a:p>
+          <a:p>
+            <a:endParaRPr lang="en-US" dirty="0"/>
+          </a:p>
+          <a:p>
+            <a:r>
+              <a:rPr lang="en-US" sz="2400" b="1" dirty="0" err="1" smtClean="0"/>
+              <a:t>w</a:t>
+            </a:r>
+            <a:r>
+              <a:rPr lang="en-US" sz="2400" baseline="30000" dirty="0" err="1" smtClean="0"/>
+              <a:t>T</a:t>
+            </a:r>
+            <a:r>
+              <a:rPr lang="en-US" sz="2400" b="1" dirty="0" err="1" smtClean="0"/>
+              <a:t>x</a:t>
+            </a:r>
+            <a:r>
+              <a:rPr lang="en-US" sz="2400" baseline="-25000" dirty="0" err="1" smtClean="0"/>
+              <a:t>n</a:t>
+            </a:r>
+            <a:r>
+              <a:rPr lang="en-US" sz="2400" dirty="0" smtClean="0"/>
+              <a:t> is the risk of a heart attack for n</a:t>
+            </a:r>
+            <a:r>
+              <a:rPr lang="en-US" sz="2400" baseline="30000" dirty="0" smtClean="0"/>
+              <a:t>th</a:t>
+            </a:r>
+            <a:r>
+              <a:rPr lang="en-US" sz="2400" dirty="0" smtClean="0"/>
+              <a:t> subject</a:t>
+            </a:r>
+          </a:p>
+        </p:txBody>
+      </p:sp>
+      <p:pic>
+        <p:nvPicPr>
+          <p:cNvPr id="1026" name="Picture 2" descr="H:\CS 483_580\2014\pictures from lecture 9\cross entropy.png"/>
+          <p:cNvPicPr>
+            <a:picLocks noChangeAspect="1" noChangeArrowheads="1"/>
+          </p:cNvPicPr>
+          <p:nvPr/>
+        </p:nvPicPr>
+        <p:blipFill>
+          <a:blip r:embed="rId2">
+            <a:extLst>
+              <a:ext uri="{28A0092B-C50C-407E-A947-70E740481C1C}">
+                <a14:useLocalDpi xmlns:a14="http://schemas.microsoft.com/office/drawing/2010/main" val="0"/>
+              </a:ext>
+            </a:extLst>
+          </a:blip>
+          <a:srcRect/>
+          <a:stretch>
+            <a:fillRect/>
+          </a:stretch>
+        </p:blipFill>
+        <p:spPr bwMode="auto">
+          <a:xfrm>
+            <a:off x="2743200" y="1219200"/>
+            <a:ext cx="6408738" cy="1371600"/>
+          </a:xfrm>
+          <a:prstGeom prst="rect">
+            <a:avLst/>
+          </a:prstGeom>
+          <a:noFill/>
+          <a:extLst>
+            <a:ext uri="{909E8E84-426E-40DD-AFC4-6F175D3DCCD1}">
+              <a14:hiddenFill xmlns:a14="http://schemas.microsoft.com/office/drawing/2010/main">
+                <a:solidFill>
+                  <a:srgbClr val="FFFFFF"/>
+                </a:solidFill>
+              </a14:hiddenFill>
+            </a:ext>
+          </a:extLst>
+        </p:spPr>
+      </p:pic>
+    </p:spTree>
+    <p:extLst>
+      <p:ext uri="{BB962C8B-B14F-4D97-AF65-F5344CB8AC3E}">
+        <p14:creationId xmlns:p14="http://schemas.microsoft.com/office/powerpoint/2010/main" val="3097896233"/>
+      </p:ext>
+    </p:extLst>
+  </p:cSld>
+  <p:clrMapOvr>
+    <a:masterClrMapping/>
+  </p:clrMapOvr>
+  <p:timing>
+    <p:tnLst>
+      <p:par>
+        <p:cTn id="1" dur="indefinite" restart="never" nodeType="tmRoot"/>
+      </p:par>
+    </p:tnLst>
+  </p:timing>
+</p:sld>
+</file>
+
+<file path=ppt/slides/slide32.xml><?xml version="1.0" encoding="utf-8"?>
+<p:sld xmlns:a="http://schemas.openxmlformats.org/drawingml/2006/main" xmlns:r="http://schemas.openxmlformats.org/officeDocument/2006/relationships" xmlns:p="http://schemas.openxmlformats.org/presentationml/2006/main">
+  <p:cSld>
+    <p:spTree>
+      <p:nvGrpSpPr>
+        <p:cNvPr id="1" name=""/>
+        <p:cNvGrpSpPr/>
+        <p:nvPr/>
+      </p:nvGrpSpPr>
+      <p:grpSpPr>
+        <a:xfrm>
+          <a:off x="0" y="0"/>
+          <a:ext cx="0" cy="0"/>
+          <a:chOff x="0" y="0"/>
+          <a:chExt cx="0" cy="0"/>
+        </a:xfrm>
+      </p:grpSpPr>
+      <p:pic>
+        <p:nvPicPr>
+          <p:cNvPr id="5122" name="Picture 2" descr="E:\CS 483_580\2014\pictures from lecture 9\min Ein log vs lin.png"/>
+          <p:cNvPicPr>
+            <a:picLocks noChangeAspect="1" noChangeArrowheads="1"/>
+          </p:cNvPicPr>
+          <p:nvPr/>
+        </p:nvPicPr>
+        <p:blipFill>
+          <a:blip r:embed="rId2">
+            <a:extLst>
+              <a:ext uri="{28A0092B-C50C-407E-A947-70E740481C1C}">
+                <a14:useLocalDpi xmlns:a14="http://schemas.microsoft.com/office/drawing/2010/main" val="0"/>
+              </a:ext>
+            </a:extLst>
+          </a:blip>
+          <a:srcRect/>
+          <a:stretch>
+            <a:fillRect/>
+          </a:stretch>
+        </p:blipFill>
+        <p:spPr bwMode="auto">
+          <a:xfrm>
+            <a:off x="2770703" y="1007076"/>
+            <a:ext cx="5676900" cy="3429000"/>
+          </a:xfrm>
+          <a:prstGeom prst="rect">
+            <a:avLst/>
+          </a:prstGeom>
+          <a:noFill/>
+          <a:extLst>
+            <a:ext uri="{909E8E84-426E-40DD-AFC4-6F175D3DCCD1}">
+              <a14:hiddenFill xmlns:a14="http://schemas.microsoft.com/office/drawing/2010/main">
+                <a:solidFill>
+                  <a:srgbClr val="FFFFFF"/>
+                </a:solidFill>
+              </a14:hiddenFill>
+            </a:ext>
+          </a:extLst>
+        </p:spPr>
+      </p:pic>
+      <p:sp>
+        <p:nvSpPr>
+          <p:cNvPr id="2" name="TextBox 1"/>
+          <p:cNvSpPr txBox="1"/>
+          <p:nvPr/>
+        </p:nvSpPr>
+        <p:spPr>
+          <a:xfrm>
+            <a:off x="1929713" y="4529271"/>
+            <a:ext cx="8075224" cy="1692771"/>
+          </a:xfrm>
+          <a:prstGeom prst="rect">
+            <a:avLst/>
+          </a:prstGeom>
+          <a:noFill/>
+        </p:spPr>
+        <p:txBody>
+          <a:bodyPr wrap="none" rtlCol="0">
+            <a:spAutoFit/>
+          </a:bodyPr>
+          <a:lstStyle/>
+          <a:p>
+            <a:r>
+              <a:rPr lang="en-US" sz="2400" dirty="0"/>
+              <a:t>Error function of linear regression allows “1-step” optimization.</a:t>
+            </a:r>
+          </a:p>
+          <a:p>
+            <a:endParaRPr lang="en-US" sz="1600" dirty="0"/>
+          </a:p>
+          <a:p>
+            <a:r>
+              <a:rPr lang="en-US" sz="2400" dirty="0"/>
+              <a:t>Not true for error function of logistic regression</a:t>
+            </a:r>
+          </a:p>
+          <a:p>
+            <a:endParaRPr lang="en-US" sz="1600" dirty="0"/>
+          </a:p>
+          <a:p>
+            <a:r>
+              <a:rPr lang="en-US" sz="2400" dirty="0"/>
+              <a:t>Optimization is iterative; </a:t>
+            </a:r>
+            <a:r>
+              <a:rPr lang="en-US" sz="2400" dirty="0" smtClean="0"/>
+              <a:t>one method </a:t>
+            </a:r>
+            <a:r>
+              <a:rPr lang="en-US" sz="2400" dirty="0"/>
+              <a:t>is </a:t>
+            </a:r>
+            <a:r>
+              <a:rPr lang="en-US" sz="2400" dirty="0" smtClean="0"/>
+              <a:t>“gradient </a:t>
+            </a:r>
+            <a:r>
+              <a:rPr lang="en-US" sz="2400" dirty="0"/>
+              <a:t>decent”</a:t>
+            </a:r>
+          </a:p>
+        </p:txBody>
+      </p:sp>
+    </p:spTree>
+    <p:extLst>
+      <p:ext uri="{BB962C8B-B14F-4D97-AF65-F5344CB8AC3E}">
+        <p14:creationId xmlns:p14="http://schemas.microsoft.com/office/powerpoint/2010/main" val="1350993321"/>
+      </p:ext>
+    </p:extLst>
+  </p:cSld>
+  <p:clrMapOvr>
+    <a:masterClrMapping/>
+  </p:clrMapOvr>
+  <p:timing>
+    <p:tnLst>
+      <p:par>
+        <p:cTn id="1" dur="indefinite" restart="never" nodeType="tmRoot"/>
+      </p:par>
+    </p:tnLst>
+  </p:timing>
+</p:sld>
+</file>
+
+<file path=ppt/slides/slide33.xml><?xml version="1.0" encoding="utf-8"?>
+<p:sld xmlns:a="http://schemas.openxmlformats.org/drawingml/2006/main" xmlns:r="http://schemas.openxmlformats.org/officeDocument/2006/relationships" xmlns:p="http://schemas.openxmlformats.org/presentationml/2006/main">
+  <p:cSld>
+    <p:spTree>
+      <p:nvGrpSpPr>
+        <p:cNvPr id="1" name=""/>
+        <p:cNvGrpSpPr/>
+        <p:nvPr/>
+      </p:nvGrpSpPr>
+      <p:grpSpPr>
+        <a:xfrm>
+          <a:off x="0" y="0"/>
+          <a:ext cx="0" cy="0"/>
+          <a:chOff x="0" y="0"/>
+          <a:chExt cx="0" cy="0"/>
+        </a:xfrm>
+      </p:grpSpPr>
+      <p:graphicFrame>
+        <p:nvGraphicFramePr>
+          <p:cNvPr id="2" name="Object 1"/>
+          <p:cNvGraphicFramePr>
+            <a:graphicFrameLocks noChangeAspect="1"/>
+          </p:cNvGraphicFramePr>
+          <p:nvPr>
+            <p:extLst/>
+          </p:nvPr>
+        </p:nvGraphicFramePr>
+        <p:xfrm>
+          <a:off x="2201863" y="1454150"/>
+          <a:ext cx="7515225" cy="3306763"/>
+        </p:xfrm>
+        <a:graphic>
+          <a:graphicData uri="http://schemas.openxmlformats.org/presentationml/2006/ole">
+            <mc:AlternateContent xmlns:mc="http://schemas.openxmlformats.org/markup-compatibility/2006">
+              <mc:Choice xmlns:v="urn:schemas-microsoft-com:vml" Requires="v">
+                <p:oleObj spid="_x0000_s4101" name="Equation" r:id="rId3" imgW="2298600" imgH="1168200" progId="Equation.3">
+                  <p:embed/>
+                </p:oleObj>
+              </mc:Choice>
+              <mc:Fallback>
+                <p:oleObj name="Equation" r:id="rId3" imgW="2298600" imgH="1168200" progId="Equation.3">
+                  <p:embed/>
+                  <p:pic>
+                    <p:nvPicPr>
+                      <p:cNvPr id="0" name=""/>
+                      <p:cNvPicPr>
+                        <a:picLocks noChangeAspect="1" noChangeArrowheads="1"/>
+                      </p:cNvPicPr>
+                      <p:nvPr/>
+                    </p:nvPicPr>
+                    <p:blipFill>
+                      <a:blip r:embed="rId4"/>
+                      <a:srcRect/>
+                      <a:stretch>
+                        <a:fillRect/>
+                      </a:stretch>
+                    </p:blipFill>
+                    <p:spPr bwMode="auto">
+                      <a:xfrm>
+                        <a:off x="2201863" y="1454150"/>
+                        <a:ext cx="7515225" cy="3306763"/>
+                      </a:xfrm>
+                      <a:prstGeom prst="rect">
+                        <a:avLst/>
+                      </a:prstGeom>
+                      <a:noFill/>
+                      <a:ln>
+                        <a:noFill/>
+                      </a:ln>
+                      <a:extLst/>
+                    </p:spPr>
+                  </p:pic>
+                </p:oleObj>
+              </mc:Fallback>
+            </mc:AlternateContent>
+          </a:graphicData>
+        </a:graphic>
+      </p:graphicFrame>
+      <p:sp>
+        <p:nvSpPr>
+          <p:cNvPr id="3" name="TextBox 2"/>
+          <p:cNvSpPr txBox="1"/>
+          <p:nvPr/>
+        </p:nvSpPr>
+        <p:spPr>
+          <a:xfrm>
+            <a:off x="1276867" y="749643"/>
+            <a:ext cx="10328661" cy="523220"/>
+          </a:xfrm>
+          <a:prstGeom prst="rect">
+            <a:avLst/>
+          </a:prstGeom>
+          <a:noFill/>
+        </p:spPr>
+        <p:txBody>
+          <a:bodyPr wrap="none" rtlCol="0">
+            <a:spAutoFit/>
+          </a:bodyPr>
+          <a:lstStyle/>
+          <a:p>
+            <a:r>
+              <a:rPr lang="en-US" sz="2800" dirty="0" smtClean="0"/>
+              <a:t>Stochastic gradient decent: correct weights by error in each data point</a:t>
+            </a:r>
+            <a:endParaRPr lang="en-US" sz="2800" dirty="0"/>
+          </a:p>
+        </p:txBody>
+      </p:sp>
+      <p:sp>
+        <p:nvSpPr>
+          <p:cNvPr id="7" name="TextBox 6"/>
+          <p:cNvSpPr txBox="1"/>
+          <p:nvPr/>
+        </p:nvSpPr>
+        <p:spPr>
+          <a:xfrm>
+            <a:off x="2222500" y="4819136"/>
+            <a:ext cx="4503797" cy="461665"/>
+          </a:xfrm>
+          <a:prstGeom prst="rect">
+            <a:avLst/>
+          </a:prstGeom>
+          <a:noFill/>
+        </p:spPr>
+        <p:txBody>
+          <a:bodyPr wrap="none" rtlCol="0">
+            <a:spAutoFit/>
+          </a:bodyPr>
+          <a:lstStyle/>
+          <a:p>
+            <a:r>
+              <a:rPr lang="en-US" sz="2400" dirty="0" smtClean="0">
+                <a:latin typeface="Symbol" panose="05050102010706020507" pitchFamily="18" charset="2"/>
+              </a:rPr>
+              <a:t>h</a:t>
+            </a:r>
+            <a:r>
+              <a:rPr lang="en-US" sz="2400" dirty="0" smtClean="0"/>
+              <a:t> is “learning rate” with value &lt;&lt; 1</a:t>
+            </a:r>
+            <a:endParaRPr lang="en-US" sz="2400" dirty="0"/>
+          </a:p>
+        </p:txBody>
+      </p:sp>
+      <p:sp>
+        <p:nvSpPr>
+          <p:cNvPr id="5" name="TextBox 4"/>
+          <p:cNvSpPr txBox="1"/>
+          <p:nvPr/>
+        </p:nvSpPr>
+        <p:spPr>
+          <a:xfrm>
+            <a:off x="9349945" y="3286898"/>
+            <a:ext cx="2274341" cy="461665"/>
+          </a:xfrm>
+          <a:prstGeom prst="rect">
+            <a:avLst/>
+          </a:prstGeom>
+          <a:noFill/>
+        </p:spPr>
+        <p:txBody>
+          <a:bodyPr wrap="none" rtlCol="0">
+            <a:spAutoFit/>
+          </a:bodyPr>
+          <a:lstStyle/>
+          <a:p>
+            <a:r>
+              <a:rPr lang="en-US" sz="2400" dirty="0"/>
+              <a:t>d</a:t>
+            </a:r>
+            <a:r>
+              <a:rPr lang="en-US" sz="2400" dirty="0" smtClean="0"/>
+              <a:t>erive this result</a:t>
+            </a:r>
+            <a:endParaRPr lang="en-US" sz="2400" dirty="0"/>
+          </a:p>
+        </p:txBody>
+      </p:sp>
+    </p:spTree>
+    <p:extLst>
+      <p:ext uri="{BB962C8B-B14F-4D97-AF65-F5344CB8AC3E}">
+        <p14:creationId xmlns:p14="http://schemas.microsoft.com/office/powerpoint/2010/main" val="3352897136"/>
+      </p:ext>
+    </p:extLst>
+  </p:cSld>
+  <p:clrMapOvr>
+    <a:masterClrMapping/>
+  </p:clrMapOvr>
+  <p:timing>
+    <p:tnLst>
+      <p:par>
+        <p:cTn id="1" dur="indefinite" restart="never" nodeType="tmRoot"/>
+      </p:par>
+    </p:tnLst>
+  </p:timing>
+</p:sld>
+</file>
+
+<file path=ppt/slides/slide34.xml><?xml version="1.0" encoding="utf-8"?>
+<p:sld xmlns:a="http://schemas.openxmlformats.org/drawingml/2006/main" xmlns:r="http://schemas.openxmlformats.org/officeDocument/2006/relationships" xmlns:p="http://schemas.openxmlformats.org/presentationml/2006/main">
+  <p:cSld>
+    <p:spTree>
+      <p:nvGrpSpPr>
+        <p:cNvPr id="1" name=""/>
+        <p:cNvGrpSpPr/>
+        <p:nvPr/>
+      </p:nvGrpSpPr>
+      <p:grpSpPr>
+        <a:xfrm>
+          <a:off x="0" y="0"/>
+          <a:ext cx="0" cy="0"/>
+          <a:chOff x="0" y="0"/>
+          <a:chExt cx="0" cy="0"/>
+        </a:xfrm>
+      </p:grpSpPr>
+      <p:sp>
+        <p:nvSpPr>
+          <p:cNvPr id="2" name="TextBox 1"/>
+          <p:cNvSpPr txBox="1"/>
+          <p:nvPr/>
+        </p:nvSpPr>
+        <p:spPr>
+          <a:xfrm>
+            <a:off x="3547227" y="817432"/>
+            <a:ext cx="4877617" cy="461665"/>
+          </a:xfrm>
+          <a:prstGeom prst="rect">
+            <a:avLst/>
+          </a:prstGeom>
+          <a:noFill/>
+        </p:spPr>
+        <p:txBody>
+          <a:bodyPr wrap="none" rtlCol="0">
+            <a:spAutoFit/>
+          </a:bodyPr>
+          <a:lstStyle/>
+          <a:p>
+            <a:r>
+              <a:rPr lang="en-US" sz="2400" dirty="0" smtClean="0"/>
+              <a:t>Benefits of stochastic gradient decent</a:t>
+            </a:r>
+            <a:endParaRPr lang="en-US" sz="2400" dirty="0"/>
+          </a:p>
+        </p:txBody>
+      </p:sp>
+      <p:pic>
+        <p:nvPicPr>
+          <p:cNvPr id="3" name="Picture 2"/>
+          <p:cNvPicPr>
+            <a:picLocks noChangeAspect="1"/>
+          </p:cNvPicPr>
+          <p:nvPr/>
+        </p:nvPicPr>
+        <p:blipFill>
+          <a:blip r:embed="rId2">
+            <a:extLst>
+              <a:ext uri="{28A0092B-C50C-407E-A947-70E740481C1C}">
+                <a14:useLocalDpi xmlns:a14="http://schemas.microsoft.com/office/drawing/2010/main" val="0"/>
+              </a:ext>
+            </a:extLst>
+          </a:blip>
+          <a:stretch>
+            <a:fillRect/>
+          </a:stretch>
+        </p:blipFill>
+        <p:spPr>
+          <a:xfrm>
+            <a:off x="1497212" y="1457326"/>
+            <a:ext cx="3843064" cy="3072368"/>
+          </a:xfrm>
+          <a:prstGeom prst="rect">
+            <a:avLst/>
+          </a:prstGeom>
+        </p:spPr>
+      </p:pic>
+      <p:sp>
+        <p:nvSpPr>
+          <p:cNvPr id="4" name="TextBox 3"/>
+          <p:cNvSpPr txBox="1"/>
+          <p:nvPr/>
+        </p:nvSpPr>
+        <p:spPr>
+          <a:xfrm>
+            <a:off x="2417438" y="4839994"/>
+            <a:ext cx="6881949" cy="830997"/>
+          </a:xfrm>
+          <a:prstGeom prst="rect">
+            <a:avLst/>
+          </a:prstGeom>
+          <a:noFill/>
+        </p:spPr>
+        <p:txBody>
+          <a:bodyPr wrap="none" rtlCol="0">
+            <a:spAutoFit/>
+          </a:bodyPr>
+          <a:lstStyle/>
+          <a:p>
+            <a:r>
+              <a:rPr lang="en-US" sz="2400" dirty="0" smtClean="0"/>
+              <a:t>Less computation than Batch gradient decent</a:t>
+            </a:r>
+          </a:p>
+          <a:p>
+            <a:r>
+              <a:rPr lang="en-US" sz="2400" dirty="0" smtClean="0"/>
+              <a:t>Randomness helps avoid getting stuck in local minima</a:t>
+            </a:r>
+            <a:endParaRPr lang="en-US" sz="2400" dirty="0"/>
+          </a:p>
+        </p:txBody>
+      </p:sp>
+      <p:pic>
+        <p:nvPicPr>
+          <p:cNvPr id="5" name="Picture 4"/>
+          <p:cNvPicPr>
+            <a:picLocks noChangeAspect="1"/>
+          </p:cNvPicPr>
+          <p:nvPr/>
+        </p:nvPicPr>
+        <p:blipFill>
+          <a:blip r:embed="rId3">
+            <a:extLst>
+              <a:ext uri="{28A0092B-C50C-407E-A947-70E740481C1C}">
+                <a14:useLocalDpi xmlns:a14="http://schemas.microsoft.com/office/drawing/2010/main" val="0"/>
+              </a:ext>
+            </a:extLst>
+          </a:blip>
+          <a:stretch>
+            <a:fillRect/>
+          </a:stretch>
+        </p:blipFill>
+        <p:spPr>
+          <a:xfrm>
+            <a:off x="6082020" y="1457326"/>
+            <a:ext cx="3926953" cy="3202564"/>
+          </a:xfrm>
+          <a:prstGeom prst="rect">
+            <a:avLst/>
+          </a:prstGeom>
+        </p:spPr>
+      </p:pic>
+    </p:spTree>
+    <p:extLst>
+      <p:ext uri="{BB962C8B-B14F-4D97-AF65-F5344CB8AC3E}">
+        <p14:creationId xmlns:p14="http://schemas.microsoft.com/office/powerpoint/2010/main" val="898093519"/>
+      </p:ext>
+    </p:extLst>
+  </p:cSld>
+  <p:clrMapOvr>
+    <a:masterClrMapping/>
+  </p:clrMapOvr>
+  <p:timing>
+    <p:tnLst>
+      <p:par>
+        <p:cTn id="1" dur="indefinite" restart="never" nodeType="tmRoot"/>
+      </p:par>
+    </p:tnLst>
+  </p:timing>
+</p:sld>
+</file>
+
+<file path=ppt/slides/slide35.xml><?xml version="1.0" encoding="utf-8"?>
+<p:sld xmlns:a="http://schemas.openxmlformats.org/drawingml/2006/main" xmlns:r="http://schemas.openxmlformats.org/officeDocument/2006/relationships" xmlns:p="http://schemas.openxmlformats.org/presentationml/2006/main">
+  <p:cSld>
+    <p:spTree>
+      <p:nvGrpSpPr>
+        <p:cNvPr id="1" name=""/>
+        <p:cNvGrpSpPr/>
+        <p:nvPr/>
+      </p:nvGrpSpPr>
+      <p:grpSpPr>
+        <a:xfrm>
+          <a:off x="0" y="0"/>
+          <a:ext cx="0" cy="0"/>
+          <a:chOff x="0" y="0"/>
+          <a:chExt cx="0" cy="0"/>
+        </a:xfrm>
+      </p:grpSpPr>
+      <p:sp>
+        <p:nvSpPr>
+          <p:cNvPr id="2" name="TextBox 1"/>
+          <p:cNvSpPr txBox="1"/>
+          <p:nvPr/>
+        </p:nvSpPr>
+        <p:spPr>
+          <a:xfrm>
+            <a:off x="2222157" y="816894"/>
+            <a:ext cx="7194598" cy="1384995"/>
+          </a:xfrm>
+          <a:prstGeom prst="rect">
+            <a:avLst/>
+          </a:prstGeom>
+          <a:noFill/>
+        </p:spPr>
+        <p:txBody>
+          <a:bodyPr wrap="none" rtlCol="0">
+            <a:spAutoFit/>
+          </a:bodyPr>
+          <a:lstStyle/>
+          <a:p>
+            <a:r>
+              <a:rPr lang="en-US" sz="2800" dirty="0" smtClean="0"/>
+              <a:t>Batch gradient decent fixed </a:t>
+            </a:r>
+            <a:r>
+              <a:rPr lang="en-US" sz="2800" b="1" dirty="0"/>
+              <a:t>leaning rate </a:t>
+            </a:r>
+            <a:r>
+              <a:rPr lang="en-US" sz="2800" dirty="0">
+                <a:latin typeface="Symbol" panose="05050102010706020507" pitchFamily="18" charset="2"/>
+              </a:rPr>
+              <a:t>h</a:t>
+            </a:r>
+          </a:p>
+          <a:p>
+            <a:r>
+              <a:rPr lang="en-US" sz="2800" b="1" dirty="0"/>
+              <a:t>w</a:t>
+            </a:r>
+            <a:r>
+              <a:rPr lang="en-US" sz="2800" dirty="0"/>
+              <a:t>(1) = </a:t>
+            </a:r>
+            <a:r>
+              <a:rPr lang="en-US" sz="2800" b="1" dirty="0"/>
+              <a:t>w</a:t>
+            </a:r>
+            <a:r>
+              <a:rPr lang="en-US" sz="2800" dirty="0"/>
+              <a:t>(0) + </a:t>
+            </a:r>
+            <a:r>
+              <a:rPr lang="en-US" sz="2800" dirty="0" smtClean="0">
+                <a:latin typeface="Symbol" panose="05050102010706020507" pitchFamily="18" charset="2"/>
+              </a:rPr>
+              <a:t>D</a:t>
+            </a:r>
+            <a:r>
+              <a:rPr lang="en-US" sz="2800" dirty="0" smtClean="0"/>
+              <a:t> </a:t>
+            </a:r>
+            <a:r>
+              <a:rPr lang="en-US" sz="2800" b="1" dirty="0"/>
+              <a:t>w</a:t>
+            </a:r>
+            <a:endParaRPr lang="en-US" sz="2800" dirty="0"/>
+          </a:p>
+          <a:p>
+            <a:r>
+              <a:rPr lang="en-US" sz="2800" dirty="0"/>
+              <a:t>Weights change fastest where gradient is largest</a:t>
+            </a:r>
+          </a:p>
+        </p:txBody>
+      </p:sp>
+      <p:pic>
+        <p:nvPicPr>
+          <p:cNvPr id="3074" name="Picture 2" descr="H:\CS 483_580\2014\pictures from lecture 9\variable step size.png"/>
+          <p:cNvPicPr>
+            <a:picLocks noChangeAspect="1" noChangeArrowheads="1"/>
+          </p:cNvPicPr>
+          <p:nvPr/>
+        </p:nvPicPr>
+        <p:blipFill>
+          <a:blip r:embed="rId2">
+            <a:extLst>
+              <a:ext uri="{28A0092B-C50C-407E-A947-70E740481C1C}">
+                <a14:useLocalDpi xmlns:a14="http://schemas.microsoft.com/office/drawing/2010/main" val="0"/>
+              </a:ext>
+            </a:extLst>
+          </a:blip>
+          <a:srcRect/>
+          <a:stretch>
+            <a:fillRect/>
+          </a:stretch>
+        </p:blipFill>
+        <p:spPr bwMode="auto">
+          <a:xfrm>
+            <a:off x="2590800" y="3048001"/>
+            <a:ext cx="3352800" cy="3326049"/>
+          </a:xfrm>
+          <a:prstGeom prst="rect">
+            <a:avLst/>
+          </a:prstGeom>
+          <a:noFill/>
+          <a:extLst>
+            <a:ext uri="{909E8E84-426E-40DD-AFC4-6F175D3DCCD1}">
+              <a14:hiddenFill xmlns:a14="http://schemas.microsoft.com/office/drawing/2010/main">
+                <a:solidFill>
+                  <a:srgbClr val="FFFFFF"/>
+                </a:solidFill>
+              </a14:hiddenFill>
+            </a:ext>
+          </a:extLst>
+        </p:spPr>
+      </p:pic>
+      <p:pic>
+        <p:nvPicPr>
+          <p:cNvPr id="3075" name="Picture 3" descr="H:\CS 483_580\2014\pictures from lecture 9\fixed learning rate.png"/>
+          <p:cNvPicPr>
+            <a:picLocks noChangeAspect="1" noChangeArrowheads="1"/>
+          </p:cNvPicPr>
+          <p:nvPr/>
+        </p:nvPicPr>
+        <p:blipFill>
+          <a:blip r:embed="rId3">
+            <a:extLst>
+              <a:ext uri="{28A0092B-C50C-407E-A947-70E740481C1C}">
+                <a14:useLocalDpi xmlns:a14="http://schemas.microsoft.com/office/drawing/2010/main" val="0"/>
+              </a:ext>
+            </a:extLst>
+          </a:blip>
+          <a:srcRect/>
+          <a:stretch>
+            <a:fillRect/>
+          </a:stretch>
+        </p:blipFill>
+        <p:spPr bwMode="auto">
+          <a:xfrm>
+            <a:off x="2590800" y="2352181"/>
+            <a:ext cx="4552950" cy="742950"/>
+          </a:xfrm>
+          <a:prstGeom prst="rect">
+            <a:avLst/>
+          </a:prstGeom>
+          <a:noFill/>
+          <a:extLst>
+            <a:ext uri="{909E8E84-426E-40DD-AFC4-6F175D3DCCD1}">
+              <a14:hiddenFill xmlns:a14="http://schemas.microsoft.com/office/drawing/2010/main">
+                <a:solidFill>
+                  <a:srgbClr val="FFFFFF"/>
+                </a:solidFill>
+              </a14:hiddenFill>
+            </a:ext>
+          </a:extLst>
+        </p:spPr>
+      </p:pic>
+      <p:pic>
+        <p:nvPicPr>
+          <p:cNvPr id="1026" name="Picture 2" descr="H:\CS 483_580\2014\pictures from lecture 9\gardient Ein.png"/>
+          <p:cNvPicPr>
+            <a:picLocks noChangeAspect="1" noChangeArrowheads="1"/>
+          </p:cNvPicPr>
+          <p:nvPr/>
+        </p:nvPicPr>
+        <p:blipFill>
+          <a:blip r:embed="rId4">
+            <a:extLst>
+              <a:ext uri="{28A0092B-C50C-407E-A947-70E740481C1C}">
+                <a14:useLocalDpi xmlns:a14="http://schemas.microsoft.com/office/drawing/2010/main" val="0"/>
+              </a:ext>
+            </a:extLst>
+          </a:blip>
+          <a:srcRect/>
+          <a:stretch>
+            <a:fillRect/>
+          </a:stretch>
+        </p:blipFill>
+        <p:spPr bwMode="auto">
+          <a:xfrm>
+            <a:off x="5943600" y="3095131"/>
+            <a:ext cx="4281569" cy="956078"/>
+          </a:xfrm>
+          <a:prstGeom prst="rect">
+            <a:avLst/>
+          </a:prstGeom>
+          <a:noFill/>
+          <a:extLst>
+            <a:ext uri="{909E8E84-426E-40DD-AFC4-6F175D3DCCD1}">
+              <a14:hiddenFill xmlns:a14="http://schemas.microsoft.com/office/drawing/2010/main">
+                <a:solidFill>
+                  <a:srgbClr val="FFFFFF"/>
+                </a:solidFill>
+              </a14:hiddenFill>
+            </a:ext>
+          </a:extLst>
+        </p:spPr>
+      </p:pic>
+      <p:sp>
+        <p:nvSpPr>
+          <p:cNvPr id="4" name="TextBox 3"/>
+          <p:cNvSpPr txBox="1"/>
+          <p:nvPr/>
+        </p:nvSpPr>
+        <p:spPr>
+          <a:xfrm>
+            <a:off x="7537622" y="4021982"/>
+            <a:ext cx="2347822" cy="400110"/>
+          </a:xfrm>
+          <a:prstGeom prst="rect">
+            <a:avLst/>
+          </a:prstGeom>
+          <a:noFill/>
+        </p:spPr>
+        <p:txBody>
+          <a:bodyPr wrap="none" rtlCol="0">
+            <a:spAutoFit/>
+          </a:bodyPr>
+          <a:lstStyle/>
+          <a:p>
+            <a:r>
+              <a:rPr lang="en-US" sz="2000" dirty="0" smtClean="0"/>
+              <a:t>Note: sum of vectors</a:t>
+            </a:r>
+            <a:endParaRPr lang="en-US" sz="2000" dirty="0"/>
+          </a:p>
+        </p:txBody>
+      </p:sp>
+    </p:spTree>
+    <p:extLst>
+      <p:ext uri="{BB962C8B-B14F-4D97-AF65-F5344CB8AC3E}">
+        <p14:creationId xmlns:p14="http://schemas.microsoft.com/office/powerpoint/2010/main" val="274155730"/>
+      </p:ext>
+    </p:extLst>
+  </p:cSld>
+  <p:clrMapOvr>
+    <a:masterClrMapping/>
+  </p:clrMapOvr>
+  <p:timing>
+    <p:tnLst>
+      <p:par>
+        <p:cTn id="1" dur="indefinite" restart="never" nodeType="tmRoot"/>
+      </p:par>
+    </p:tnLst>
+  </p:timing>
+</p:sld>
+</file>
+
+<file path=ppt/slides/slide36.xml><?xml version="1.0" encoding="utf-8"?>
+<p:sld xmlns:a="http://schemas.openxmlformats.org/drawingml/2006/main" xmlns:r="http://schemas.openxmlformats.org/officeDocument/2006/relationships" xmlns:p="http://schemas.openxmlformats.org/presentationml/2006/main">
+  <p:cSld>
+    <p:spTree>
+      <p:nvGrpSpPr>
+        <p:cNvPr id="1" name=""/>
+        <p:cNvGrpSpPr/>
+        <p:nvPr/>
+      </p:nvGrpSpPr>
+      <p:grpSpPr>
+        <a:xfrm>
+          <a:off x="0" y="0"/>
+          <a:ext cx="0" cy="0"/>
+          <a:chOff x="0" y="0"/>
+          <a:chExt cx="0" cy="0"/>
+        </a:xfrm>
+      </p:grpSpPr>
+      <p:sp>
+        <p:nvSpPr>
+          <p:cNvPr id="2" name="TextBox 1"/>
+          <p:cNvSpPr txBox="1"/>
+          <p:nvPr/>
+        </p:nvSpPr>
+        <p:spPr>
+          <a:xfrm>
+            <a:off x="3496963" y="1075039"/>
+            <a:ext cx="5113323" cy="584775"/>
+          </a:xfrm>
+          <a:prstGeom prst="rect">
+            <a:avLst/>
+          </a:prstGeom>
+          <a:noFill/>
+        </p:spPr>
+        <p:txBody>
+          <a:bodyPr wrap="none" rtlCol="0">
+            <a:spAutoFit/>
+          </a:bodyPr>
+          <a:lstStyle/>
+          <a:p>
+            <a:r>
+              <a:rPr lang="en-US" sz="3200" dirty="0"/>
+              <a:t>Logistics regression algorithm</a:t>
+            </a:r>
+          </a:p>
+        </p:txBody>
+      </p:sp>
+      <p:pic>
+        <p:nvPicPr>
+          <p:cNvPr id="1026" name="Picture 2" descr="H:\CS 483_580\2014\pictures from lecture 9\logistics regression algorithm.png"/>
+          <p:cNvPicPr>
+            <a:picLocks noChangeAspect="1" noChangeArrowheads="1"/>
+          </p:cNvPicPr>
+          <p:nvPr/>
+        </p:nvPicPr>
+        <p:blipFill>
+          <a:blip r:embed="rId2">
+            <a:extLst>
+              <a:ext uri="{28A0092B-C50C-407E-A947-70E740481C1C}">
+                <a14:useLocalDpi xmlns:a14="http://schemas.microsoft.com/office/drawing/2010/main" val="0"/>
+              </a:ext>
+            </a:extLst>
+          </a:blip>
+          <a:srcRect/>
+          <a:stretch>
+            <a:fillRect/>
+          </a:stretch>
+        </p:blipFill>
+        <p:spPr bwMode="auto">
+          <a:xfrm>
+            <a:off x="2456936" y="1900446"/>
+            <a:ext cx="7467601" cy="4310885"/>
+          </a:xfrm>
+          <a:prstGeom prst="rect">
+            <a:avLst/>
+          </a:prstGeom>
+          <a:noFill/>
+          <a:extLst>
+            <a:ext uri="{909E8E84-426E-40DD-AFC4-6F175D3DCCD1}">
+              <a14:hiddenFill xmlns:a14="http://schemas.microsoft.com/office/drawing/2010/main">
+                <a:solidFill>
+                  <a:srgbClr val="FFFFFF"/>
+                </a:solidFill>
+              </a14:hiddenFill>
+            </a:ext>
+          </a:extLst>
+        </p:spPr>
+      </p:pic>
+    </p:spTree>
+    <p:extLst>
+      <p:ext uri="{BB962C8B-B14F-4D97-AF65-F5344CB8AC3E}">
+        <p14:creationId xmlns:p14="http://schemas.microsoft.com/office/powerpoint/2010/main" val="3337656570"/>
+      </p:ext>
+    </p:extLst>
+  </p:cSld>
+  <p:clrMapOvr>
+    <a:masterClrMapping/>
+  </p:clrMapOvr>
+  <p:timing>
+    <p:tnLst>
+      <p:par>
+        <p:cTn id="1" dur="indefinite" restart="never" nodeType="tmRoot"/>
+      </p:par>
+    </p:tnLst>
+  </p:timing>
+</p:sld>
+</file>
+
+<file path=ppt/slides/slide37.xml><?xml version="1.0" encoding="utf-8"?>
+<p:sld xmlns:a="http://schemas.openxmlformats.org/drawingml/2006/main" xmlns:r="http://schemas.openxmlformats.org/officeDocument/2006/relationships" xmlns:p="http://schemas.openxmlformats.org/presentationml/2006/main">
+  <p:cSld>
+    <p:spTree>
+      <p:nvGrpSpPr>
+        <p:cNvPr id="1" name=""/>
+        <p:cNvGrpSpPr/>
+        <p:nvPr/>
+      </p:nvGrpSpPr>
+      <p:grpSpPr>
+        <a:xfrm>
+          <a:off x="0" y="0"/>
+          <a:ext cx="0" cy="0"/>
+          <a:chOff x="0" y="0"/>
+          <a:chExt cx="0" cy="0"/>
+        </a:xfrm>
+      </p:grpSpPr>
+      <p:pic>
+        <p:nvPicPr>
+          <p:cNvPr id="2050" name="Picture 2" descr="H:\CS 483_580\2014\pictures from lecture 9\gardient Ein.png"/>
+          <p:cNvPicPr>
+            <a:picLocks noChangeAspect="1" noChangeArrowheads="1"/>
+          </p:cNvPicPr>
+          <p:nvPr/>
+        </p:nvPicPr>
+        <p:blipFill>
+          <a:blip r:embed="rId2">
+            <a:extLst>
+              <a:ext uri="{28A0092B-C50C-407E-A947-70E740481C1C}">
+                <a14:useLocalDpi xmlns:a14="http://schemas.microsoft.com/office/drawing/2010/main" val="0"/>
+              </a:ext>
+            </a:extLst>
+          </a:blip>
+          <a:srcRect/>
+          <a:stretch>
+            <a:fillRect/>
+          </a:stretch>
+        </p:blipFill>
+        <p:spPr bwMode="auto">
+          <a:xfrm>
+            <a:off x="2959440" y="3657600"/>
+            <a:ext cx="5886450" cy="1314450"/>
+          </a:xfrm>
+          <a:prstGeom prst="rect">
+            <a:avLst/>
+          </a:prstGeom>
+          <a:noFill/>
+          <a:extLst>
+            <a:ext uri="{909E8E84-426E-40DD-AFC4-6F175D3DCCD1}">
+              <a14:hiddenFill xmlns:a14="http://schemas.microsoft.com/office/drawing/2010/main">
+                <a:solidFill>
+                  <a:srgbClr val="FFFFFF"/>
+                </a:solidFill>
+              </a14:hiddenFill>
+            </a:ext>
+          </a:extLst>
+        </p:spPr>
+      </p:pic>
+      <p:sp>
+        <p:nvSpPr>
+          <p:cNvPr id="4" name="TextBox 3"/>
+          <p:cNvSpPr txBox="1"/>
+          <p:nvPr/>
+        </p:nvSpPr>
+        <p:spPr>
+          <a:xfrm>
+            <a:off x="2750908" y="1155356"/>
+            <a:ext cx="6633034" cy="2400657"/>
+          </a:xfrm>
+          <a:prstGeom prst="rect">
+            <a:avLst/>
+          </a:prstGeom>
+          <a:noFill/>
+        </p:spPr>
+        <p:txBody>
+          <a:bodyPr wrap="none" rtlCol="0">
+            <a:spAutoFit/>
+          </a:bodyPr>
+          <a:lstStyle/>
+          <a:p>
+            <a:r>
+              <a:rPr lang="en-US" sz="2800" dirty="0"/>
+              <a:t>Chose </a:t>
+            </a:r>
+            <a:r>
+              <a:rPr lang="en-US" sz="2800" b="1" dirty="0"/>
+              <a:t>w</a:t>
+            </a:r>
+            <a:r>
+              <a:rPr lang="en-US" sz="2800" dirty="0"/>
+              <a:t>(0) randomly on [0,1]</a:t>
+            </a:r>
+          </a:p>
+          <a:p>
+            <a:endParaRPr lang="en-US" dirty="0"/>
+          </a:p>
+          <a:p>
+            <a:r>
+              <a:rPr lang="en-US" sz="2800" dirty="0"/>
+              <a:t>A learning rate of 0.001 or less is good</a:t>
+            </a:r>
+          </a:p>
+          <a:p>
+            <a:endParaRPr lang="en-US" dirty="0"/>
+          </a:p>
+          <a:p>
+            <a:r>
+              <a:rPr lang="en-US" sz="2800" dirty="0"/>
+              <a:t>How do you avoid overflow in calculation of </a:t>
+            </a:r>
+          </a:p>
+          <a:p>
+            <a:r>
+              <a:rPr lang="en-US" sz="2800" dirty="0"/>
+              <a:t>the gradient of </a:t>
+            </a:r>
+            <a:r>
+              <a:rPr lang="en-US" sz="2800" dirty="0" err="1"/>
+              <a:t>E</a:t>
+            </a:r>
+            <a:r>
+              <a:rPr lang="en-US" sz="2800" baseline="-25000" dirty="0" err="1"/>
+              <a:t>in</a:t>
+            </a:r>
+            <a:r>
+              <a:rPr lang="en-US" sz="2800" dirty="0"/>
+              <a:t> ? </a:t>
+            </a:r>
+          </a:p>
+        </p:txBody>
+      </p:sp>
+    </p:spTree>
+    <p:extLst>
+      <p:ext uri="{BB962C8B-B14F-4D97-AF65-F5344CB8AC3E}">
+        <p14:creationId xmlns:p14="http://schemas.microsoft.com/office/powerpoint/2010/main" val="1696839452"/>
+      </p:ext>
+    </p:extLst>
+  </p:cSld>
+  <p:clrMapOvr>
+    <a:masterClrMapping/>
+  </p:clrMapOvr>
+  <p:timing>
+    <p:tnLst>
+      <p:par>
+        <p:cTn id="1" dur="indefinite" restart="never" nodeType="tmRoot"/>
+      </p:par>
+    </p:tnLst>
+  </p:timing>
+</p:sld>
+</file>
+
+<file path=ppt/slides/slide38.xml><?xml version="1.0" encoding="utf-8"?>
+<p:sld xmlns:a="http://schemas.openxmlformats.org/drawingml/2006/main" xmlns:r="http://schemas.openxmlformats.org/officeDocument/2006/relationships" xmlns:p="http://schemas.openxmlformats.org/presentationml/2006/main">
+  <p:cSld>
+    <p:spTree>
+      <p:nvGrpSpPr>
+        <p:cNvPr id="1" name=""/>
+        <p:cNvGrpSpPr/>
+        <p:nvPr/>
+      </p:nvGrpSpPr>
+      <p:grpSpPr>
+        <a:xfrm>
+          <a:off x="0" y="0"/>
+          <a:ext cx="0" cy="0"/>
+          <a:chOff x="0" y="0"/>
+          <a:chExt cx="0" cy="0"/>
+        </a:xfrm>
+      </p:grpSpPr>
+      <p:sp>
+        <p:nvSpPr>
+          <p:cNvPr id="2" name="TextBox 1"/>
+          <p:cNvSpPr txBox="1"/>
+          <p:nvPr/>
+        </p:nvSpPr>
+        <p:spPr>
+          <a:xfrm>
+            <a:off x="2438401" y="1066801"/>
+            <a:ext cx="7944611" cy="2739211"/>
+          </a:xfrm>
+          <a:prstGeom prst="rect">
+            <a:avLst/>
+          </a:prstGeom>
+          <a:noFill/>
+        </p:spPr>
+        <p:txBody>
+          <a:bodyPr wrap="none" rtlCol="0">
+            <a:spAutoFit/>
+          </a:bodyPr>
+          <a:lstStyle/>
+          <a:p>
+            <a:r>
+              <a:rPr lang="en-US" sz="3200" dirty="0"/>
+              <a:t>How do you known when to stop?</a:t>
+            </a:r>
+          </a:p>
+          <a:p>
+            <a:pPr marL="457200" indent="-457200">
+              <a:buFont typeface="Arial" panose="020B0604020202020204" pitchFamily="34" charset="0"/>
+              <a:buChar char="•"/>
+            </a:pPr>
+            <a:r>
+              <a:rPr lang="en-US" sz="2800" dirty="0"/>
+              <a:t>Max iterations: typically 5</a:t>
+            </a:r>
+            <a:r>
+              <a:rPr lang="en-US" sz="2800" dirty="0" smtClean="0"/>
+              <a:t>0,000</a:t>
+            </a:r>
+            <a:endParaRPr lang="en-US" sz="2800" dirty="0"/>
+          </a:p>
+          <a:p>
+            <a:pPr marL="457200" indent="-457200">
+              <a:buFont typeface="Arial" panose="020B0604020202020204" pitchFamily="34" charset="0"/>
+              <a:buChar char="•"/>
+            </a:pPr>
+            <a:r>
+              <a:rPr lang="en-US" sz="2800" dirty="0"/>
+              <a:t>Small norm of gradient: typically &lt; 0.01</a:t>
+            </a:r>
+          </a:p>
+          <a:p>
+            <a:pPr marL="457200" indent="-457200">
+              <a:buFont typeface="Arial" panose="020B0604020202020204" pitchFamily="34" charset="0"/>
+              <a:buChar char="•"/>
+            </a:pPr>
+            <a:r>
+              <a:rPr lang="en-US" sz="2800" dirty="0"/>
+              <a:t>Small </a:t>
+            </a:r>
+            <a:r>
+              <a:rPr lang="en-US" sz="2800" dirty="0" err="1" smtClean="0"/>
+              <a:t>E</a:t>
+            </a:r>
+            <a:r>
+              <a:rPr lang="en-US" sz="2800" baseline="-25000" dirty="0" err="1" smtClean="0"/>
+              <a:t>in</a:t>
+            </a:r>
+            <a:r>
+              <a:rPr lang="en-US" sz="2800" baseline="-25000" dirty="0" smtClean="0"/>
+              <a:t> </a:t>
+            </a:r>
+            <a:r>
+              <a:rPr lang="en-US" sz="2800" dirty="0"/>
+              <a:t>: typically &lt; </a:t>
+            </a:r>
+            <a:r>
+              <a:rPr lang="en-US" sz="2800" dirty="0" smtClean="0"/>
+              <a:t>0.5</a:t>
+            </a:r>
+            <a:endParaRPr lang="en-US" sz="2800" dirty="0"/>
+          </a:p>
+          <a:p>
+            <a:endParaRPr lang="en-US" sz="2800" dirty="0"/>
+          </a:p>
+          <a:p>
+            <a:r>
+              <a:rPr lang="en-US" sz="2800" dirty="0"/>
+              <a:t>How do you avoid </a:t>
+            </a:r>
+            <a:r>
+              <a:rPr lang="en-US" sz="2800" dirty="0" smtClean="0"/>
+              <a:t>underflow </a:t>
+            </a:r>
+            <a:r>
+              <a:rPr lang="en-US" sz="2800" dirty="0"/>
+              <a:t>in the calculation of </a:t>
+            </a:r>
+            <a:r>
+              <a:rPr lang="en-US" sz="2800" dirty="0" err="1"/>
+              <a:t>E</a:t>
+            </a:r>
+            <a:r>
+              <a:rPr lang="en-US" sz="2800" baseline="-25000" dirty="0" err="1"/>
+              <a:t>in</a:t>
+            </a:r>
+            <a:r>
+              <a:rPr lang="en-US" sz="2800" dirty="0"/>
+              <a:t>?</a:t>
+            </a:r>
+          </a:p>
+        </p:txBody>
+      </p:sp>
+      <p:pic>
+        <p:nvPicPr>
+          <p:cNvPr id="3" name="Picture 2" descr="H:\CS 483_580\2014\pictures from lecture 9\cross entropy.png"/>
+          <p:cNvPicPr>
+            <a:picLocks noChangeAspect="1" noChangeArrowheads="1"/>
+          </p:cNvPicPr>
+          <p:nvPr/>
+        </p:nvPicPr>
+        <p:blipFill>
+          <a:blip r:embed="rId2">
+            <a:extLst>
+              <a:ext uri="{28A0092B-C50C-407E-A947-70E740481C1C}">
+                <a14:useLocalDpi xmlns:a14="http://schemas.microsoft.com/office/drawing/2010/main" val="0"/>
+              </a:ext>
+            </a:extLst>
+          </a:blip>
+          <a:srcRect/>
+          <a:stretch>
+            <a:fillRect/>
+          </a:stretch>
+        </p:blipFill>
+        <p:spPr bwMode="auto">
+          <a:xfrm>
+            <a:off x="2819400" y="3954162"/>
+            <a:ext cx="6408738" cy="1371600"/>
+          </a:xfrm>
+          <a:prstGeom prst="rect">
+            <a:avLst/>
+          </a:prstGeom>
+          <a:noFill/>
+          <a:extLst>
+            <a:ext uri="{909E8E84-426E-40DD-AFC4-6F175D3DCCD1}">
+              <a14:hiddenFill xmlns:a14="http://schemas.microsoft.com/office/drawing/2010/main">
+                <a:solidFill>
+                  <a:srgbClr val="FFFFFF"/>
+                </a:solidFill>
+              </a14:hiddenFill>
+            </a:ext>
+          </a:extLst>
+        </p:spPr>
+      </p:pic>
+    </p:spTree>
+    <p:extLst>
+      <p:ext uri="{BB962C8B-B14F-4D97-AF65-F5344CB8AC3E}">
+        <p14:creationId xmlns:p14="http://schemas.microsoft.com/office/powerpoint/2010/main" val="2515320303"/>
+      </p:ext>
+    </p:extLst>
+  </p:cSld>
+  <p:clrMapOvr>
+    <a:masterClrMapping/>
+  </p:clrMapOvr>
+  <p:timing>
+    <p:tnLst>
+      <p:par>
+        <p:cTn id="1" dur="indefinite" restart="never" nodeType="tmRoot"/>
+      </p:par>
+    </p:tnLst>
+  </p:timing>
+</p:sld>
+</file>
+
+<file path=ppt/slides/slide39.xml><?xml version="1.0" encoding="utf-8"?>
+<p:sld xmlns:a="http://schemas.openxmlformats.org/drawingml/2006/main" xmlns:r="http://schemas.openxmlformats.org/officeDocument/2006/relationships" xmlns:p="http://schemas.openxmlformats.org/presentationml/2006/main">
+  <p:cSld>
+    <p:spTree>
+      <p:nvGrpSpPr>
+        <p:cNvPr id="1" name=""/>
+        <p:cNvGrpSpPr/>
+        <p:nvPr/>
+      </p:nvGrpSpPr>
+      <p:grpSpPr>
+        <a:xfrm>
+          <a:off x="0" y="0"/>
+          <a:ext cx="0" cy="0"/>
+          <a:chOff x="0" y="0"/>
+          <a:chExt cx="0" cy="0"/>
+        </a:xfrm>
+      </p:grpSpPr>
+      <p:sp>
+        <p:nvSpPr>
+          <p:cNvPr id="2" name="TextBox 1"/>
+          <p:cNvSpPr txBox="1"/>
+          <p:nvPr/>
+        </p:nvSpPr>
+        <p:spPr>
+          <a:xfrm>
+            <a:off x="4419600" y="728990"/>
+            <a:ext cx="4318298" cy="523220"/>
+          </a:xfrm>
+          <a:prstGeom prst="rect">
+            <a:avLst/>
+          </a:prstGeom>
+          <a:noFill/>
+        </p:spPr>
+        <p:txBody>
+          <a:bodyPr wrap="none" rtlCol="0">
+            <a:spAutoFit/>
+          </a:bodyPr>
+          <a:lstStyle/>
+          <a:p>
+            <a:r>
+              <a:rPr lang="en-US" sz="2800" dirty="0"/>
+              <a:t>Joe’s results (not converged)</a:t>
+            </a:r>
+          </a:p>
+        </p:txBody>
+      </p:sp>
+      <p:sp>
+        <p:nvSpPr>
+          <p:cNvPr id="4" name="Rectangle 3"/>
+          <p:cNvSpPr/>
+          <p:nvPr/>
+        </p:nvSpPr>
+        <p:spPr>
+          <a:xfrm>
+            <a:off x="2133600" y="1252211"/>
+            <a:ext cx="8001000" cy="4524315"/>
+          </a:xfrm>
+          <a:prstGeom prst="rect">
+            <a:avLst/>
+          </a:prstGeom>
+        </p:spPr>
+        <p:txBody>
+          <a:bodyPr wrap="square">
+            <a:spAutoFit/>
+          </a:bodyPr>
+          <a:lstStyle/>
+          <a:p>
+            <a:r>
+              <a:rPr lang="en-US" sz="2400" dirty="0"/>
+              <a:t>iterations: 100</a:t>
+            </a:r>
+          </a:p>
+          <a:p>
+            <a:r>
+              <a:rPr lang="en-US" sz="2400" dirty="0"/>
+              <a:t>Learning rate: 0.0005</a:t>
+            </a:r>
+          </a:p>
+          <a:p>
+            <a:r>
+              <a:rPr lang="en-US" sz="2400" dirty="0"/>
+              <a:t>Final weights: 0.5964, 0.9967, 0.9850, 0.0719, -0.1431, 0.9982, 0.9960, -0.1344, 1.0009, 0.9987, 0.9910, 1.0020, 0.9804 </a:t>
+            </a:r>
+          </a:p>
+          <a:p>
+            <a:endParaRPr lang="en-US" sz="2400" dirty="0"/>
+          </a:p>
+          <a:p>
+            <a:r>
+              <a:rPr lang="en-US" sz="2400" dirty="0" err="1"/>
+              <a:t>E</a:t>
+            </a:r>
+            <a:r>
+              <a:rPr lang="en-US" sz="2400" baseline="-25000" dirty="0" err="1"/>
+              <a:t>in</a:t>
+            </a:r>
+            <a:r>
+              <a:rPr lang="en-US" sz="2400" dirty="0"/>
+              <a:t>(mean cross  entropy)= </a:t>
+            </a:r>
+            <a:r>
+              <a:rPr lang="en-US" sz="2400" dirty="0" smtClean="0"/>
+              <a:t>2.2766 at termination</a:t>
+            </a:r>
+            <a:endParaRPr lang="en-US" sz="2400" dirty="0"/>
+          </a:p>
+          <a:p>
+            <a:endParaRPr lang="en-US" sz="2400" dirty="0"/>
+          </a:p>
+          <a:p>
+            <a:r>
+              <a:rPr lang="en-US" sz="2400" dirty="0"/>
+              <a:t>Accuracy = 0.6812</a:t>
+            </a:r>
+          </a:p>
+          <a:p>
+            <a:endParaRPr lang="en-US" sz="2400" dirty="0"/>
+          </a:p>
+          <a:p>
+            <a:r>
+              <a:rPr lang="en-US" sz="2400" dirty="0" smtClean="0"/>
+              <a:t>	high risk</a:t>
+            </a:r>
+            <a:r>
+              <a:rPr lang="en-US" sz="2400" dirty="0"/>
+              <a:t>	</a:t>
+            </a:r>
+            <a:r>
+              <a:rPr lang="en-US" sz="2400" dirty="0" smtClean="0"/>
+              <a:t>low risk	&lt;- classified as</a:t>
+            </a:r>
+            <a:endParaRPr lang="en-US" sz="2400" dirty="0"/>
+          </a:p>
+          <a:p>
+            <a:r>
+              <a:rPr lang="en-US" sz="2400" dirty="0"/>
+              <a:t> </a:t>
+            </a:r>
+            <a:r>
+              <a:rPr lang="en-US" sz="2400" dirty="0" smtClean="0"/>
+              <a:t>	94              	44		138 total high risk     </a:t>
+            </a:r>
+            <a:endParaRPr lang="en-US" sz="2400" dirty="0"/>
+          </a:p>
+          <a:p>
+            <a:r>
+              <a:rPr lang="en-US" sz="2400" dirty="0"/>
+              <a:t> </a:t>
+            </a:r>
+            <a:r>
+              <a:rPr lang="en-US" sz="2400" dirty="0" smtClean="0"/>
+              <a:t>	51            	109		160 total low risk     </a:t>
+            </a:r>
+            <a:endParaRPr lang="en-US" sz="2400" dirty="0"/>
+          </a:p>
+        </p:txBody>
+      </p:sp>
+    </p:spTree>
+    <p:extLst>
+      <p:ext uri="{BB962C8B-B14F-4D97-AF65-F5344CB8AC3E}">
+        <p14:creationId xmlns:p14="http://schemas.microsoft.com/office/powerpoint/2010/main" val="1008171133"/>
       </p:ext>
     </p:extLst>
   </p:cSld>
@@ -13812,6 +18478,2693 @@
     <p:extLst>
       <p:ext uri="{BB962C8B-B14F-4D97-AF65-F5344CB8AC3E}">
         <p14:creationId xmlns:p14="http://schemas.microsoft.com/office/powerpoint/2010/main" val="4043641069"/>
+      </p:ext>
+    </p:extLst>
+  </p:cSld>
+  <p:clrMapOvr>
+    <a:masterClrMapping/>
+  </p:clrMapOvr>
+  <p:timing>
+    <p:tnLst>
+      <p:par>
+        <p:cTn id="1" dur="indefinite" restart="never" nodeType="tmRoot"/>
+      </p:par>
+    </p:tnLst>
+  </p:timing>
+</p:sld>
+</file>
+
+<file path=ppt/slides/slide40.xml><?xml version="1.0" encoding="utf-8"?>
+<p:sld xmlns:a="http://schemas.openxmlformats.org/drawingml/2006/main" xmlns:r="http://schemas.openxmlformats.org/officeDocument/2006/relationships" xmlns:p="http://schemas.openxmlformats.org/presentationml/2006/main">
+  <p:cSld>
+    <p:spTree>
+      <p:nvGrpSpPr>
+        <p:cNvPr id="1" name=""/>
+        <p:cNvGrpSpPr/>
+        <p:nvPr/>
+      </p:nvGrpSpPr>
+      <p:grpSpPr>
+        <a:xfrm>
+          <a:off x="0" y="0"/>
+          <a:ext cx="0" cy="0"/>
+          <a:chOff x="0" y="0"/>
+          <a:chExt cx="0" cy="0"/>
+        </a:xfrm>
+      </p:grpSpPr>
+      <p:pic>
+        <p:nvPicPr>
+          <p:cNvPr id="1026" name="Picture 2"/>
+          <p:cNvPicPr>
+            <a:picLocks noChangeAspect="1" noChangeArrowheads="1"/>
+          </p:cNvPicPr>
+          <p:nvPr/>
+        </p:nvPicPr>
+        <p:blipFill>
+          <a:blip r:embed="rId2">
+            <a:extLst>
+              <a:ext uri="{28A0092B-C50C-407E-A947-70E740481C1C}">
+                <a14:useLocalDpi xmlns:a14="http://schemas.microsoft.com/office/drawing/2010/main" val="0"/>
+              </a:ext>
+            </a:extLst>
+          </a:blip>
+          <a:srcRect/>
+          <a:stretch>
+            <a:fillRect/>
+          </a:stretch>
+        </p:blipFill>
+        <p:spPr bwMode="auto">
+          <a:xfrm>
+            <a:off x="2743200" y="838200"/>
+            <a:ext cx="7315200" cy="5486400"/>
+          </a:xfrm>
+          <a:prstGeom prst="rect">
+            <a:avLst/>
+          </a:prstGeom>
+          <a:noFill/>
+          <a:ln>
+            <a:noFill/>
+          </a:ln>
+          <a:effectLst/>
+          <a:extLst>
+            <a:ext uri="{909E8E84-426E-40DD-AFC4-6F175D3DCCD1}">
+              <a14:hiddenFill xmlns:a14="http://schemas.microsoft.com/office/drawing/2010/main">
+                <a:solidFill>
+                  <a:schemeClr val="accent1"/>
+                </a:solidFill>
+              </a14:hiddenFill>
+            </a:ext>
+            <a:ext uri="{91240B29-F687-4F45-9708-019B960494DF}">
+              <a14:hiddenLine xmlns:a14="http://schemas.microsoft.com/office/drawing/2010/main" w="9525">
+                <a:solidFill>
+                  <a:schemeClr val="tx1"/>
+                </a:solidFill>
+                <a:miter lim="800000"/>
+                <a:headEnd/>
+                <a:tailEnd/>
+              </a14:hiddenLine>
+            </a:ext>
+            <a:ext uri="{AF507438-7753-43E0-B8FC-AC1667EBCBE1}">
+              <a14:hiddenEffects xmlns:a14="http://schemas.microsoft.com/office/drawing/2010/main">
+                <a:effectLst>
+                  <a:outerShdw dist="35921" dir="2700000" algn="ctr" rotWithShape="0">
+                    <a:schemeClr val="bg2"/>
+                  </a:outerShdw>
+                </a:effectLst>
+              </a14:hiddenEffects>
+            </a:ext>
+          </a:extLst>
+        </p:spPr>
+      </p:pic>
+    </p:spTree>
+    <p:extLst>
+      <p:ext uri="{BB962C8B-B14F-4D97-AF65-F5344CB8AC3E}">
+        <p14:creationId xmlns:p14="http://schemas.microsoft.com/office/powerpoint/2010/main" val="1441352300"/>
+      </p:ext>
+    </p:extLst>
+  </p:cSld>
+  <p:clrMapOvr>
+    <a:masterClrMapping/>
+  </p:clrMapOvr>
+  <p:timing>
+    <p:tnLst>
+      <p:par>
+        <p:cTn id="1" dur="indefinite" restart="never" nodeType="tmRoot"/>
+      </p:par>
+    </p:tnLst>
+  </p:timing>
+</p:sld>
+</file>
+
+<file path=ppt/slides/slide41.xml><?xml version="1.0" encoding="utf-8"?>
+<p:sld xmlns:a="http://schemas.openxmlformats.org/drawingml/2006/main" xmlns:r="http://schemas.openxmlformats.org/officeDocument/2006/relationships" xmlns:p="http://schemas.openxmlformats.org/presentationml/2006/main">
+  <p:cSld>
+    <p:spTree>
+      <p:nvGrpSpPr>
+        <p:cNvPr id="1" name=""/>
+        <p:cNvGrpSpPr/>
+        <p:nvPr/>
+      </p:nvGrpSpPr>
+      <p:grpSpPr>
+        <a:xfrm>
+          <a:off x="0" y="0"/>
+          <a:ext cx="0" cy="0"/>
+          <a:chOff x="0" y="0"/>
+          <a:chExt cx="0" cy="0"/>
+        </a:xfrm>
+      </p:grpSpPr>
+      <p:pic>
+        <p:nvPicPr>
+          <p:cNvPr id="2050" name="Picture 2"/>
+          <p:cNvPicPr>
+            <a:picLocks noChangeAspect="1" noChangeArrowheads="1"/>
+          </p:cNvPicPr>
+          <p:nvPr/>
+        </p:nvPicPr>
+        <p:blipFill>
+          <a:blip r:embed="rId2">
+            <a:extLst>
+              <a:ext uri="{28A0092B-C50C-407E-A947-70E740481C1C}">
+                <a14:useLocalDpi xmlns:a14="http://schemas.microsoft.com/office/drawing/2010/main" val="0"/>
+              </a:ext>
+            </a:extLst>
+          </a:blip>
+          <a:srcRect/>
+          <a:stretch>
+            <a:fillRect/>
+          </a:stretch>
+        </p:blipFill>
+        <p:spPr bwMode="auto">
+          <a:xfrm>
+            <a:off x="2215978" y="683741"/>
+            <a:ext cx="8054543" cy="6040908"/>
+          </a:xfrm>
+          <a:prstGeom prst="rect">
+            <a:avLst/>
+          </a:prstGeom>
+          <a:noFill/>
+          <a:ln>
+            <a:noFill/>
+          </a:ln>
+          <a:effectLst/>
+          <a:extLst>
+            <a:ext uri="{909E8E84-426E-40DD-AFC4-6F175D3DCCD1}">
+              <a14:hiddenFill xmlns:a14="http://schemas.microsoft.com/office/drawing/2010/main">
+                <a:solidFill>
+                  <a:schemeClr val="accent1"/>
+                </a:solidFill>
+              </a14:hiddenFill>
+            </a:ext>
+            <a:ext uri="{91240B29-F687-4F45-9708-019B960494DF}">
+              <a14:hiddenLine xmlns:a14="http://schemas.microsoft.com/office/drawing/2010/main" w="9525">
+                <a:solidFill>
+                  <a:schemeClr val="tx1"/>
+                </a:solidFill>
+                <a:miter lim="800000"/>
+                <a:headEnd/>
+                <a:tailEnd/>
+              </a14:hiddenLine>
+            </a:ext>
+            <a:ext uri="{AF507438-7753-43E0-B8FC-AC1667EBCBE1}">
+              <a14:hiddenEffects xmlns:a14="http://schemas.microsoft.com/office/drawing/2010/main">
+                <a:effectLst>
+                  <a:outerShdw dist="35921" dir="2700000" algn="ctr" rotWithShape="0">
+                    <a:schemeClr val="bg2"/>
+                  </a:outerShdw>
+                </a:effectLst>
+              </a14:hiddenEffects>
+            </a:ext>
+          </a:extLst>
+        </p:spPr>
+      </p:pic>
+      <p:sp>
+        <p:nvSpPr>
+          <p:cNvPr id="2" name="Rectangle 1"/>
+          <p:cNvSpPr/>
+          <p:nvPr/>
+        </p:nvSpPr>
+        <p:spPr>
+          <a:xfrm>
+            <a:off x="4736757" y="1013254"/>
+            <a:ext cx="3270421" cy="238897"/>
+          </a:xfrm>
+          <a:prstGeom prst="rect">
+            <a:avLst/>
+          </a:prstGeom>
+          <a:solidFill>
+            <a:schemeClr val="bg1"/>
+          </a:solidFill>
+          <a:ln>
+            <a:noFill/>
+          </a:ln>
+        </p:spPr>
+        <p:style>
+          <a:lnRef idx="2">
+            <a:schemeClr val="accent1">
+              <a:shade val="50000"/>
+            </a:schemeClr>
+          </a:lnRef>
+          <a:fillRef idx="1">
+            <a:schemeClr val="accent1"/>
+          </a:fillRef>
+          <a:effectRef idx="0">
+            <a:schemeClr val="accent1"/>
+          </a:effectRef>
+          <a:fontRef idx="minor">
+            <a:schemeClr val="lt1"/>
+          </a:fontRef>
+        </p:style>
+        <p:txBody>
+          <a:bodyPr rtlCol="0" anchor="ctr"/>
+          <a:lstStyle/>
+          <a:p>
+            <a:pPr algn="ctr"/>
+            <a:endParaRPr lang="en-US"/>
+          </a:p>
+        </p:txBody>
+      </p:sp>
+      <p:sp>
+        <p:nvSpPr>
+          <p:cNvPr id="3" name="TextBox 2"/>
+          <p:cNvSpPr txBox="1"/>
+          <p:nvPr/>
+        </p:nvSpPr>
+        <p:spPr>
+          <a:xfrm>
+            <a:off x="4363167" y="683741"/>
+            <a:ext cx="3644011" cy="461665"/>
+          </a:xfrm>
+          <a:prstGeom prst="rect">
+            <a:avLst/>
+          </a:prstGeom>
+          <a:noFill/>
+        </p:spPr>
+        <p:txBody>
+          <a:bodyPr wrap="none" rtlCol="0">
+            <a:spAutoFit/>
+          </a:bodyPr>
+          <a:lstStyle/>
+          <a:p>
+            <a:r>
+              <a:rPr lang="en-US" sz="2400" dirty="0" smtClean="0"/>
+              <a:t>Probability of a heart attack</a:t>
+            </a:r>
+            <a:endParaRPr lang="en-US" sz="2400" dirty="0"/>
+          </a:p>
+        </p:txBody>
+      </p:sp>
+    </p:spTree>
+    <p:extLst>
+      <p:ext uri="{BB962C8B-B14F-4D97-AF65-F5344CB8AC3E}">
+        <p14:creationId xmlns:p14="http://schemas.microsoft.com/office/powerpoint/2010/main" val="3737193620"/>
+      </p:ext>
+    </p:extLst>
+  </p:cSld>
+  <p:clrMapOvr>
+    <a:masterClrMapping/>
+  </p:clrMapOvr>
+  <p:timing>
+    <p:tnLst>
+      <p:par>
+        <p:cTn id="1" dur="indefinite" restart="never" nodeType="tmRoot"/>
+      </p:par>
+    </p:tnLst>
+  </p:timing>
+</p:sld>
+</file>
+
+<file path=ppt/slides/slide42.xml><?xml version="1.0" encoding="utf-8"?>
+<p:sld xmlns:a="http://schemas.openxmlformats.org/drawingml/2006/main" xmlns:r="http://schemas.openxmlformats.org/officeDocument/2006/relationships" xmlns:p="http://schemas.openxmlformats.org/presentationml/2006/main">
+  <p:cSld>
+    <p:spTree>
+      <p:nvGrpSpPr>
+        <p:cNvPr id="1" name=""/>
+        <p:cNvGrpSpPr/>
+        <p:nvPr/>
+      </p:nvGrpSpPr>
+      <p:grpSpPr>
+        <a:xfrm>
+          <a:off x="0" y="0"/>
+          <a:ext cx="0" cy="0"/>
+          <a:chOff x="0" y="0"/>
+          <a:chExt cx="0" cy="0"/>
+        </a:xfrm>
+      </p:grpSpPr>
+      <p:graphicFrame>
+        <p:nvGraphicFramePr>
+          <p:cNvPr id="3" name="Table 2"/>
+          <p:cNvGraphicFramePr>
+            <a:graphicFrameLocks noGrp="1"/>
+          </p:cNvGraphicFramePr>
+          <p:nvPr>
+            <p:extLst/>
+          </p:nvPr>
+        </p:nvGraphicFramePr>
+        <p:xfrm>
+          <a:off x="1416909" y="3296879"/>
+          <a:ext cx="4250724" cy="981364"/>
+        </p:xfrm>
+        <a:graphic>
+          <a:graphicData uri="http://schemas.openxmlformats.org/drawingml/2006/table">
+            <a:tbl>
+              <a:tblPr firstRow="1" firstCol="1" lastRow="1" lastCol="1" bandRow="1" bandCol="1"/>
+              <a:tblGrid>
+                <a:gridCol w="1425098"/>
+                <a:gridCol w="1351386"/>
+                <a:gridCol w="1474240"/>
+              </a:tblGrid>
+              <a:tr h="245341">
+                <a:tc>
+                  <a:txBody>
+                    <a:bodyPr/>
+                    <a:lstStyle/>
+                    <a:p>
+                      <a:pPr marL="0" marR="0" algn="just">
+                        <a:spcBef>
+                          <a:spcPts val="0"/>
+                        </a:spcBef>
+                        <a:spcAft>
+                          <a:spcPts val="0"/>
+                        </a:spcAft>
+                      </a:pPr>
+                      <a:r>
+                        <a:rPr lang="en-US" sz="1050" kern="100" dirty="0">
+                          <a:effectLst/>
+                          <a:latin typeface="Times New Roman" panose="02020603050405020304" pitchFamily="18" charset="0"/>
+                          <a:ea typeface="SimSun" panose="02010600030101010101" pitchFamily="2" charset="-122"/>
+                        </a:rPr>
+                        <a:t> </a:t>
+                      </a:r>
+                    </a:p>
+                  </a:txBody>
+                  <a:tcPr marL="68580" marR="68580" marT="0" marB="0">
+                    <a:lnL w="12700" cap="flat" cmpd="sng" algn="ctr">
+                      <a:solidFill>
+                        <a:srgbClr val="000000"/>
+                      </a:solidFill>
+                      <a:prstDash val="solid"/>
+                      <a:round/>
+                      <a:headEnd type="none" w="med" len="med"/>
+                      <a:tailEnd type="none" w="med" len="med"/>
+                    </a:lnL>
+                    <a:lnR w="12700" cap="flat" cmpd="sng" algn="ctr">
+                      <a:solidFill>
+                        <a:srgbClr val="000000"/>
+                      </a:solidFill>
+                      <a:prstDash val="solid"/>
+                      <a:round/>
+                      <a:headEnd type="none" w="med" len="med"/>
+                      <a:tailEnd type="none" w="med" len="med"/>
+                    </a:lnR>
+                    <a:lnT w="12700" cap="flat" cmpd="sng" algn="ctr">
+                      <a:solidFill>
+                        <a:srgbClr val="000000"/>
+                      </a:solidFill>
+                      <a:prstDash val="solid"/>
+                      <a:round/>
+                      <a:headEnd type="none" w="med" len="med"/>
+                      <a:tailEnd type="none" w="med" len="med"/>
+                    </a:lnT>
+                    <a:lnB w="12700" cap="flat" cmpd="sng" algn="ctr">
+                      <a:solidFill>
+                        <a:srgbClr val="000000"/>
+                      </a:solidFill>
+                      <a:prstDash val="solid"/>
+                      <a:round/>
+                      <a:headEnd type="none" w="med" len="med"/>
+                      <a:tailEnd type="none" w="med" len="med"/>
+                    </a:lnB>
+                  </a:tcPr>
+                </a:tc>
+                <a:tc>
+                  <a:txBody>
+                    <a:bodyPr/>
+                    <a:lstStyle/>
+                    <a:p>
+                      <a:pPr marL="0" marR="0" algn="just">
+                        <a:spcBef>
+                          <a:spcPts val="0"/>
+                        </a:spcBef>
+                        <a:spcAft>
+                          <a:spcPts val="0"/>
+                        </a:spcAft>
+                      </a:pPr>
+                      <a:r>
+                        <a:rPr lang="en-US" sz="1050" kern="100" dirty="0">
+                          <a:effectLst/>
+                          <a:latin typeface="Times New Roman" panose="02020603050405020304" pitchFamily="18" charset="0"/>
+                          <a:ea typeface="SimSun" panose="02010600030101010101" pitchFamily="2" charset="-122"/>
+                        </a:rPr>
+                        <a:t>Expected Low risk</a:t>
+                      </a:r>
+                    </a:p>
+                  </a:txBody>
+                  <a:tcPr marL="68580" marR="68580" marT="0" marB="0">
+                    <a:lnL w="12700" cap="flat" cmpd="sng" algn="ctr">
+                      <a:solidFill>
+                        <a:srgbClr val="000000"/>
+                      </a:solidFill>
+                      <a:prstDash val="solid"/>
+                      <a:round/>
+                      <a:headEnd type="none" w="med" len="med"/>
+                      <a:tailEnd type="none" w="med" len="med"/>
+                    </a:lnL>
+                    <a:lnR w="12700" cap="flat" cmpd="sng" algn="ctr">
+                      <a:solidFill>
+                        <a:srgbClr val="000000"/>
+                      </a:solidFill>
+                      <a:prstDash val="solid"/>
+                      <a:round/>
+                      <a:headEnd type="none" w="med" len="med"/>
+                      <a:tailEnd type="none" w="med" len="med"/>
+                    </a:lnR>
+                    <a:lnT w="12700" cap="flat" cmpd="sng" algn="ctr">
+                      <a:solidFill>
+                        <a:srgbClr val="000000"/>
+                      </a:solidFill>
+                      <a:prstDash val="solid"/>
+                      <a:round/>
+                      <a:headEnd type="none" w="med" len="med"/>
+                      <a:tailEnd type="none" w="med" len="med"/>
+                    </a:lnT>
+                    <a:lnB w="12700" cap="flat" cmpd="sng" algn="ctr">
+                      <a:solidFill>
+                        <a:srgbClr val="000000"/>
+                      </a:solidFill>
+                      <a:prstDash val="solid"/>
+                      <a:round/>
+                      <a:headEnd type="none" w="med" len="med"/>
+                      <a:tailEnd type="none" w="med" len="med"/>
+                    </a:lnB>
+                  </a:tcPr>
+                </a:tc>
+                <a:tc>
+                  <a:txBody>
+                    <a:bodyPr/>
+                    <a:lstStyle/>
+                    <a:p>
+                      <a:pPr marL="0" marR="0" algn="just">
+                        <a:spcBef>
+                          <a:spcPts val="0"/>
+                        </a:spcBef>
+                        <a:spcAft>
+                          <a:spcPts val="0"/>
+                        </a:spcAft>
+                      </a:pPr>
+                      <a:r>
+                        <a:rPr lang="en-US" sz="1050" kern="100">
+                          <a:effectLst/>
+                          <a:latin typeface="Times New Roman" panose="02020603050405020304" pitchFamily="18" charset="0"/>
+                          <a:ea typeface="SimSun" panose="02010600030101010101" pitchFamily="2" charset="-122"/>
+                        </a:rPr>
+                        <a:t>Expected High risk</a:t>
+                      </a:r>
+                    </a:p>
+                  </a:txBody>
+                  <a:tcPr marL="68580" marR="68580" marT="0" marB="0">
+                    <a:lnL w="12700" cap="flat" cmpd="sng" algn="ctr">
+                      <a:solidFill>
+                        <a:srgbClr val="000000"/>
+                      </a:solidFill>
+                      <a:prstDash val="solid"/>
+                      <a:round/>
+                      <a:headEnd type="none" w="med" len="med"/>
+                      <a:tailEnd type="none" w="med" len="med"/>
+                    </a:lnL>
+                    <a:lnR w="12700" cap="flat" cmpd="sng" algn="ctr">
+                      <a:solidFill>
+                        <a:srgbClr val="000000"/>
+                      </a:solidFill>
+                      <a:prstDash val="solid"/>
+                      <a:round/>
+                      <a:headEnd type="none" w="med" len="med"/>
+                      <a:tailEnd type="none" w="med" len="med"/>
+                    </a:lnR>
+                    <a:lnT w="12700" cap="flat" cmpd="sng" algn="ctr">
+                      <a:solidFill>
+                        <a:srgbClr val="000000"/>
+                      </a:solidFill>
+                      <a:prstDash val="solid"/>
+                      <a:round/>
+                      <a:headEnd type="none" w="med" len="med"/>
+                      <a:tailEnd type="none" w="med" len="med"/>
+                    </a:lnT>
+                    <a:lnB w="12700" cap="flat" cmpd="sng" algn="ctr">
+                      <a:solidFill>
+                        <a:srgbClr val="000000"/>
+                      </a:solidFill>
+                      <a:prstDash val="solid"/>
+                      <a:round/>
+                      <a:headEnd type="none" w="med" len="med"/>
+                      <a:tailEnd type="none" w="med" len="med"/>
+                    </a:lnB>
+                  </a:tcPr>
+                </a:tc>
+              </a:tr>
+              <a:tr h="245341">
+                <a:tc>
+                  <a:txBody>
+                    <a:bodyPr/>
+                    <a:lstStyle/>
+                    <a:p>
+                      <a:pPr marL="0" marR="0" algn="just">
+                        <a:spcBef>
+                          <a:spcPts val="0"/>
+                        </a:spcBef>
+                        <a:spcAft>
+                          <a:spcPts val="0"/>
+                        </a:spcAft>
+                      </a:pPr>
+                      <a:r>
+                        <a:rPr lang="en-US" sz="1050" kern="100">
+                          <a:effectLst/>
+                          <a:latin typeface="Times New Roman" panose="02020603050405020304" pitchFamily="18" charset="0"/>
+                          <a:ea typeface="SimSun" panose="02010600030101010101" pitchFamily="2" charset="-122"/>
+                        </a:rPr>
+                        <a:t>Actual Low Risk</a:t>
+                      </a:r>
+                    </a:p>
+                  </a:txBody>
+                  <a:tcPr marL="68580" marR="68580" marT="0" marB="0">
+                    <a:lnL w="12700" cap="flat" cmpd="sng" algn="ctr">
+                      <a:solidFill>
+                        <a:srgbClr val="000000"/>
+                      </a:solidFill>
+                      <a:prstDash val="solid"/>
+                      <a:round/>
+                      <a:headEnd type="none" w="med" len="med"/>
+                      <a:tailEnd type="none" w="med" len="med"/>
+                    </a:lnL>
+                    <a:lnR w="12700" cap="flat" cmpd="sng" algn="ctr">
+                      <a:solidFill>
+                        <a:srgbClr val="000000"/>
+                      </a:solidFill>
+                      <a:prstDash val="solid"/>
+                      <a:round/>
+                      <a:headEnd type="none" w="med" len="med"/>
+                      <a:tailEnd type="none" w="med" len="med"/>
+                    </a:lnR>
+                    <a:lnT w="12700" cap="flat" cmpd="sng" algn="ctr">
+                      <a:solidFill>
+                        <a:srgbClr val="000000"/>
+                      </a:solidFill>
+                      <a:prstDash val="solid"/>
+                      <a:round/>
+                      <a:headEnd type="none" w="med" len="med"/>
+                      <a:tailEnd type="none" w="med" len="med"/>
+                    </a:lnT>
+                    <a:lnB w="12700" cap="flat" cmpd="sng" algn="ctr">
+                      <a:solidFill>
+                        <a:srgbClr val="000000"/>
+                      </a:solidFill>
+                      <a:prstDash val="solid"/>
+                      <a:round/>
+                      <a:headEnd type="none" w="med" len="med"/>
+                      <a:tailEnd type="none" w="med" len="med"/>
+                    </a:lnB>
+                  </a:tcPr>
+                </a:tc>
+                <a:tc>
+                  <a:txBody>
+                    <a:bodyPr/>
+                    <a:lstStyle/>
+                    <a:p>
+                      <a:pPr marL="0" marR="0" algn="just">
+                        <a:spcBef>
+                          <a:spcPts val="0"/>
+                        </a:spcBef>
+                        <a:spcAft>
+                          <a:spcPts val="0"/>
+                        </a:spcAft>
+                      </a:pPr>
+                      <a:r>
+                        <a:rPr lang="en-US" sz="1050" kern="100">
+                          <a:effectLst/>
+                          <a:latin typeface="Times New Roman" panose="02020603050405020304" pitchFamily="18" charset="0"/>
+                          <a:ea typeface="SimSun" panose="02010600030101010101" pitchFamily="2" charset="-122"/>
+                        </a:rPr>
+                        <a:t>142</a:t>
+                      </a:r>
+                    </a:p>
+                  </a:txBody>
+                  <a:tcPr marL="68580" marR="68580" marT="0" marB="0">
+                    <a:lnL w="12700" cap="flat" cmpd="sng" algn="ctr">
+                      <a:solidFill>
+                        <a:srgbClr val="000000"/>
+                      </a:solidFill>
+                      <a:prstDash val="solid"/>
+                      <a:round/>
+                      <a:headEnd type="none" w="med" len="med"/>
+                      <a:tailEnd type="none" w="med" len="med"/>
+                    </a:lnL>
+                    <a:lnR w="12700" cap="flat" cmpd="sng" algn="ctr">
+                      <a:solidFill>
+                        <a:srgbClr val="000000"/>
+                      </a:solidFill>
+                      <a:prstDash val="solid"/>
+                      <a:round/>
+                      <a:headEnd type="none" w="med" len="med"/>
+                      <a:tailEnd type="none" w="med" len="med"/>
+                    </a:lnR>
+                    <a:lnT w="12700" cap="flat" cmpd="sng" algn="ctr">
+                      <a:solidFill>
+                        <a:srgbClr val="000000"/>
+                      </a:solidFill>
+                      <a:prstDash val="solid"/>
+                      <a:round/>
+                      <a:headEnd type="none" w="med" len="med"/>
+                      <a:tailEnd type="none" w="med" len="med"/>
+                    </a:lnT>
+                    <a:lnB w="12700" cap="flat" cmpd="sng" algn="ctr">
+                      <a:solidFill>
+                        <a:srgbClr val="000000"/>
+                      </a:solidFill>
+                      <a:prstDash val="solid"/>
+                      <a:round/>
+                      <a:headEnd type="none" w="med" len="med"/>
+                      <a:tailEnd type="none" w="med" len="med"/>
+                    </a:lnB>
+                  </a:tcPr>
+                </a:tc>
+                <a:tc>
+                  <a:txBody>
+                    <a:bodyPr/>
+                    <a:lstStyle/>
+                    <a:p>
+                      <a:pPr marL="0" marR="0" algn="just">
+                        <a:spcBef>
+                          <a:spcPts val="0"/>
+                        </a:spcBef>
+                        <a:spcAft>
+                          <a:spcPts val="0"/>
+                        </a:spcAft>
+                      </a:pPr>
+                      <a:r>
+                        <a:rPr lang="en-US" sz="1050" kern="100">
+                          <a:effectLst/>
+                          <a:latin typeface="Times New Roman" panose="02020603050405020304" pitchFamily="18" charset="0"/>
+                          <a:ea typeface="SimSun" panose="02010600030101010101" pitchFamily="2" charset="-122"/>
+                        </a:rPr>
+                        <a:t>28</a:t>
+                      </a:r>
+                    </a:p>
+                  </a:txBody>
+                  <a:tcPr marL="68580" marR="68580" marT="0" marB="0">
+                    <a:lnL w="12700" cap="flat" cmpd="sng" algn="ctr">
+                      <a:solidFill>
+                        <a:srgbClr val="000000"/>
+                      </a:solidFill>
+                      <a:prstDash val="solid"/>
+                      <a:round/>
+                      <a:headEnd type="none" w="med" len="med"/>
+                      <a:tailEnd type="none" w="med" len="med"/>
+                    </a:lnL>
+                    <a:lnR w="12700" cap="flat" cmpd="sng" algn="ctr">
+                      <a:solidFill>
+                        <a:srgbClr val="000000"/>
+                      </a:solidFill>
+                      <a:prstDash val="solid"/>
+                      <a:round/>
+                      <a:headEnd type="none" w="med" len="med"/>
+                      <a:tailEnd type="none" w="med" len="med"/>
+                    </a:lnR>
+                    <a:lnT w="12700" cap="flat" cmpd="sng" algn="ctr">
+                      <a:solidFill>
+                        <a:srgbClr val="000000"/>
+                      </a:solidFill>
+                      <a:prstDash val="solid"/>
+                      <a:round/>
+                      <a:headEnd type="none" w="med" len="med"/>
+                      <a:tailEnd type="none" w="med" len="med"/>
+                    </a:lnT>
+                    <a:lnB w="12700" cap="flat" cmpd="sng" algn="ctr">
+                      <a:solidFill>
+                        <a:srgbClr val="000000"/>
+                      </a:solidFill>
+                      <a:prstDash val="solid"/>
+                      <a:round/>
+                      <a:headEnd type="none" w="med" len="med"/>
+                      <a:tailEnd type="none" w="med" len="med"/>
+                    </a:lnB>
+                  </a:tcPr>
+                </a:tc>
+              </a:tr>
+              <a:tr h="245341">
+                <a:tc>
+                  <a:txBody>
+                    <a:bodyPr/>
+                    <a:lstStyle/>
+                    <a:p>
+                      <a:pPr marL="0" marR="0" algn="just">
+                        <a:spcBef>
+                          <a:spcPts val="0"/>
+                        </a:spcBef>
+                        <a:spcAft>
+                          <a:spcPts val="0"/>
+                        </a:spcAft>
+                      </a:pPr>
+                      <a:r>
+                        <a:rPr lang="en-US" sz="1050" kern="100">
+                          <a:effectLst/>
+                          <a:latin typeface="Times New Roman" panose="02020603050405020304" pitchFamily="18" charset="0"/>
+                          <a:ea typeface="SimSun" panose="02010600030101010101" pitchFamily="2" charset="-122"/>
+                        </a:rPr>
+                        <a:t>Actual High Rish</a:t>
+                      </a:r>
+                    </a:p>
+                  </a:txBody>
+                  <a:tcPr marL="68580" marR="68580" marT="0" marB="0">
+                    <a:lnL w="12700" cap="flat" cmpd="sng" algn="ctr">
+                      <a:solidFill>
+                        <a:srgbClr val="000000"/>
+                      </a:solidFill>
+                      <a:prstDash val="solid"/>
+                      <a:round/>
+                      <a:headEnd type="none" w="med" len="med"/>
+                      <a:tailEnd type="none" w="med" len="med"/>
+                    </a:lnL>
+                    <a:lnR w="12700" cap="flat" cmpd="sng" algn="ctr">
+                      <a:solidFill>
+                        <a:srgbClr val="000000"/>
+                      </a:solidFill>
+                      <a:prstDash val="solid"/>
+                      <a:round/>
+                      <a:headEnd type="none" w="med" len="med"/>
+                      <a:tailEnd type="none" w="med" len="med"/>
+                    </a:lnR>
+                    <a:lnT w="12700" cap="flat" cmpd="sng" algn="ctr">
+                      <a:solidFill>
+                        <a:srgbClr val="000000"/>
+                      </a:solidFill>
+                      <a:prstDash val="solid"/>
+                      <a:round/>
+                      <a:headEnd type="none" w="med" len="med"/>
+                      <a:tailEnd type="none" w="med" len="med"/>
+                    </a:lnT>
+                    <a:lnB w="12700" cap="flat" cmpd="sng" algn="ctr">
+                      <a:solidFill>
+                        <a:srgbClr val="000000"/>
+                      </a:solidFill>
+                      <a:prstDash val="solid"/>
+                      <a:round/>
+                      <a:headEnd type="none" w="med" len="med"/>
+                      <a:tailEnd type="none" w="med" len="med"/>
+                    </a:lnB>
+                  </a:tcPr>
+                </a:tc>
+                <a:tc>
+                  <a:txBody>
+                    <a:bodyPr/>
+                    <a:lstStyle/>
+                    <a:p>
+                      <a:pPr marL="0" marR="0" algn="just">
+                        <a:spcBef>
+                          <a:spcPts val="0"/>
+                        </a:spcBef>
+                        <a:spcAft>
+                          <a:spcPts val="0"/>
+                        </a:spcAft>
+                      </a:pPr>
+                      <a:r>
+                        <a:rPr lang="en-US" sz="1050" kern="100">
+                          <a:effectLst/>
+                          <a:latin typeface="Times New Roman" panose="02020603050405020304" pitchFamily="18" charset="0"/>
+                          <a:ea typeface="SimSun" panose="02010600030101010101" pitchFamily="2" charset="-122"/>
+                        </a:rPr>
+                        <a:t>18</a:t>
+                      </a:r>
+                    </a:p>
+                  </a:txBody>
+                  <a:tcPr marL="68580" marR="68580" marT="0" marB="0">
+                    <a:lnL w="12700" cap="flat" cmpd="sng" algn="ctr">
+                      <a:solidFill>
+                        <a:srgbClr val="000000"/>
+                      </a:solidFill>
+                      <a:prstDash val="solid"/>
+                      <a:round/>
+                      <a:headEnd type="none" w="med" len="med"/>
+                      <a:tailEnd type="none" w="med" len="med"/>
+                    </a:lnL>
+                    <a:lnR w="12700" cap="flat" cmpd="sng" algn="ctr">
+                      <a:solidFill>
+                        <a:srgbClr val="000000"/>
+                      </a:solidFill>
+                      <a:prstDash val="solid"/>
+                      <a:round/>
+                      <a:headEnd type="none" w="med" len="med"/>
+                      <a:tailEnd type="none" w="med" len="med"/>
+                    </a:lnR>
+                    <a:lnT w="12700" cap="flat" cmpd="sng" algn="ctr">
+                      <a:solidFill>
+                        <a:srgbClr val="000000"/>
+                      </a:solidFill>
+                      <a:prstDash val="solid"/>
+                      <a:round/>
+                      <a:headEnd type="none" w="med" len="med"/>
+                      <a:tailEnd type="none" w="med" len="med"/>
+                    </a:lnT>
+                    <a:lnB w="12700" cap="flat" cmpd="sng" algn="ctr">
+                      <a:solidFill>
+                        <a:srgbClr val="000000"/>
+                      </a:solidFill>
+                      <a:prstDash val="solid"/>
+                      <a:round/>
+                      <a:headEnd type="none" w="med" len="med"/>
+                      <a:tailEnd type="none" w="med" len="med"/>
+                    </a:lnB>
+                  </a:tcPr>
+                </a:tc>
+                <a:tc>
+                  <a:txBody>
+                    <a:bodyPr/>
+                    <a:lstStyle/>
+                    <a:p>
+                      <a:pPr marL="0" marR="0" algn="just">
+                        <a:spcBef>
+                          <a:spcPts val="0"/>
+                        </a:spcBef>
+                        <a:spcAft>
+                          <a:spcPts val="0"/>
+                        </a:spcAft>
+                      </a:pPr>
+                      <a:r>
+                        <a:rPr lang="en-US" sz="1050" kern="100">
+                          <a:effectLst/>
+                          <a:latin typeface="Times New Roman" panose="02020603050405020304" pitchFamily="18" charset="0"/>
+                          <a:ea typeface="SimSun" panose="02010600030101010101" pitchFamily="2" charset="-122"/>
+                        </a:rPr>
+                        <a:t>109</a:t>
+                      </a:r>
+                    </a:p>
+                  </a:txBody>
+                  <a:tcPr marL="68580" marR="68580" marT="0" marB="0">
+                    <a:lnL w="12700" cap="flat" cmpd="sng" algn="ctr">
+                      <a:solidFill>
+                        <a:srgbClr val="000000"/>
+                      </a:solidFill>
+                      <a:prstDash val="solid"/>
+                      <a:round/>
+                      <a:headEnd type="none" w="med" len="med"/>
+                      <a:tailEnd type="none" w="med" len="med"/>
+                    </a:lnL>
+                    <a:lnR w="12700" cap="flat" cmpd="sng" algn="ctr">
+                      <a:solidFill>
+                        <a:srgbClr val="000000"/>
+                      </a:solidFill>
+                      <a:prstDash val="solid"/>
+                      <a:round/>
+                      <a:headEnd type="none" w="med" len="med"/>
+                      <a:tailEnd type="none" w="med" len="med"/>
+                    </a:lnR>
+                    <a:lnT w="12700" cap="flat" cmpd="sng" algn="ctr">
+                      <a:solidFill>
+                        <a:srgbClr val="000000"/>
+                      </a:solidFill>
+                      <a:prstDash val="solid"/>
+                      <a:round/>
+                      <a:headEnd type="none" w="med" len="med"/>
+                      <a:tailEnd type="none" w="med" len="med"/>
+                    </a:lnT>
+                    <a:lnB w="12700" cap="flat" cmpd="sng" algn="ctr">
+                      <a:solidFill>
+                        <a:srgbClr val="000000"/>
+                      </a:solidFill>
+                      <a:prstDash val="solid"/>
+                      <a:round/>
+                      <a:headEnd type="none" w="med" len="med"/>
+                      <a:tailEnd type="none" w="med" len="med"/>
+                    </a:lnB>
+                  </a:tcPr>
+                </a:tc>
+              </a:tr>
+              <a:tr h="245341">
+                <a:tc>
+                  <a:txBody>
+                    <a:bodyPr/>
+                    <a:lstStyle/>
+                    <a:p>
+                      <a:pPr marL="0" marR="0" algn="just">
+                        <a:spcBef>
+                          <a:spcPts val="0"/>
+                        </a:spcBef>
+                        <a:spcAft>
+                          <a:spcPts val="0"/>
+                        </a:spcAft>
+                      </a:pPr>
+                      <a:r>
+                        <a:rPr lang="en-US" sz="1050" kern="100">
+                          <a:effectLst/>
+                          <a:latin typeface="Times New Roman" panose="02020603050405020304" pitchFamily="18" charset="0"/>
+                          <a:ea typeface="SimSun" panose="02010600030101010101" pitchFamily="2" charset="-122"/>
+                        </a:rPr>
+                        <a:t>total</a:t>
+                      </a:r>
+                    </a:p>
+                  </a:txBody>
+                  <a:tcPr marL="68580" marR="68580" marT="0" marB="0">
+                    <a:lnL w="12700" cap="flat" cmpd="sng" algn="ctr">
+                      <a:solidFill>
+                        <a:srgbClr val="000000"/>
+                      </a:solidFill>
+                      <a:prstDash val="solid"/>
+                      <a:round/>
+                      <a:headEnd type="none" w="med" len="med"/>
+                      <a:tailEnd type="none" w="med" len="med"/>
+                    </a:lnL>
+                    <a:lnR w="12700" cap="flat" cmpd="sng" algn="ctr">
+                      <a:solidFill>
+                        <a:srgbClr val="000000"/>
+                      </a:solidFill>
+                      <a:prstDash val="solid"/>
+                      <a:round/>
+                      <a:headEnd type="none" w="med" len="med"/>
+                      <a:tailEnd type="none" w="med" len="med"/>
+                    </a:lnR>
+                    <a:lnT w="12700" cap="flat" cmpd="sng" algn="ctr">
+                      <a:solidFill>
+                        <a:srgbClr val="000000"/>
+                      </a:solidFill>
+                      <a:prstDash val="solid"/>
+                      <a:round/>
+                      <a:headEnd type="none" w="med" len="med"/>
+                      <a:tailEnd type="none" w="med" len="med"/>
+                    </a:lnT>
+                    <a:lnB w="12700" cap="flat" cmpd="sng" algn="ctr">
+                      <a:solidFill>
+                        <a:srgbClr val="000000"/>
+                      </a:solidFill>
+                      <a:prstDash val="solid"/>
+                      <a:round/>
+                      <a:headEnd type="none" w="med" len="med"/>
+                      <a:tailEnd type="none" w="med" len="med"/>
+                    </a:lnB>
+                  </a:tcPr>
+                </a:tc>
+                <a:tc>
+                  <a:txBody>
+                    <a:bodyPr/>
+                    <a:lstStyle/>
+                    <a:p>
+                      <a:pPr marL="0" marR="0" algn="just">
+                        <a:spcBef>
+                          <a:spcPts val="0"/>
+                        </a:spcBef>
+                        <a:spcAft>
+                          <a:spcPts val="0"/>
+                        </a:spcAft>
+                      </a:pPr>
+                      <a:r>
+                        <a:rPr lang="en-US" sz="1050" kern="100" dirty="0">
+                          <a:effectLst/>
+                          <a:latin typeface="Times New Roman" panose="02020603050405020304" pitchFamily="18" charset="0"/>
+                          <a:ea typeface="SimSun" panose="02010600030101010101" pitchFamily="2" charset="-122"/>
+                        </a:rPr>
+                        <a:t>160</a:t>
+                      </a:r>
+                    </a:p>
+                  </a:txBody>
+                  <a:tcPr marL="68580" marR="68580" marT="0" marB="0">
+                    <a:lnL w="12700" cap="flat" cmpd="sng" algn="ctr">
+                      <a:solidFill>
+                        <a:srgbClr val="000000"/>
+                      </a:solidFill>
+                      <a:prstDash val="solid"/>
+                      <a:round/>
+                      <a:headEnd type="none" w="med" len="med"/>
+                      <a:tailEnd type="none" w="med" len="med"/>
+                    </a:lnL>
+                    <a:lnR w="12700" cap="flat" cmpd="sng" algn="ctr">
+                      <a:solidFill>
+                        <a:srgbClr val="000000"/>
+                      </a:solidFill>
+                      <a:prstDash val="solid"/>
+                      <a:round/>
+                      <a:headEnd type="none" w="med" len="med"/>
+                      <a:tailEnd type="none" w="med" len="med"/>
+                    </a:lnR>
+                    <a:lnT w="12700" cap="flat" cmpd="sng" algn="ctr">
+                      <a:solidFill>
+                        <a:srgbClr val="000000"/>
+                      </a:solidFill>
+                      <a:prstDash val="solid"/>
+                      <a:round/>
+                      <a:headEnd type="none" w="med" len="med"/>
+                      <a:tailEnd type="none" w="med" len="med"/>
+                    </a:lnT>
+                    <a:lnB w="12700" cap="flat" cmpd="sng" algn="ctr">
+                      <a:solidFill>
+                        <a:srgbClr val="000000"/>
+                      </a:solidFill>
+                      <a:prstDash val="solid"/>
+                      <a:round/>
+                      <a:headEnd type="none" w="med" len="med"/>
+                      <a:tailEnd type="none" w="med" len="med"/>
+                    </a:lnB>
+                  </a:tcPr>
+                </a:tc>
+                <a:tc>
+                  <a:txBody>
+                    <a:bodyPr/>
+                    <a:lstStyle/>
+                    <a:p>
+                      <a:pPr marL="0" marR="0" algn="just">
+                        <a:spcBef>
+                          <a:spcPts val="0"/>
+                        </a:spcBef>
+                        <a:spcAft>
+                          <a:spcPts val="0"/>
+                        </a:spcAft>
+                      </a:pPr>
+                      <a:r>
+                        <a:rPr lang="en-US" sz="1050" kern="100" dirty="0">
+                          <a:effectLst/>
+                          <a:latin typeface="Times New Roman" panose="02020603050405020304" pitchFamily="18" charset="0"/>
+                          <a:ea typeface="SimSun" panose="02010600030101010101" pitchFamily="2" charset="-122"/>
+                        </a:rPr>
+                        <a:t>137</a:t>
+                      </a:r>
+                    </a:p>
+                  </a:txBody>
+                  <a:tcPr marL="68580" marR="68580" marT="0" marB="0">
+                    <a:lnL w="12700" cap="flat" cmpd="sng" algn="ctr">
+                      <a:solidFill>
+                        <a:srgbClr val="000000"/>
+                      </a:solidFill>
+                      <a:prstDash val="solid"/>
+                      <a:round/>
+                      <a:headEnd type="none" w="med" len="med"/>
+                      <a:tailEnd type="none" w="med" len="med"/>
+                    </a:lnL>
+                    <a:lnR w="12700" cap="flat" cmpd="sng" algn="ctr">
+                      <a:solidFill>
+                        <a:srgbClr val="000000"/>
+                      </a:solidFill>
+                      <a:prstDash val="solid"/>
+                      <a:round/>
+                      <a:headEnd type="none" w="med" len="med"/>
+                      <a:tailEnd type="none" w="med" len="med"/>
+                    </a:lnR>
+                    <a:lnT w="12700" cap="flat" cmpd="sng" algn="ctr">
+                      <a:solidFill>
+                        <a:srgbClr val="000000"/>
+                      </a:solidFill>
+                      <a:prstDash val="solid"/>
+                      <a:round/>
+                      <a:headEnd type="none" w="med" len="med"/>
+                      <a:tailEnd type="none" w="med" len="med"/>
+                    </a:lnT>
+                    <a:lnB w="12700" cap="flat" cmpd="sng" algn="ctr">
+                      <a:solidFill>
+                        <a:srgbClr val="000000"/>
+                      </a:solidFill>
+                      <a:prstDash val="solid"/>
+                      <a:round/>
+                      <a:headEnd type="none" w="med" len="med"/>
+                      <a:tailEnd type="none" w="med" len="med"/>
+                    </a:lnB>
+                  </a:tcPr>
+                </a:tc>
+              </a:tr>
+            </a:tbl>
+          </a:graphicData>
+        </a:graphic>
+      </p:graphicFrame>
+      <p:sp>
+        <p:nvSpPr>
+          <p:cNvPr id="4" name="Rectangle 3"/>
+          <p:cNvSpPr/>
+          <p:nvPr/>
+        </p:nvSpPr>
+        <p:spPr>
+          <a:xfrm>
+            <a:off x="1239666" y="1738354"/>
+            <a:ext cx="9926594" cy="369332"/>
+          </a:xfrm>
+          <a:prstGeom prst="rect">
+            <a:avLst/>
+          </a:prstGeom>
+        </p:spPr>
+        <p:txBody>
+          <a:bodyPr wrap="square">
+            <a:spAutoFit/>
+          </a:bodyPr>
+          <a:lstStyle/>
+          <a:p>
+            <a:pPr algn="just"/>
+            <a:r>
+              <a:rPr lang="en-US" kern="100" dirty="0">
+                <a:latin typeface="Times New Roman" panose="02020603050405020304" pitchFamily="18" charset="0"/>
+                <a:ea typeface="SimSun" panose="02010600030101010101" pitchFamily="2" charset="-122"/>
+              </a:rPr>
+              <a:t>η = 0.0001, iteration = 50000, </a:t>
+            </a:r>
+            <a:r>
+              <a:rPr lang="en-US" kern="100" dirty="0" err="1">
+                <a:latin typeface="Times New Roman" panose="02020603050405020304" pitchFamily="18" charset="0"/>
+                <a:ea typeface="SimSun" panose="02010600030101010101" pitchFamily="2" charset="-122"/>
+              </a:rPr>
+              <a:t>Ein</a:t>
+            </a:r>
+            <a:r>
+              <a:rPr lang="en-US" kern="100" dirty="0">
+                <a:latin typeface="Times New Roman" panose="02020603050405020304" pitchFamily="18" charset="0"/>
+                <a:ea typeface="SimSun" panose="02010600030101010101" pitchFamily="2" charset="-122"/>
+              </a:rPr>
+              <a:t> = 0.372709312473342, Accuracy = 0.845117845117845</a:t>
+            </a:r>
+            <a:endParaRPr lang="en-US" kern="100" dirty="0">
+              <a:effectLst/>
+              <a:latin typeface="Times New Roman" panose="02020603050405020304" pitchFamily="18" charset="0"/>
+              <a:ea typeface="SimSun" panose="02010600030101010101" pitchFamily="2" charset="-122"/>
+            </a:endParaRPr>
+          </a:p>
+        </p:txBody>
+      </p:sp>
+      <p:pic>
+        <p:nvPicPr>
+          <p:cNvPr id="5121" name="Picture 1" descr="pcurveRandom"/>
+          <p:cNvPicPr>
+            <a:picLocks noChangeAspect="1" noChangeArrowheads="1"/>
+          </p:cNvPicPr>
+          <p:nvPr/>
+        </p:nvPicPr>
+        <p:blipFill>
+          <a:blip r:embed="rId2">
+            <a:extLst>
+              <a:ext uri="{28A0092B-C50C-407E-A947-70E740481C1C}">
+                <a14:useLocalDpi xmlns:a14="http://schemas.microsoft.com/office/drawing/2010/main" val="0"/>
+              </a:ext>
+            </a:extLst>
+          </a:blip>
+          <a:srcRect/>
+          <a:stretch>
+            <a:fillRect/>
+          </a:stretch>
+        </p:blipFill>
+        <p:spPr bwMode="auto">
+          <a:xfrm>
+            <a:off x="6071158" y="2198302"/>
+            <a:ext cx="5267325" cy="3952875"/>
+          </a:xfrm>
+          <a:prstGeom prst="rect">
+            <a:avLst/>
+          </a:prstGeom>
+          <a:noFill/>
+          <a:ln>
+            <a:noFill/>
+          </a:ln>
+          <a:extLst>
+            <a:ext uri="{909E8E84-426E-40DD-AFC4-6F175D3DCCD1}">
+              <a14:hiddenFill xmlns:a14="http://schemas.microsoft.com/office/drawing/2010/main">
+                <a:solidFill>
+                  <a:srgbClr val="FFFFFF"/>
+                </a:solidFill>
+              </a14:hiddenFill>
+            </a:ext>
+            <a:ext uri="{91240B29-F687-4F45-9708-019B960494DF}">
+              <a14:hiddenLine xmlns:a14="http://schemas.microsoft.com/office/drawing/2010/main" w="9525">
+                <a:solidFill>
+                  <a:srgbClr val="000000"/>
+                </a:solidFill>
+                <a:miter lim="800000"/>
+                <a:headEnd/>
+                <a:tailEnd/>
+              </a14:hiddenLine>
+            </a:ext>
+          </a:extLst>
+        </p:spPr>
+      </p:pic>
+      <p:sp>
+        <p:nvSpPr>
+          <p:cNvPr id="5" name="Rectangle 4"/>
+          <p:cNvSpPr/>
+          <p:nvPr/>
+        </p:nvSpPr>
+        <p:spPr>
+          <a:xfrm>
+            <a:off x="4021048" y="959092"/>
+            <a:ext cx="3781805" cy="369332"/>
+          </a:xfrm>
+          <a:prstGeom prst="rect">
+            <a:avLst/>
+          </a:prstGeom>
+        </p:spPr>
+        <p:txBody>
+          <a:bodyPr wrap="none">
+            <a:spAutoFit/>
+          </a:bodyPr>
+          <a:lstStyle/>
+          <a:p>
+            <a:r>
+              <a:rPr lang="en-US" kern="100" dirty="0">
+                <a:latin typeface="Times New Roman" panose="02020603050405020304" pitchFamily="18" charset="0"/>
+                <a:ea typeface="SimSun" panose="02010600030101010101" pitchFamily="2" charset="-122"/>
+              </a:rPr>
+              <a:t>Heng </a:t>
+            </a:r>
+            <a:r>
+              <a:rPr lang="en-US" kern="100" dirty="0" smtClean="0">
+                <a:latin typeface="Times New Roman" panose="02020603050405020304" pitchFamily="18" charset="0"/>
+                <a:ea typeface="SimSun" panose="02010600030101010101" pitchFamily="2" charset="-122"/>
+              </a:rPr>
+              <a:t>Wang      cpts534	fall 2015</a:t>
+            </a:r>
+            <a:endParaRPr lang="en-US" dirty="0"/>
+          </a:p>
+        </p:txBody>
+      </p:sp>
+    </p:spTree>
+    <p:extLst>
+      <p:ext uri="{BB962C8B-B14F-4D97-AF65-F5344CB8AC3E}">
+        <p14:creationId xmlns:p14="http://schemas.microsoft.com/office/powerpoint/2010/main" val="3053754021"/>
+      </p:ext>
+    </p:extLst>
+  </p:cSld>
+  <p:clrMapOvr>
+    <a:masterClrMapping/>
+  </p:clrMapOvr>
+  <p:timing>
+    <p:tnLst>
+      <p:par>
+        <p:cTn id="1" dur="indefinite" restart="never" nodeType="tmRoot"/>
+      </p:par>
+    </p:tnLst>
+  </p:timing>
+</p:sld>
+</file>
+
+<file path=ppt/slides/slide43.xml><?xml version="1.0" encoding="utf-8"?>
+<p:sld xmlns:a="http://schemas.openxmlformats.org/drawingml/2006/main" xmlns:r="http://schemas.openxmlformats.org/officeDocument/2006/relationships" xmlns:p="http://schemas.openxmlformats.org/presentationml/2006/main">
+  <p:cSld>
+    <p:spTree>
+      <p:nvGrpSpPr>
+        <p:cNvPr id="1" name=""/>
+        <p:cNvGrpSpPr/>
+        <p:nvPr/>
+      </p:nvGrpSpPr>
+      <p:grpSpPr>
+        <a:xfrm>
+          <a:off x="0" y="0"/>
+          <a:ext cx="0" cy="0"/>
+          <a:chOff x="0" y="0"/>
+          <a:chExt cx="0" cy="0"/>
+        </a:xfrm>
+      </p:grpSpPr>
+      <p:pic>
+        <p:nvPicPr>
+          <p:cNvPr id="6146" name="Picture 2" descr="bestEinRandomEinVSiteration"/>
+          <p:cNvPicPr>
+            <a:picLocks noChangeAspect="1" noChangeArrowheads="1"/>
+          </p:cNvPicPr>
+          <p:nvPr/>
+        </p:nvPicPr>
+        <p:blipFill>
+          <a:blip r:embed="rId2">
+            <a:extLst>
+              <a:ext uri="{28A0092B-C50C-407E-A947-70E740481C1C}">
+                <a14:useLocalDpi xmlns:a14="http://schemas.microsoft.com/office/drawing/2010/main" val="0"/>
+              </a:ext>
+            </a:extLst>
+          </a:blip>
+          <a:srcRect/>
+          <a:stretch>
+            <a:fillRect/>
+          </a:stretch>
+        </p:blipFill>
+        <p:spPr bwMode="auto">
+          <a:xfrm>
+            <a:off x="268374" y="1767660"/>
+            <a:ext cx="5267325" cy="3562350"/>
+          </a:xfrm>
+          <a:prstGeom prst="rect">
+            <a:avLst/>
+          </a:prstGeom>
+          <a:noFill/>
+          <a:ln>
+            <a:noFill/>
+          </a:ln>
+          <a:extLst>
+            <a:ext uri="{909E8E84-426E-40DD-AFC4-6F175D3DCCD1}">
+              <a14:hiddenFill xmlns:a14="http://schemas.microsoft.com/office/drawing/2010/main">
+                <a:solidFill>
+                  <a:srgbClr val="FFFFFF"/>
+                </a:solidFill>
+              </a14:hiddenFill>
+            </a:ext>
+            <a:ext uri="{91240B29-F687-4F45-9708-019B960494DF}">
+              <a14:hiddenLine xmlns:a14="http://schemas.microsoft.com/office/drawing/2010/main" w="9525">
+                <a:solidFill>
+                  <a:srgbClr val="000000"/>
+                </a:solidFill>
+                <a:miter lim="800000"/>
+                <a:headEnd/>
+                <a:tailEnd/>
+              </a14:hiddenLine>
+            </a:ext>
+          </a:extLst>
+        </p:spPr>
+      </p:pic>
+      <p:pic>
+        <p:nvPicPr>
+          <p:cNvPr id="6147" name="Picture 3" descr="bestEinRandomNormDeltaEVSiteration"/>
+          <p:cNvPicPr>
+            <a:picLocks noChangeAspect="1" noChangeArrowheads="1"/>
+          </p:cNvPicPr>
+          <p:nvPr/>
+        </p:nvPicPr>
+        <p:blipFill>
+          <a:blip r:embed="rId3">
+            <a:extLst>
+              <a:ext uri="{28A0092B-C50C-407E-A947-70E740481C1C}">
+                <a14:useLocalDpi xmlns:a14="http://schemas.microsoft.com/office/drawing/2010/main" val="0"/>
+              </a:ext>
+            </a:extLst>
+          </a:blip>
+          <a:srcRect/>
+          <a:stretch>
+            <a:fillRect/>
+          </a:stretch>
+        </p:blipFill>
+        <p:spPr bwMode="auto">
+          <a:xfrm>
+            <a:off x="5763012" y="1767660"/>
+            <a:ext cx="5267325" cy="3562350"/>
+          </a:xfrm>
+          <a:prstGeom prst="rect">
+            <a:avLst/>
+          </a:prstGeom>
+          <a:noFill/>
+          <a:ln>
+            <a:noFill/>
+          </a:ln>
+          <a:extLst>
+            <a:ext uri="{909E8E84-426E-40DD-AFC4-6F175D3DCCD1}">
+              <a14:hiddenFill xmlns:a14="http://schemas.microsoft.com/office/drawing/2010/main">
+                <a:solidFill>
+                  <a:srgbClr val="FFFFFF"/>
+                </a:solidFill>
+              </a14:hiddenFill>
+            </a:ext>
+            <a:ext uri="{91240B29-F687-4F45-9708-019B960494DF}">
+              <a14:hiddenLine xmlns:a14="http://schemas.microsoft.com/office/drawing/2010/main" w="9525">
+                <a:solidFill>
+                  <a:srgbClr val="000000"/>
+                </a:solidFill>
+                <a:miter lim="800000"/>
+                <a:headEnd/>
+                <a:tailEnd/>
+              </a14:hiddenLine>
+            </a:ext>
+          </a:extLst>
+        </p:spPr>
+      </p:pic>
+      <p:sp>
+        <p:nvSpPr>
+          <p:cNvPr id="2" name="Rectangle 1"/>
+          <p:cNvSpPr/>
+          <p:nvPr/>
+        </p:nvSpPr>
+        <p:spPr>
+          <a:xfrm>
+            <a:off x="1993361" y="1464961"/>
+            <a:ext cx="1680909" cy="369332"/>
+          </a:xfrm>
+          <a:prstGeom prst="rect">
+            <a:avLst/>
+          </a:prstGeom>
+        </p:spPr>
+        <p:txBody>
+          <a:bodyPr wrap="none">
+            <a:spAutoFit/>
+          </a:bodyPr>
+          <a:lstStyle/>
+          <a:p>
+            <a:r>
+              <a:rPr lang="en-US" kern="100" dirty="0" err="1">
+                <a:latin typeface="Times New Roman" panose="02020603050405020304" pitchFamily="18" charset="0"/>
+                <a:ea typeface="SimSun" panose="02010600030101010101" pitchFamily="2" charset="-122"/>
+              </a:rPr>
+              <a:t>Ein</a:t>
+            </a:r>
+            <a:r>
+              <a:rPr lang="en-US" kern="100" dirty="0">
+                <a:latin typeface="Times New Roman" panose="02020603050405020304" pitchFamily="18" charset="0"/>
+                <a:ea typeface="SimSun" panose="02010600030101010101" pitchFamily="2" charset="-122"/>
+              </a:rPr>
+              <a:t> VS iteration</a:t>
+            </a:r>
+            <a:endParaRPr lang="en-US" dirty="0"/>
+          </a:p>
+        </p:txBody>
+      </p:sp>
+      <p:sp>
+        <p:nvSpPr>
+          <p:cNvPr id="3" name="Rectangle 2"/>
+          <p:cNvSpPr/>
+          <p:nvPr/>
+        </p:nvSpPr>
+        <p:spPr>
+          <a:xfrm>
+            <a:off x="7088944" y="1398328"/>
+            <a:ext cx="2841483" cy="369332"/>
+          </a:xfrm>
+          <a:prstGeom prst="rect">
+            <a:avLst/>
+          </a:prstGeom>
+        </p:spPr>
+        <p:txBody>
+          <a:bodyPr wrap="none">
+            <a:spAutoFit/>
+          </a:bodyPr>
+          <a:lstStyle/>
+          <a:p>
+            <a:pPr algn="just"/>
+            <a:r>
+              <a:rPr lang="en-US" kern="100" dirty="0" smtClean="0">
+                <a:latin typeface="Times New Roman" panose="02020603050405020304" pitchFamily="18" charset="0"/>
+                <a:ea typeface="SimSun" panose="02010600030101010101" pitchFamily="2" charset="-122"/>
+              </a:rPr>
+              <a:t>Norm grad(</a:t>
+            </a:r>
+            <a:r>
+              <a:rPr lang="en-US" kern="100" dirty="0" err="1" smtClean="0">
+                <a:latin typeface="Times New Roman" panose="02020603050405020304" pitchFamily="18" charset="0"/>
+                <a:ea typeface="SimSun" panose="02010600030101010101" pitchFamily="2" charset="-122"/>
+              </a:rPr>
+              <a:t>Ein</a:t>
+            </a:r>
+            <a:r>
+              <a:rPr lang="en-US" kern="100" dirty="0">
+                <a:latin typeface="Times New Roman" panose="02020603050405020304" pitchFamily="18" charset="0"/>
+                <a:ea typeface="SimSun" panose="02010600030101010101" pitchFamily="2" charset="-122"/>
+              </a:rPr>
+              <a:t>) VS iteration</a:t>
+            </a:r>
+            <a:endParaRPr lang="en-US" kern="100" dirty="0">
+              <a:effectLst/>
+              <a:latin typeface="Times New Roman" panose="02020603050405020304" pitchFamily="18" charset="0"/>
+              <a:ea typeface="SimSun" panose="02010600030101010101" pitchFamily="2" charset="-122"/>
+            </a:endParaRPr>
+          </a:p>
+        </p:txBody>
+      </p:sp>
+    </p:spTree>
+    <p:extLst>
+      <p:ext uri="{BB962C8B-B14F-4D97-AF65-F5344CB8AC3E}">
+        <p14:creationId xmlns:p14="http://schemas.microsoft.com/office/powerpoint/2010/main" val="3176598376"/>
+      </p:ext>
+    </p:extLst>
+  </p:cSld>
+  <p:clrMapOvr>
+    <a:masterClrMapping/>
+  </p:clrMapOvr>
+  <p:timing>
+    <p:tnLst>
+      <p:par>
+        <p:cTn id="1" dur="indefinite" restart="never" nodeType="tmRoot"/>
+      </p:par>
+    </p:tnLst>
+  </p:timing>
+</p:sld>
+</file>
+
+<file path=ppt/slides/slide44.xml><?xml version="1.0" encoding="utf-8"?>
+<p:sld xmlns:a="http://schemas.openxmlformats.org/drawingml/2006/main" xmlns:r="http://schemas.openxmlformats.org/officeDocument/2006/relationships" xmlns:p="http://schemas.openxmlformats.org/presentationml/2006/main">
+  <p:cSld>
+    <p:spTree>
+      <p:nvGrpSpPr>
+        <p:cNvPr id="1" name=""/>
+        <p:cNvGrpSpPr/>
+        <p:nvPr/>
+      </p:nvGrpSpPr>
+      <p:grpSpPr>
+        <a:xfrm>
+          <a:off x="0" y="0"/>
+          <a:ext cx="0" cy="0"/>
+          <a:chOff x="0" y="0"/>
+          <a:chExt cx="0" cy="0"/>
+        </a:xfrm>
+      </p:grpSpPr>
+      <p:sp>
+        <p:nvSpPr>
+          <p:cNvPr id="2" name="TextBox 1"/>
+          <p:cNvSpPr txBox="1"/>
+          <p:nvPr/>
+        </p:nvSpPr>
+        <p:spPr>
+          <a:xfrm>
+            <a:off x="1661714" y="609601"/>
+            <a:ext cx="8930086" cy="461665"/>
+          </a:xfrm>
+          <a:prstGeom prst="rect">
+            <a:avLst/>
+          </a:prstGeom>
+          <a:noFill/>
+        </p:spPr>
+        <p:txBody>
+          <a:bodyPr wrap="square" rtlCol="0">
+            <a:spAutoFit/>
+          </a:bodyPr>
+          <a:lstStyle/>
+          <a:p>
+            <a:r>
+              <a:rPr lang="en-US" sz="2400" dirty="0" smtClean="0"/>
+              <a:t>Expanded Assignment 6: </a:t>
+            </a:r>
+            <a:r>
+              <a:rPr lang="en-US" sz="2400" dirty="0"/>
+              <a:t>Due </a:t>
+            </a:r>
+            <a:r>
+              <a:rPr lang="en-US" sz="2400" dirty="0" smtClean="0"/>
+              <a:t>10-25-16</a:t>
+            </a:r>
+            <a:endParaRPr lang="en-US" sz="2400" dirty="0"/>
+          </a:p>
+        </p:txBody>
+      </p:sp>
+      <p:sp>
+        <p:nvSpPr>
+          <p:cNvPr id="3" name="Rectangle 2"/>
+          <p:cNvSpPr/>
+          <p:nvPr/>
+        </p:nvSpPr>
+        <p:spPr>
+          <a:xfrm>
+            <a:off x="689783" y="1063375"/>
+            <a:ext cx="10873947" cy="4537781"/>
+          </a:xfrm>
+          <a:prstGeom prst="rect">
+            <a:avLst/>
+          </a:prstGeom>
+        </p:spPr>
+        <p:txBody>
+          <a:bodyPr wrap="square">
+            <a:spAutoFit/>
+          </a:bodyPr>
+          <a:lstStyle/>
+          <a:p>
+            <a:pPr marL="342900" marR="0" lvl="0" indent="-342900">
+              <a:lnSpc>
+                <a:spcPct val="107000"/>
+              </a:lnSpc>
+              <a:spcBef>
+                <a:spcPts val="0"/>
+              </a:spcBef>
+              <a:spcAft>
+                <a:spcPts val="0"/>
+              </a:spcAft>
+              <a:buFont typeface="+mj-lt"/>
+              <a:buAutoNum type="arabicPeriod"/>
+            </a:pPr>
+            <a:r>
+              <a:rPr lang="en-US" dirty="0">
+                <a:latin typeface="Calibri" panose="020F0502020204030204" pitchFamily="34" charset="0"/>
+                <a:ea typeface="Calibri" panose="020F0502020204030204" pitchFamily="34" charset="0"/>
+                <a:cs typeface="Times New Roman" panose="02020603050405020304" pitchFamily="18" charset="0"/>
+              </a:rPr>
+              <a:t>Start WEKA 3.8 and start the </a:t>
+            </a:r>
+            <a:r>
+              <a:rPr lang="en-US" dirty="0" smtClean="0">
+                <a:latin typeface="Calibri" panose="020F0502020204030204" pitchFamily="34" charset="0"/>
+                <a:ea typeface="Calibri" panose="020F0502020204030204" pitchFamily="34" charset="0"/>
+                <a:cs typeface="Times New Roman" panose="02020603050405020304" pitchFamily="18" charset="0"/>
+              </a:rPr>
+              <a:t>“Explorer </a:t>
+            </a:r>
+            <a:r>
+              <a:rPr lang="en-US" dirty="0">
+                <a:latin typeface="Calibri" panose="020F0502020204030204" pitchFamily="34" charset="0"/>
+                <a:ea typeface="Calibri" panose="020F0502020204030204" pitchFamily="34" charset="0"/>
+                <a:cs typeface="Times New Roman" panose="02020603050405020304" pitchFamily="18" charset="0"/>
+              </a:rPr>
+              <a:t>window”</a:t>
+            </a:r>
+          </a:p>
+          <a:p>
+            <a:pPr marL="342900" marR="0" lvl="0" indent="-342900">
+              <a:lnSpc>
+                <a:spcPct val="107000"/>
+              </a:lnSpc>
+              <a:spcBef>
+                <a:spcPts val="0"/>
+              </a:spcBef>
+              <a:spcAft>
+                <a:spcPts val="0"/>
+              </a:spcAft>
+              <a:buFont typeface="+mj-lt"/>
+              <a:buAutoNum type="arabicPeriod"/>
+            </a:pPr>
+            <a:r>
+              <a:rPr lang="en-US" dirty="0">
+                <a:latin typeface="Calibri" panose="020F0502020204030204" pitchFamily="34" charset="0"/>
+                <a:ea typeface="Calibri" panose="020F0502020204030204" pitchFamily="34" charset="0"/>
+                <a:cs typeface="Times New Roman" panose="02020603050405020304" pitchFamily="18" charset="0"/>
+              </a:rPr>
+              <a:t>On the Preprocess tab, open the “logit-data.csv” file</a:t>
+            </a:r>
+          </a:p>
+          <a:p>
+            <a:pPr marL="342900" marR="0" lvl="0" indent="-342900">
+              <a:lnSpc>
+                <a:spcPct val="107000"/>
+              </a:lnSpc>
+              <a:spcBef>
+                <a:spcPts val="0"/>
+              </a:spcBef>
+              <a:spcAft>
+                <a:spcPts val="0"/>
+              </a:spcAft>
+              <a:buFont typeface="+mj-lt"/>
+              <a:buAutoNum type="arabicPeriod"/>
+            </a:pPr>
+            <a:r>
+              <a:rPr lang="en-US" dirty="0">
+                <a:latin typeface="Calibri" panose="020F0502020204030204" pitchFamily="34" charset="0"/>
+                <a:ea typeface="Calibri" panose="020F0502020204030204" pitchFamily="34" charset="0"/>
+                <a:cs typeface="Times New Roman" panose="02020603050405020304" pitchFamily="18" charset="0"/>
+              </a:rPr>
+              <a:t>Filter the data by clicking on “Choose” button -&gt; filters -&gt; unsupervised -&gt; attribute -&gt; </a:t>
+            </a:r>
+            <a:r>
+              <a:rPr lang="en-US" dirty="0" err="1">
+                <a:latin typeface="Calibri" panose="020F0502020204030204" pitchFamily="34" charset="0"/>
+                <a:ea typeface="Calibri" panose="020F0502020204030204" pitchFamily="34" charset="0"/>
+                <a:cs typeface="Times New Roman" panose="02020603050405020304" pitchFamily="18" charset="0"/>
+              </a:rPr>
+              <a:t>NumericToNominal</a:t>
+            </a:r>
+            <a:r>
+              <a:rPr lang="en-US" dirty="0">
+                <a:latin typeface="Calibri" panose="020F0502020204030204" pitchFamily="34" charset="0"/>
+                <a:ea typeface="Calibri" panose="020F0502020204030204" pitchFamily="34" charset="0"/>
+                <a:cs typeface="Times New Roman" panose="02020603050405020304" pitchFamily="18" charset="0"/>
+              </a:rPr>
+              <a:t>, then click “</a:t>
+            </a:r>
+            <a:r>
+              <a:rPr lang="en-US" dirty="0" smtClean="0">
+                <a:latin typeface="Calibri" panose="020F0502020204030204" pitchFamily="34" charset="0"/>
+                <a:ea typeface="Calibri" panose="020F0502020204030204" pitchFamily="34" charset="0"/>
+                <a:cs typeface="Times New Roman" panose="02020603050405020304" pitchFamily="18" charset="0"/>
+              </a:rPr>
+              <a:t>Apply” to generate a .</a:t>
+            </a:r>
+            <a:r>
+              <a:rPr lang="en-US" dirty="0" err="1" smtClean="0">
+                <a:latin typeface="Calibri" panose="020F0502020204030204" pitchFamily="34" charset="0"/>
+                <a:ea typeface="Calibri" panose="020F0502020204030204" pitchFamily="34" charset="0"/>
+                <a:cs typeface="Times New Roman" panose="02020603050405020304" pitchFamily="18" charset="0"/>
+              </a:rPr>
+              <a:t>arff</a:t>
+            </a:r>
+            <a:r>
+              <a:rPr lang="en-US" dirty="0" smtClean="0">
+                <a:latin typeface="Calibri" panose="020F0502020204030204" pitchFamily="34" charset="0"/>
+                <a:ea typeface="Calibri" panose="020F0502020204030204" pitchFamily="34" charset="0"/>
+                <a:cs typeface="Times New Roman" panose="02020603050405020304" pitchFamily="18" charset="0"/>
+              </a:rPr>
+              <a:t> </a:t>
+            </a:r>
+          </a:p>
+          <a:p>
+            <a:pPr marL="342900" marR="0" lvl="0" indent="-342900">
+              <a:lnSpc>
+                <a:spcPct val="107000"/>
+              </a:lnSpc>
+              <a:spcBef>
+                <a:spcPts val="0"/>
+              </a:spcBef>
+              <a:spcAft>
+                <a:spcPts val="0"/>
+              </a:spcAft>
+              <a:buFont typeface="+mj-lt"/>
+              <a:buAutoNum type="arabicPeriod"/>
+            </a:pPr>
+            <a:r>
+              <a:rPr lang="en-US" dirty="0" smtClean="0">
+                <a:latin typeface="Calibri" panose="020F0502020204030204" pitchFamily="34" charset="0"/>
+                <a:ea typeface="Calibri" panose="020F0502020204030204" pitchFamily="34" charset="0"/>
+                <a:cs typeface="Times New Roman" panose="02020603050405020304" pitchFamily="18" charset="0"/>
+              </a:rPr>
+              <a:t>Go </a:t>
+            </a:r>
+            <a:r>
+              <a:rPr lang="en-US" dirty="0">
+                <a:latin typeface="Calibri" panose="020F0502020204030204" pitchFamily="34" charset="0"/>
+                <a:ea typeface="Calibri" panose="020F0502020204030204" pitchFamily="34" charset="0"/>
+                <a:cs typeface="Times New Roman" panose="02020603050405020304" pitchFamily="18" charset="0"/>
+              </a:rPr>
+              <a:t>to the “Classify” tab and click the “Choose” </a:t>
+            </a:r>
+            <a:r>
+              <a:rPr lang="en-US" dirty="0" smtClean="0">
+                <a:latin typeface="Calibri" panose="020F0502020204030204" pitchFamily="34" charset="0"/>
+                <a:ea typeface="Calibri" panose="020F0502020204030204" pitchFamily="34" charset="0"/>
+                <a:cs typeface="Times New Roman" panose="02020603050405020304" pitchFamily="18" charset="0"/>
+              </a:rPr>
+              <a:t>button. </a:t>
+            </a:r>
+            <a:r>
+              <a:rPr lang="en-US" dirty="0">
+                <a:latin typeface="Calibri" panose="020F0502020204030204" pitchFamily="34" charset="0"/>
+                <a:ea typeface="Calibri" panose="020F0502020204030204" pitchFamily="34" charset="0"/>
+                <a:cs typeface="Times New Roman" panose="02020603050405020304" pitchFamily="18" charset="0"/>
+              </a:rPr>
+              <a:t> </a:t>
+            </a:r>
+            <a:r>
+              <a:rPr lang="en-US" dirty="0" smtClean="0">
+                <a:latin typeface="Calibri" panose="020F0502020204030204" pitchFamily="34" charset="0"/>
+                <a:ea typeface="Calibri" panose="020F0502020204030204" pitchFamily="34" charset="0"/>
+                <a:cs typeface="Times New Roman" panose="02020603050405020304" pitchFamily="18" charset="0"/>
+              </a:rPr>
+              <a:t>Choose “</a:t>
+            </a:r>
+            <a:r>
+              <a:rPr lang="en-US" dirty="0" err="1">
+                <a:latin typeface="Calibri" panose="020F0502020204030204" pitchFamily="34" charset="0"/>
+                <a:ea typeface="Calibri" panose="020F0502020204030204" pitchFamily="34" charset="0"/>
+                <a:cs typeface="Times New Roman" panose="02020603050405020304" pitchFamily="18" charset="0"/>
+              </a:rPr>
+              <a:t>SimpleLogistic</a:t>
+            </a:r>
+            <a:r>
+              <a:rPr lang="en-US" dirty="0">
+                <a:latin typeface="Calibri" panose="020F0502020204030204" pitchFamily="34" charset="0"/>
+                <a:ea typeface="Calibri" panose="020F0502020204030204" pitchFamily="34" charset="0"/>
+                <a:cs typeface="Times New Roman" panose="02020603050405020304" pitchFamily="18" charset="0"/>
+              </a:rPr>
+              <a:t>” classifiers under “functions”.</a:t>
+            </a:r>
+          </a:p>
+          <a:p>
+            <a:pPr marL="342900" marR="0" lvl="0" indent="-342900">
+              <a:lnSpc>
+                <a:spcPct val="107000"/>
+              </a:lnSpc>
+              <a:spcBef>
+                <a:spcPts val="0"/>
+              </a:spcBef>
+              <a:spcAft>
+                <a:spcPts val="0"/>
+              </a:spcAft>
+              <a:buFont typeface="+mj-lt"/>
+              <a:buAutoNum type="arabicPeriod"/>
+            </a:pPr>
+            <a:r>
+              <a:rPr lang="en-US" dirty="0" smtClean="0">
+                <a:latin typeface="Calibri" panose="020F0502020204030204" pitchFamily="34" charset="0"/>
+                <a:ea typeface="Calibri" panose="020F0502020204030204" pitchFamily="34" charset="0"/>
+                <a:cs typeface="Times New Roman" panose="02020603050405020304" pitchFamily="18" charset="0"/>
+              </a:rPr>
+              <a:t>Run with </a:t>
+            </a:r>
+            <a:r>
+              <a:rPr lang="en-US" dirty="0">
+                <a:latin typeface="Calibri" panose="020F0502020204030204" pitchFamily="34" charset="0"/>
+                <a:ea typeface="Calibri" panose="020F0502020204030204" pitchFamily="34" charset="0"/>
+                <a:cs typeface="Times New Roman" panose="02020603050405020304" pitchFamily="18" charset="0"/>
+              </a:rPr>
+              <a:t>default settings </a:t>
+            </a:r>
+            <a:r>
+              <a:rPr lang="en-US" dirty="0" smtClean="0">
+                <a:latin typeface="Calibri" panose="020F0502020204030204" pitchFamily="34" charset="0"/>
+                <a:ea typeface="Calibri" panose="020F0502020204030204" pitchFamily="34" charset="0"/>
+                <a:cs typeface="Times New Roman" panose="02020603050405020304" pitchFamily="18" charset="0"/>
+              </a:rPr>
+              <a:t>and </a:t>
+            </a:r>
+            <a:r>
+              <a:rPr lang="en-US" dirty="0">
+                <a:latin typeface="Calibri" panose="020F0502020204030204" pitchFamily="34" charset="0"/>
+                <a:ea typeface="Calibri" panose="020F0502020204030204" pitchFamily="34" charset="0"/>
+                <a:cs typeface="Times New Roman" panose="02020603050405020304" pitchFamily="18" charset="0"/>
+              </a:rPr>
+              <a:t>10-fold </a:t>
+            </a:r>
+            <a:r>
+              <a:rPr lang="en-US" dirty="0" smtClean="0">
+                <a:latin typeface="Calibri" panose="020F0502020204030204" pitchFamily="34" charset="0"/>
+                <a:ea typeface="Calibri" panose="020F0502020204030204" pitchFamily="34" charset="0"/>
+                <a:cs typeface="Times New Roman" panose="02020603050405020304" pitchFamily="18" charset="0"/>
+              </a:rPr>
+              <a:t>cross-validation.</a:t>
+            </a:r>
+            <a:endParaRPr lang="en-US" dirty="0">
+              <a:latin typeface="Calibri" panose="020F0502020204030204" pitchFamily="34" charset="0"/>
+              <a:ea typeface="Calibri" panose="020F0502020204030204" pitchFamily="34" charset="0"/>
+              <a:cs typeface="Times New Roman" panose="02020603050405020304" pitchFamily="18" charset="0"/>
+            </a:endParaRPr>
+          </a:p>
+          <a:p>
+            <a:pPr marL="342900" marR="0" lvl="0" indent="-342900">
+              <a:lnSpc>
+                <a:spcPct val="107000"/>
+              </a:lnSpc>
+              <a:spcBef>
+                <a:spcPts val="0"/>
+              </a:spcBef>
+              <a:spcAft>
+                <a:spcPts val="0"/>
+              </a:spcAft>
+              <a:buFont typeface="+mj-lt"/>
+              <a:buAutoNum type="arabicPeriod"/>
+            </a:pPr>
+            <a:r>
+              <a:rPr lang="en-US" dirty="0" smtClean="0">
+                <a:latin typeface="Calibri" panose="020F0502020204030204" pitchFamily="34" charset="0"/>
+                <a:ea typeface="Calibri" panose="020F0502020204030204" pitchFamily="34" charset="0"/>
+                <a:cs typeface="Times New Roman" panose="02020603050405020304" pitchFamily="18" charset="0"/>
+              </a:rPr>
+              <a:t>Include the results </a:t>
+            </a:r>
+            <a:r>
+              <a:rPr lang="en-US" dirty="0">
+                <a:latin typeface="Calibri" panose="020F0502020204030204" pitchFamily="34" charset="0"/>
+                <a:ea typeface="Calibri" panose="020F0502020204030204" pitchFamily="34" charset="0"/>
+                <a:cs typeface="Times New Roman" panose="02020603050405020304" pitchFamily="18" charset="0"/>
+              </a:rPr>
+              <a:t>summary and confusion </a:t>
+            </a:r>
+            <a:r>
+              <a:rPr lang="en-US" dirty="0" smtClean="0">
+                <a:latin typeface="Calibri" panose="020F0502020204030204" pitchFamily="34" charset="0"/>
+                <a:ea typeface="Calibri" panose="020F0502020204030204" pitchFamily="34" charset="0"/>
+                <a:cs typeface="Times New Roman" panose="02020603050405020304" pitchFamily="18" charset="0"/>
+              </a:rPr>
+              <a:t>matrix in your report</a:t>
+            </a:r>
+            <a:endParaRPr lang="en-US" dirty="0">
+              <a:latin typeface="Calibri" panose="020F0502020204030204" pitchFamily="34" charset="0"/>
+              <a:ea typeface="Calibri" panose="020F0502020204030204" pitchFamily="34" charset="0"/>
+              <a:cs typeface="Times New Roman" panose="02020603050405020304" pitchFamily="18" charset="0"/>
+            </a:endParaRPr>
+          </a:p>
+          <a:p>
+            <a:pPr marL="342900" marR="0" lvl="0" indent="-342900">
+              <a:lnSpc>
+                <a:spcPct val="107000"/>
+              </a:lnSpc>
+              <a:spcBef>
+                <a:spcPts val="0"/>
+              </a:spcBef>
+              <a:spcAft>
+                <a:spcPts val="0"/>
+              </a:spcAft>
+              <a:buFont typeface="+mj-lt"/>
+              <a:buAutoNum type="arabicPeriod"/>
+            </a:pPr>
+            <a:r>
+              <a:rPr lang="en-US" dirty="0">
+                <a:latin typeface="Calibri" panose="020F0502020204030204" pitchFamily="34" charset="0"/>
+                <a:ea typeface="Calibri" panose="020F0502020204030204" pitchFamily="34" charset="0"/>
+                <a:cs typeface="Times New Roman" panose="02020603050405020304" pitchFamily="18" charset="0"/>
+              </a:rPr>
+              <a:t>Right-click in the result list </a:t>
+            </a:r>
+            <a:r>
+              <a:rPr lang="en-US" dirty="0" smtClean="0">
+                <a:latin typeface="Calibri" panose="020F0502020204030204" pitchFamily="34" charset="0"/>
+                <a:ea typeface="Calibri" panose="020F0502020204030204" pitchFamily="34" charset="0"/>
+                <a:cs typeface="Times New Roman" panose="02020603050405020304" pitchFamily="18" charset="0"/>
+              </a:rPr>
+              <a:t>to open visualization options.  Include class-specific ROC curves in your report.</a:t>
+            </a:r>
+            <a:endParaRPr lang="en-US" dirty="0">
+              <a:latin typeface="Calibri" panose="020F0502020204030204" pitchFamily="34" charset="0"/>
+              <a:ea typeface="Calibri" panose="020F0502020204030204" pitchFamily="34" charset="0"/>
+              <a:cs typeface="Times New Roman" panose="02020603050405020304" pitchFamily="18" charset="0"/>
+            </a:endParaRPr>
+          </a:p>
+          <a:p>
+            <a:pPr marL="342900" marR="0" lvl="0" indent="-342900">
+              <a:lnSpc>
+                <a:spcPct val="107000"/>
+              </a:lnSpc>
+              <a:spcBef>
+                <a:spcPts val="0"/>
+              </a:spcBef>
+              <a:spcAft>
+                <a:spcPts val="0"/>
+              </a:spcAft>
+              <a:buFont typeface="+mj-lt"/>
+              <a:buAutoNum type="arabicPeriod"/>
+            </a:pPr>
+            <a:r>
+              <a:rPr lang="en-US" dirty="0" smtClean="0">
+                <a:latin typeface="Calibri" panose="020F0502020204030204" pitchFamily="34" charset="0"/>
+                <a:ea typeface="Calibri" panose="020F0502020204030204" pitchFamily="34" charset="0"/>
+                <a:cs typeface="Times New Roman" panose="02020603050405020304" pitchFamily="18" charset="0"/>
+              </a:rPr>
+              <a:t>Return </a:t>
+            </a:r>
+            <a:r>
+              <a:rPr lang="en-US" dirty="0">
+                <a:latin typeface="Calibri" panose="020F0502020204030204" pitchFamily="34" charset="0"/>
+                <a:ea typeface="Calibri" panose="020F0502020204030204" pitchFamily="34" charset="0"/>
+                <a:cs typeface="Times New Roman" panose="02020603050405020304" pitchFamily="18" charset="0"/>
+              </a:rPr>
+              <a:t>to the “Classify” tab </a:t>
+            </a:r>
+            <a:r>
+              <a:rPr lang="en-US" dirty="0" smtClean="0">
+                <a:latin typeface="Calibri" panose="020F0502020204030204" pitchFamily="34" charset="0"/>
+                <a:ea typeface="Calibri" panose="020F0502020204030204" pitchFamily="34" charset="0"/>
+                <a:cs typeface="Times New Roman" panose="02020603050405020304" pitchFamily="18" charset="0"/>
+              </a:rPr>
+              <a:t>and “Logistic” </a:t>
+            </a:r>
+            <a:r>
+              <a:rPr lang="en-US" dirty="0">
+                <a:latin typeface="Calibri" panose="020F0502020204030204" pitchFamily="34" charset="0"/>
+                <a:ea typeface="Calibri" panose="020F0502020204030204" pitchFamily="34" charset="0"/>
+                <a:cs typeface="Times New Roman" panose="02020603050405020304" pitchFamily="18" charset="0"/>
+              </a:rPr>
+              <a:t>classifiers under “functions”.</a:t>
+            </a:r>
+          </a:p>
+          <a:p>
+            <a:pPr marL="342900" marR="0" lvl="0" indent="-342900">
+              <a:lnSpc>
+                <a:spcPct val="107000"/>
+              </a:lnSpc>
+              <a:spcBef>
+                <a:spcPts val="0"/>
+              </a:spcBef>
+              <a:spcAft>
+                <a:spcPts val="0"/>
+              </a:spcAft>
+              <a:buFont typeface="+mj-lt"/>
+              <a:buAutoNum type="arabicPeriod"/>
+            </a:pPr>
+            <a:r>
+              <a:rPr lang="en-US" dirty="0">
+                <a:latin typeface="Calibri" panose="020F0502020204030204" pitchFamily="34" charset="0"/>
+                <a:ea typeface="Calibri" panose="020F0502020204030204" pitchFamily="34" charset="0"/>
+                <a:cs typeface="Times New Roman" panose="02020603050405020304" pitchFamily="18" charset="0"/>
+              </a:rPr>
+              <a:t>Run with default settings and 10-fold cross-validation.</a:t>
+            </a:r>
+          </a:p>
+          <a:p>
+            <a:pPr marL="342900" marR="0" lvl="0" indent="-342900">
+              <a:lnSpc>
+                <a:spcPct val="107000"/>
+              </a:lnSpc>
+              <a:spcBef>
+                <a:spcPts val="0"/>
+              </a:spcBef>
+              <a:spcAft>
+                <a:spcPts val="0"/>
+              </a:spcAft>
+              <a:buFont typeface="+mj-lt"/>
+              <a:buAutoNum type="arabicPeriod"/>
+            </a:pPr>
+            <a:r>
+              <a:rPr lang="en-US" dirty="0">
+                <a:latin typeface="Calibri" panose="020F0502020204030204" pitchFamily="34" charset="0"/>
+                <a:ea typeface="Calibri" panose="020F0502020204030204" pitchFamily="34" charset="0"/>
+                <a:cs typeface="Times New Roman" panose="02020603050405020304" pitchFamily="18" charset="0"/>
+              </a:rPr>
+              <a:t>Include the results summary and confusion matrix in your </a:t>
+            </a:r>
+            <a:r>
+              <a:rPr lang="en-US" dirty="0" smtClean="0">
+                <a:latin typeface="Calibri" panose="020F0502020204030204" pitchFamily="34" charset="0"/>
+                <a:ea typeface="Calibri" panose="020F0502020204030204" pitchFamily="34" charset="0"/>
+                <a:cs typeface="Times New Roman" panose="02020603050405020304" pitchFamily="18" charset="0"/>
+              </a:rPr>
+              <a:t>report</a:t>
+            </a:r>
+          </a:p>
+          <a:p>
+            <a:pPr marL="342900" indent="-342900">
+              <a:lnSpc>
+                <a:spcPct val="107000"/>
+              </a:lnSpc>
+              <a:buFont typeface="+mj-lt"/>
+              <a:buAutoNum type="arabicPeriod"/>
+            </a:pPr>
+            <a:r>
+              <a:rPr lang="en-US" dirty="0"/>
+              <a:t>The secret to the success of Simple Logistics may be its automatic attribute selection.   </a:t>
+            </a:r>
+            <a:r>
+              <a:rPr lang="en-US" dirty="0" smtClean="0"/>
+              <a:t>In the output for Simple Logistics, find the attributes in be base case.  </a:t>
+            </a:r>
+            <a:r>
+              <a:rPr lang="en-US" dirty="0"/>
+              <a:t>M</a:t>
+            </a:r>
+            <a:r>
+              <a:rPr lang="en-US" dirty="0" smtClean="0"/>
+              <a:t>odify </a:t>
+            </a:r>
+            <a:r>
+              <a:rPr lang="en-US" dirty="0"/>
+              <a:t>the excel file of logistic data to include only these attributes and rerun the Logistics </a:t>
+            </a:r>
+            <a:r>
+              <a:rPr lang="en-US" dirty="0" smtClean="0"/>
+              <a:t>case</a:t>
+            </a:r>
+            <a:r>
+              <a:rPr lang="en-US" dirty="0">
+                <a:latin typeface="Calibri" panose="020F0502020204030204" pitchFamily="34" charset="0"/>
+                <a:ea typeface="Calibri" panose="020F0502020204030204" pitchFamily="34" charset="0"/>
+                <a:cs typeface="Times New Roman" panose="02020603050405020304" pitchFamily="18" charset="0"/>
+              </a:rPr>
+              <a:t> with default settings and 10-fold cross-validation</a:t>
+            </a:r>
+            <a:r>
+              <a:rPr lang="en-US" dirty="0" smtClean="0"/>
+              <a:t>. </a:t>
+            </a:r>
+            <a:r>
+              <a:rPr lang="en-US" dirty="0">
+                <a:latin typeface="Calibri" panose="020F0502020204030204" pitchFamily="34" charset="0"/>
+                <a:ea typeface="Calibri" panose="020F0502020204030204" pitchFamily="34" charset="0"/>
+                <a:cs typeface="Times New Roman" panose="02020603050405020304" pitchFamily="18" charset="0"/>
+              </a:rPr>
+              <a:t>Include the results summary and confusion matrix in your </a:t>
+            </a:r>
+            <a:r>
+              <a:rPr lang="en-US" dirty="0" smtClean="0">
+                <a:latin typeface="Calibri" panose="020F0502020204030204" pitchFamily="34" charset="0"/>
+                <a:ea typeface="Calibri" panose="020F0502020204030204" pitchFamily="34" charset="0"/>
+                <a:cs typeface="Times New Roman" panose="02020603050405020304" pitchFamily="18" charset="0"/>
+              </a:rPr>
+              <a:t>report</a:t>
+            </a:r>
+            <a:r>
+              <a:rPr lang="en-US" dirty="0">
+                <a:latin typeface="Calibri" panose="020F0502020204030204" pitchFamily="34" charset="0"/>
+                <a:ea typeface="Calibri" panose="020F0502020204030204" pitchFamily="34" charset="0"/>
+                <a:cs typeface="Times New Roman" panose="02020603050405020304" pitchFamily="18" charset="0"/>
+              </a:rPr>
+              <a:t>.</a:t>
+            </a:r>
+          </a:p>
+        </p:txBody>
+      </p:sp>
+    </p:spTree>
+    <p:extLst>
+      <p:ext uri="{BB962C8B-B14F-4D97-AF65-F5344CB8AC3E}">
+        <p14:creationId xmlns:p14="http://schemas.microsoft.com/office/powerpoint/2010/main" val="2295345343"/>
+      </p:ext>
+    </p:extLst>
+  </p:cSld>
+  <p:clrMapOvr>
+    <a:masterClrMapping/>
+  </p:clrMapOvr>
+  <p:timing>
+    <p:tnLst>
+      <p:par>
+        <p:cTn id="1" dur="indefinite" restart="never" nodeType="tmRoot"/>
+      </p:par>
+    </p:tnLst>
+  </p:timing>
+</p:sld>
+</file>
+
+<file path=ppt/slides/slide45.xml><?xml version="1.0" encoding="utf-8"?>
+<p:sld xmlns:a="http://schemas.openxmlformats.org/drawingml/2006/main" xmlns:r="http://schemas.openxmlformats.org/officeDocument/2006/relationships" xmlns:p="http://schemas.openxmlformats.org/presentationml/2006/main">
+  <p:cSld>
+    <p:spTree>
+      <p:nvGrpSpPr>
+        <p:cNvPr id="1" name=""/>
+        <p:cNvGrpSpPr/>
+        <p:nvPr/>
+      </p:nvGrpSpPr>
+      <p:grpSpPr>
+        <a:xfrm>
+          <a:off x="0" y="0"/>
+          <a:ext cx="0" cy="0"/>
+          <a:chOff x="0" y="0"/>
+          <a:chExt cx="0" cy="0"/>
+        </a:xfrm>
+      </p:grpSpPr>
+      <p:pic>
+        <p:nvPicPr>
+          <p:cNvPr id="3" name="Picture 2"/>
+          <p:cNvPicPr>
+            <a:picLocks noChangeAspect="1"/>
+          </p:cNvPicPr>
+          <p:nvPr/>
+        </p:nvPicPr>
+        <p:blipFill>
+          <a:blip r:embed="rId2">
+            <a:extLst>
+              <a:ext uri="{28A0092B-C50C-407E-A947-70E740481C1C}">
+                <a14:useLocalDpi xmlns:a14="http://schemas.microsoft.com/office/drawing/2010/main" val="0"/>
+              </a:ext>
+            </a:extLst>
+          </a:blip>
+          <a:stretch>
+            <a:fillRect/>
+          </a:stretch>
+        </p:blipFill>
+        <p:spPr>
+          <a:xfrm>
+            <a:off x="681215" y="2191872"/>
+            <a:ext cx="10446223" cy="2279176"/>
+          </a:xfrm>
+          <a:prstGeom prst="rect">
+            <a:avLst/>
+          </a:prstGeom>
+        </p:spPr>
+      </p:pic>
+      <p:sp>
+        <p:nvSpPr>
+          <p:cNvPr id="4" name="TextBox 3"/>
+          <p:cNvSpPr txBox="1"/>
+          <p:nvPr/>
+        </p:nvSpPr>
+        <p:spPr>
+          <a:xfrm>
+            <a:off x="4598894" y="847165"/>
+            <a:ext cx="2276329" cy="369332"/>
+          </a:xfrm>
+          <a:prstGeom prst="rect">
+            <a:avLst/>
+          </a:prstGeom>
+          <a:noFill/>
+        </p:spPr>
+        <p:txBody>
+          <a:bodyPr wrap="none" rtlCol="0">
+            <a:spAutoFit/>
+          </a:bodyPr>
+          <a:lstStyle/>
+          <a:p>
+            <a:r>
+              <a:rPr lang="en-US" dirty="0" smtClean="0"/>
+              <a:t>Weka’s </a:t>
+            </a:r>
+            <a:r>
+              <a:rPr lang="en-US" smtClean="0"/>
+              <a:t>Simple Logistic</a:t>
+            </a:r>
+            <a:endParaRPr lang="en-US"/>
+          </a:p>
+        </p:txBody>
+      </p:sp>
+    </p:spTree>
+    <p:extLst>
+      <p:ext uri="{BB962C8B-B14F-4D97-AF65-F5344CB8AC3E}">
+        <p14:creationId xmlns:p14="http://schemas.microsoft.com/office/powerpoint/2010/main" val="3248854847"/>
+      </p:ext>
+    </p:extLst>
+  </p:cSld>
+  <p:clrMapOvr>
+    <a:masterClrMapping/>
+  </p:clrMapOvr>
+  <p:timing>
+    <p:tnLst>
+      <p:par>
+        <p:cTn id="1" dur="indefinite" restart="never" nodeType="tmRoot"/>
+      </p:par>
+    </p:tnLst>
+  </p:timing>
+</p:sld>
+</file>
+
+<file path=ppt/slides/slide46.xml><?xml version="1.0" encoding="utf-8"?>
+<p:sld xmlns:a="http://schemas.openxmlformats.org/drawingml/2006/main" xmlns:r="http://schemas.openxmlformats.org/officeDocument/2006/relationships" xmlns:p="http://schemas.openxmlformats.org/presentationml/2006/main">
+  <p:cSld>
+    <p:spTree>
+      <p:nvGrpSpPr>
+        <p:cNvPr id="1" name=""/>
+        <p:cNvGrpSpPr/>
+        <p:nvPr/>
+      </p:nvGrpSpPr>
+      <p:grpSpPr>
+        <a:xfrm>
+          <a:off x="0" y="0"/>
+          <a:ext cx="0" cy="0"/>
+          <a:chOff x="0" y="0"/>
+          <a:chExt cx="0" cy="0"/>
+        </a:xfrm>
+      </p:grpSpPr>
+      <p:pic>
+        <p:nvPicPr>
+          <p:cNvPr id="2" name="Picture 1"/>
+          <p:cNvPicPr>
+            <a:picLocks noChangeAspect="1"/>
+          </p:cNvPicPr>
+          <p:nvPr/>
+        </p:nvPicPr>
+        <p:blipFill>
+          <a:blip r:embed="rId2">
+            <a:extLst>
+              <a:ext uri="{28A0092B-C50C-407E-A947-70E740481C1C}">
+                <a14:useLocalDpi xmlns:a14="http://schemas.microsoft.com/office/drawing/2010/main" val="0"/>
+              </a:ext>
+            </a:extLst>
+          </a:blip>
+          <a:stretch>
+            <a:fillRect/>
+          </a:stretch>
+        </p:blipFill>
+        <p:spPr>
+          <a:xfrm>
+            <a:off x="1542600" y="832401"/>
+            <a:ext cx="9628094" cy="5841645"/>
+          </a:xfrm>
+          <a:prstGeom prst="rect">
+            <a:avLst/>
+          </a:prstGeom>
+        </p:spPr>
+      </p:pic>
+      <p:sp>
+        <p:nvSpPr>
+          <p:cNvPr id="4" name="Rectangle 3"/>
+          <p:cNvSpPr/>
+          <p:nvPr/>
+        </p:nvSpPr>
+        <p:spPr>
+          <a:xfrm>
+            <a:off x="1542600" y="3753223"/>
+            <a:ext cx="5512541" cy="2840524"/>
+          </a:xfrm>
+          <a:prstGeom prst="rect">
+            <a:avLst/>
+          </a:prstGeom>
+          <a:solidFill>
+            <a:schemeClr val="bg1"/>
+          </a:solidFill>
+          <a:ln>
+            <a:noFill/>
+          </a:ln>
+        </p:spPr>
+        <p:style>
+          <a:lnRef idx="2">
+            <a:schemeClr val="accent1">
+              <a:shade val="50000"/>
+            </a:schemeClr>
+          </a:lnRef>
+          <a:fillRef idx="1">
+            <a:schemeClr val="accent1"/>
+          </a:fillRef>
+          <a:effectRef idx="0">
+            <a:schemeClr val="accent1"/>
+          </a:effectRef>
+          <a:fontRef idx="minor">
+            <a:schemeClr val="lt1"/>
+          </a:fontRef>
+        </p:style>
+        <p:txBody>
+          <a:bodyPr rtlCol="0" anchor="ctr"/>
+          <a:lstStyle/>
+          <a:p>
+            <a:pPr algn="ctr"/>
+            <a:endParaRPr lang="en-US"/>
+          </a:p>
+        </p:txBody>
+      </p:sp>
+      <p:pic>
+        <p:nvPicPr>
+          <p:cNvPr id="3" name="Picture 2" descr="E:\CS 483_580\2014\pictures from lecture 9\logistics function and graph.png"/>
+          <p:cNvPicPr>
+            <a:picLocks noChangeAspect="1" noChangeArrowheads="1"/>
+          </p:cNvPicPr>
+          <p:nvPr/>
+        </p:nvPicPr>
+        <p:blipFill>
+          <a:blip r:embed="rId3">
+            <a:extLst>
+              <a:ext uri="{28A0092B-C50C-407E-A947-70E740481C1C}">
+                <a14:useLocalDpi xmlns:a14="http://schemas.microsoft.com/office/drawing/2010/main" val="0"/>
+              </a:ext>
+            </a:extLst>
+          </a:blip>
+          <a:srcRect/>
+          <a:stretch>
+            <a:fillRect/>
+          </a:stretch>
+        </p:blipFill>
+        <p:spPr bwMode="auto">
+          <a:xfrm>
+            <a:off x="1602230" y="3896914"/>
+            <a:ext cx="7242629" cy="2055340"/>
+          </a:xfrm>
+          <a:prstGeom prst="rect">
+            <a:avLst/>
+          </a:prstGeom>
+          <a:noFill/>
+          <a:extLst>
+            <a:ext uri="{909E8E84-426E-40DD-AFC4-6F175D3DCCD1}">
+              <a14:hiddenFill xmlns:a14="http://schemas.microsoft.com/office/drawing/2010/main">
+                <a:solidFill>
+                  <a:srgbClr val="FFFFFF"/>
+                </a:solidFill>
+              </a14:hiddenFill>
+            </a:ext>
+          </a:extLst>
+        </p:spPr>
+      </p:pic>
+      <p:sp>
+        <p:nvSpPr>
+          <p:cNvPr id="7" name="TextBox 6"/>
+          <p:cNvSpPr txBox="1"/>
+          <p:nvPr/>
+        </p:nvSpPr>
+        <p:spPr>
+          <a:xfrm>
+            <a:off x="4298870" y="391224"/>
+            <a:ext cx="2657202" cy="369332"/>
+          </a:xfrm>
+          <a:prstGeom prst="rect">
+            <a:avLst/>
+          </a:prstGeom>
+          <a:noFill/>
+        </p:spPr>
+        <p:txBody>
+          <a:bodyPr wrap="none" rtlCol="0">
+            <a:spAutoFit/>
+          </a:bodyPr>
+          <a:lstStyle/>
+          <a:p>
+            <a:r>
+              <a:rPr lang="en-US" dirty="0" smtClean="0"/>
+              <a:t>Weka’s Logistic Regression</a:t>
+            </a:r>
+            <a:endParaRPr lang="en-US" dirty="0"/>
+          </a:p>
+        </p:txBody>
+      </p:sp>
+    </p:spTree>
+    <p:extLst>
+      <p:ext uri="{BB962C8B-B14F-4D97-AF65-F5344CB8AC3E}">
+        <p14:creationId xmlns:p14="http://schemas.microsoft.com/office/powerpoint/2010/main" val="1224842308"/>
+      </p:ext>
+    </p:extLst>
+  </p:cSld>
+  <p:clrMapOvr>
+    <a:masterClrMapping/>
+  </p:clrMapOvr>
+  <p:timing>
+    <p:tnLst>
+      <p:par>
+        <p:cTn id="1" dur="indefinite" restart="never" nodeType="tmRoot"/>
+      </p:par>
+    </p:tnLst>
+  </p:timing>
+</p:sld>
+</file>
+
+<file path=ppt/slides/slide47.xml><?xml version="1.0" encoding="utf-8"?>
+<p:sld xmlns:a="http://schemas.openxmlformats.org/drawingml/2006/main" xmlns:r="http://schemas.openxmlformats.org/officeDocument/2006/relationships" xmlns:p="http://schemas.openxmlformats.org/presentationml/2006/main">
+  <p:cSld>
+    <p:spTree>
+      <p:nvGrpSpPr>
+        <p:cNvPr id="1" name=""/>
+        <p:cNvGrpSpPr/>
+        <p:nvPr/>
+      </p:nvGrpSpPr>
+      <p:grpSpPr>
+        <a:xfrm>
+          <a:off x="0" y="0"/>
+          <a:ext cx="0" cy="0"/>
+          <a:chOff x="0" y="0"/>
+          <a:chExt cx="0" cy="0"/>
+        </a:xfrm>
+      </p:grpSpPr>
+      <p:sp>
+        <p:nvSpPr>
+          <p:cNvPr id="4" name="TextBox 3"/>
+          <p:cNvSpPr txBox="1"/>
+          <p:nvPr/>
+        </p:nvSpPr>
+        <p:spPr>
+          <a:xfrm>
+            <a:off x="2949146" y="2875005"/>
+            <a:ext cx="5949321" cy="523220"/>
+          </a:xfrm>
+          <a:prstGeom prst="rect">
+            <a:avLst/>
+          </a:prstGeom>
+          <a:noFill/>
+        </p:spPr>
+        <p:txBody>
+          <a:bodyPr wrap="none" rtlCol="0">
+            <a:spAutoFit/>
+          </a:bodyPr>
+          <a:lstStyle/>
+          <a:p>
+            <a:r>
+              <a:rPr lang="en-US" sz="2800" dirty="0" smtClean="0"/>
+              <a:t>More on multidimensional optimization</a:t>
+            </a:r>
+            <a:endParaRPr lang="en-US" sz="2800" dirty="0"/>
+          </a:p>
+        </p:txBody>
+      </p:sp>
+    </p:spTree>
+    <p:extLst>
+      <p:ext uri="{BB962C8B-B14F-4D97-AF65-F5344CB8AC3E}">
+        <p14:creationId xmlns:p14="http://schemas.microsoft.com/office/powerpoint/2010/main" val="1662094070"/>
+      </p:ext>
+    </p:extLst>
+  </p:cSld>
+  <p:clrMapOvr>
+    <a:masterClrMapping/>
+  </p:clrMapOvr>
+  <p:timing>
+    <p:tnLst>
+      <p:par>
+        <p:cTn id="1" dur="indefinite" restart="never" nodeType="tmRoot"/>
+      </p:par>
+    </p:tnLst>
+  </p:timing>
+</p:sld>
+</file>
+
+<file path=ppt/slides/slide48.xml><?xml version="1.0" encoding="utf-8"?>
+<p:sld xmlns:a="http://schemas.openxmlformats.org/drawingml/2006/main" xmlns:r="http://schemas.openxmlformats.org/officeDocument/2006/relationships" xmlns:p="http://schemas.openxmlformats.org/presentationml/2006/main">
+  <p:cSld>
+    <p:spTree>
+      <p:nvGrpSpPr>
+        <p:cNvPr id="1" name=""/>
+        <p:cNvGrpSpPr/>
+        <p:nvPr/>
+      </p:nvGrpSpPr>
+      <p:grpSpPr>
+        <a:xfrm>
+          <a:off x="0" y="0"/>
+          <a:ext cx="0" cy="0"/>
+          <a:chOff x="0" y="0"/>
+          <a:chExt cx="0" cy="0"/>
+        </a:xfrm>
+      </p:grpSpPr>
+      <p:sp>
+        <p:nvSpPr>
+          <p:cNvPr id="3" name="TextBox 2"/>
+          <p:cNvSpPr txBox="1"/>
+          <p:nvPr/>
+        </p:nvSpPr>
+        <p:spPr>
+          <a:xfrm>
+            <a:off x="1342767" y="787104"/>
+            <a:ext cx="8312788" cy="523220"/>
+          </a:xfrm>
+          <a:prstGeom prst="rect">
+            <a:avLst/>
+          </a:prstGeom>
+          <a:noFill/>
+        </p:spPr>
+        <p:txBody>
+          <a:bodyPr wrap="none" rtlCol="0">
+            <a:spAutoFit/>
+          </a:bodyPr>
+          <a:lstStyle/>
+          <a:p>
+            <a:r>
+              <a:rPr lang="en-US" sz="2800" dirty="0" smtClean="0"/>
+              <a:t>Improving convergence of gradient decent (e-chapter 7)</a:t>
+            </a:r>
+          </a:p>
+        </p:txBody>
+      </p:sp>
+      <p:sp>
+        <p:nvSpPr>
+          <p:cNvPr id="4" name="TextBox 3"/>
+          <p:cNvSpPr txBox="1"/>
+          <p:nvPr/>
+        </p:nvSpPr>
+        <p:spPr>
+          <a:xfrm>
+            <a:off x="1696994" y="1170599"/>
+            <a:ext cx="7455054" cy="461665"/>
+          </a:xfrm>
+          <a:prstGeom prst="rect">
+            <a:avLst/>
+          </a:prstGeom>
+          <a:noFill/>
+        </p:spPr>
+        <p:txBody>
+          <a:bodyPr wrap="none" rtlCol="0">
+            <a:spAutoFit/>
+          </a:bodyPr>
+          <a:lstStyle/>
+          <a:p>
+            <a:r>
+              <a:rPr lang="en-US" sz="2400" dirty="0"/>
+              <a:t>If you have access to </a:t>
+            </a:r>
+            <a:r>
+              <a:rPr lang="en-US" sz="2400" dirty="0" err="1"/>
+              <a:t>MatLab’s</a:t>
+            </a:r>
+            <a:r>
+              <a:rPr lang="en-US" sz="2400" dirty="0"/>
+              <a:t> optimization package, try </a:t>
+            </a:r>
+            <a:r>
+              <a:rPr lang="en-US" sz="2400" dirty="0" smtClean="0"/>
+              <a:t>it</a:t>
+            </a:r>
+            <a:r>
+              <a:rPr lang="en-US" dirty="0" smtClean="0"/>
+              <a:t> </a:t>
+            </a:r>
+            <a:endParaRPr lang="en-US" dirty="0"/>
+          </a:p>
+        </p:txBody>
+      </p:sp>
+      <p:pic>
+        <p:nvPicPr>
+          <p:cNvPr id="6" name="Picture 5"/>
+          <p:cNvPicPr>
+            <a:picLocks noChangeAspect="1"/>
+          </p:cNvPicPr>
+          <p:nvPr/>
+        </p:nvPicPr>
+        <p:blipFill>
+          <a:blip r:embed="rId2">
+            <a:extLst>
+              <a:ext uri="{28A0092B-C50C-407E-A947-70E740481C1C}">
+                <a14:useLocalDpi xmlns:a14="http://schemas.microsoft.com/office/drawing/2010/main" val="0"/>
+              </a:ext>
+            </a:extLst>
+          </a:blip>
+          <a:stretch>
+            <a:fillRect/>
+          </a:stretch>
+        </p:blipFill>
+        <p:spPr>
+          <a:xfrm>
+            <a:off x="1663017" y="1814671"/>
+            <a:ext cx="7523007" cy="3329103"/>
+          </a:xfrm>
+          <a:prstGeom prst="rect">
+            <a:avLst/>
+          </a:prstGeom>
+        </p:spPr>
+      </p:pic>
+      <p:sp>
+        <p:nvSpPr>
+          <p:cNvPr id="8" name="TextBox 7"/>
+          <p:cNvSpPr txBox="1"/>
+          <p:nvPr/>
+        </p:nvSpPr>
+        <p:spPr>
+          <a:xfrm>
+            <a:off x="1779373" y="5387545"/>
+            <a:ext cx="6436570" cy="461665"/>
+          </a:xfrm>
+          <a:prstGeom prst="rect">
+            <a:avLst/>
+          </a:prstGeom>
+          <a:noFill/>
+        </p:spPr>
+        <p:txBody>
+          <a:bodyPr wrap="none" rtlCol="0">
+            <a:spAutoFit/>
+          </a:bodyPr>
+          <a:lstStyle/>
+          <a:p>
+            <a:r>
+              <a:rPr lang="en-US" sz="2400" dirty="0" smtClean="0"/>
+              <a:t>Typical values: </a:t>
+            </a:r>
+            <a:r>
+              <a:rPr lang="en-US" sz="2400" dirty="0" smtClean="0">
+                <a:latin typeface="Symbol" panose="05050102010706020507" pitchFamily="18" charset="2"/>
+              </a:rPr>
+              <a:t>a</a:t>
+            </a:r>
+            <a:r>
+              <a:rPr lang="en-US" sz="2400" dirty="0" smtClean="0"/>
+              <a:t> = 1.05 to 1.1		</a:t>
+            </a:r>
+            <a:r>
+              <a:rPr lang="en-US" sz="2400" dirty="0" smtClean="0">
+                <a:latin typeface="Symbol" panose="05050102010706020507" pitchFamily="18" charset="2"/>
+              </a:rPr>
+              <a:t>b</a:t>
+            </a:r>
+            <a:r>
+              <a:rPr lang="en-US" sz="2400" dirty="0" smtClean="0"/>
+              <a:t> = 0.5 to 0.8</a:t>
+            </a:r>
+            <a:endParaRPr lang="en-US" sz="2400" dirty="0"/>
+          </a:p>
+        </p:txBody>
+      </p:sp>
+    </p:spTree>
+    <p:extLst>
+      <p:ext uri="{BB962C8B-B14F-4D97-AF65-F5344CB8AC3E}">
+        <p14:creationId xmlns:p14="http://schemas.microsoft.com/office/powerpoint/2010/main" val="2954716082"/>
+      </p:ext>
+    </p:extLst>
+  </p:cSld>
+  <p:clrMapOvr>
+    <a:masterClrMapping/>
+  </p:clrMapOvr>
+  <p:timing>
+    <p:tnLst>
+      <p:par>
+        <p:cTn id="1" dur="indefinite" restart="never" nodeType="tmRoot"/>
+      </p:par>
+    </p:tnLst>
+  </p:timing>
+</p:sld>
+</file>
+
+<file path=ppt/slides/slide49.xml><?xml version="1.0" encoding="utf-8"?>
+<p:sld xmlns:a="http://schemas.openxmlformats.org/drawingml/2006/main" xmlns:r="http://schemas.openxmlformats.org/officeDocument/2006/relationships" xmlns:p="http://schemas.openxmlformats.org/presentationml/2006/main">
+  <p:cSld>
+    <p:spTree>
+      <p:nvGrpSpPr>
+        <p:cNvPr id="1" name=""/>
+        <p:cNvGrpSpPr/>
+        <p:nvPr/>
+      </p:nvGrpSpPr>
+      <p:grpSpPr>
+        <a:xfrm>
+          <a:off x="0" y="0"/>
+          <a:ext cx="0" cy="0"/>
+          <a:chOff x="0" y="0"/>
+          <a:chExt cx="0" cy="0"/>
+        </a:xfrm>
+      </p:grpSpPr>
+      <p:pic>
+        <p:nvPicPr>
+          <p:cNvPr id="2" name="Picture 1"/>
+          <p:cNvPicPr>
+            <a:picLocks noChangeAspect="1"/>
+          </p:cNvPicPr>
+          <p:nvPr/>
+        </p:nvPicPr>
+        <p:blipFill>
+          <a:blip r:embed="rId2">
+            <a:extLst>
+              <a:ext uri="{28A0092B-C50C-407E-A947-70E740481C1C}">
+                <a14:useLocalDpi xmlns:a14="http://schemas.microsoft.com/office/drawing/2010/main" val="0"/>
+              </a:ext>
+            </a:extLst>
+          </a:blip>
+          <a:stretch>
+            <a:fillRect/>
+          </a:stretch>
+        </p:blipFill>
+        <p:spPr>
+          <a:xfrm>
+            <a:off x="969860" y="1330872"/>
+            <a:ext cx="10038095" cy="3257143"/>
+          </a:xfrm>
+          <a:prstGeom prst="rect">
+            <a:avLst/>
+          </a:prstGeom>
+        </p:spPr>
+      </p:pic>
+    </p:spTree>
+    <p:extLst>
+      <p:ext uri="{BB962C8B-B14F-4D97-AF65-F5344CB8AC3E}">
+        <p14:creationId xmlns:p14="http://schemas.microsoft.com/office/powerpoint/2010/main" val="512204939"/>
       </p:ext>
     </p:extLst>
   </p:cSld>
@@ -13906,7 +21259,7 @@
           <a:graphicData uri="http://schemas.openxmlformats.org/presentationml/2006/ole">
             <mc:AlternateContent xmlns:mc="http://schemas.openxmlformats.org/markup-compatibility/2006">
               <mc:Choice xmlns:v="urn:schemas-microsoft-com:vml" Requires="v">
-                <p:oleObj spid="_x0000_s1026" name="Equation" r:id="rId3" imgW="1485720" imgH="241200" progId="Equation.3">
+                <p:oleObj spid="_x0000_s1034" name="Equation" r:id="rId3" imgW="1485720" imgH="241200" progId="Equation.3">
                   <p:embed/>
                 </p:oleObj>
               </mc:Choice>
@@ -13986,7 +21339,7 @@
           <a:graphicData uri="http://schemas.openxmlformats.org/presentationml/2006/ole">
             <mc:AlternateContent xmlns:mc="http://schemas.openxmlformats.org/markup-compatibility/2006">
               <mc:Choice xmlns:v="urn:schemas-microsoft-com:vml" Requires="v">
-                <p:oleObj spid="_x0000_s1027" name="Equation" r:id="rId5" imgW="812520" imgH="1879560" progId="Equation.3">
+                <p:oleObj spid="_x0000_s1035" name="Equation" r:id="rId5" imgW="812520" imgH="1879560" progId="Equation.3">
                   <p:embed/>
                 </p:oleObj>
               </mc:Choice>
@@ -14445,6 +21798,1123 @@
 </p:sld>
 </file>
 
+<file path=ppt/slides/slide50.xml><?xml version="1.0" encoding="utf-8"?>
+<p:sld xmlns:a="http://schemas.openxmlformats.org/drawingml/2006/main" xmlns:r="http://schemas.openxmlformats.org/officeDocument/2006/relationships" xmlns:p="http://schemas.openxmlformats.org/presentationml/2006/main">
+  <p:cSld>
+    <p:spTree>
+      <p:nvGrpSpPr>
+        <p:cNvPr id="1" name=""/>
+        <p:cNvGrpSpPr/>
+        <p:nvPr/>
+      </p:nvGrpSpPr>
+      <p:grpSpPr>
+        <a:xfrm>
+          <a:off x="0" y="0"/>
+          <a:ext cx="0" cy="0"/>
+          <a:chOff x="0" y="0"/>
+          <a:chExt cx="0" cy="0"/>
+        </a:xfrm>
+      </p:grpSpPr>
+      <p:pic>
+        <p:nvPicPr>
+          <p:cNvPr id="2" name="Picture 1"/>
+          <p:cNvPicPr>
+            <a:picLocks noChangeAspect="1"/>
+          </p:cNvPicPr>
+          <p:nvPr/>
+        </p:nvPicPr>
+        <p:blipFill>
+          <a:blip r:embed="rId2">
+            <a:extLst>
+              <a:ext uri="{28A0092B-C50C-407E-A947-70E740481C1C}">
+                <a14:useLocalDpi xmlns:a14="http://schemas.microsoft.com/office/drawing/2010/main" val="0"/>
+              </a:ext>
+            </a:extLst>
+          </a:blip>
+          <a:stretch>
+            <a:fillRect/>
+          </a:stretch>
+        </p:blipFill>
+        <p:spPr>
+          <a:xfrm>
+            <a:off x="7327710" y="527221"/>
+            <a:ext cx="3274250" cy="6017741"/>
+          </a:xfrm>
+          <a:prstGeom prst="rect">
+            <a:avLst/>
+          </a:prstGeom>
+        </p:spPr>
+      </p:pic>
+      <p:sp>
+        <p:nvSpPr>
+          <p:cNvPr id="3" name="TextBox 2"/>
+          <p:cNvSpPr txBox="1"/>
+          <p:nvPr/>
+        </p:nvSpPr>
+        <p:spPr>
+          <a:xfrm>
+            <a:off x="970575" y="1412000"/>
+            <a:ext cx="6178936" cy="4093428"/>
+          </a:xfrm>
+          <a:prstGeom prst="rect">
+            <a:avLst/>
+          </a:prstGeom>
+          <a:noFill/>
+        </p:spPr>
+        <p:txBody>
+          <a:bodyPr wrap="none" rtlCol="0">
+            <a:spAutoFit/>
+          </a:bodyPr>
+          <a:lstStyle/>
+          <a:p>
+            <a:r>
+              <a:rPr lang="en-US" sz="2000" dirty="0" smtClean="0"/>
+              <a:t>Find </a:t>
+            </a:r>
+            <a:r>
+              <a:rPr lang="en-US" sz="2000" dirty="0" smtClean="0">
+                <a:latin typeface="Symbol" panose="05050102010706020507" pitchFamily="18" charset="2"/>
+              </a:rPr>
+              <a:t>h</a:t>
+            </a:r>
+            <a:r>
+              <a:rPr lang="en-US" sz="2000" baseline="-25000" dirty="0" smtClean="0"/>
+              <a:t>1</a:t>
+            </a:r>
+            <a:r>
+              <a:rPr lang="en-US" sz="2000" dirty="0" smtClean="0"/>
+              <a:t>, </a:t>
+            </a:r>
+            <a:r>
+              <a:rPr lang="en-US" sz="2000" dirty="0" smtClean="0">
+                <a:latin typeface="Symbol" panose="05050102010706020507" pitchFamily="18" charset="2"/>
+              </a:rPr>
+              <a:t>h</a:t>
+            </a:r>
+            <a:r>
+              <a:rPr lang="en-US" sz="2000" baseline="-25000" dirty="0" smtClean="0"/>
+              <a:t>2</a:t>
+            </a:r>
+            <a:r>
+              <a:rPr lang="en-US" sz="2000" dirty="0" smtClean="0"/>
+              <a:t> and </a:t>
+            </a:r>
+            <a:r>
+              <a:rPr lang="en-US" sz="2000" dirty="0" smtClean="0">
+                <a:latin typeface="Symbol" panose="05050102010706020507" pitchFamily="18" charset="2"/>
+              </a:rPr>
+              <a:t>h</a:t>
+            </a:r>
+            <a:r>
+              <a:rPr lang="en-US" sz="2000" baseline="-25000" dirty="0" smtClean="0"/>
+              <a:t>3</a:t>
+            </a:r>
+            <a:r>
+              <a:rPr lang="en-US" sz="2000" dirty="0" smtClean="0"/>
+              <a:t> such that </a:t>
+            </a:r>
+            <a:r>
+              <a:rPr lang="en-US" sz="2000" dirty="0" smtClean="0">
+                <a:latin typeface="Symbol" panose="05050102010706020507" pitchFamily="18" charset="2"/>
+              </a:rPr>
+              <a:t>h</a:t>
+            </a:r>
+            <a:r>
+              <a:rPr lang="en-US" sz="2000" baseline="-25000" dirty="0" smtClean="0"/>
+              <a:t>1</a:t>
+            </a:r>
+            <a:r>
+              <a:rPr lang="en-US" sz="2000" dirty="0" smtClean="0"/>
+              <a:t> &lt; </a:t>
+            </a:r>
+            <a:r>
+              <a:rPr lang="en-US" sz="2000" dirty="0" smtClean="0">
+                <a:latin typeface="Symbol" panose="05050102010706020507" pitchFamily="18" charset="2"/>
+              </a:rPr>
+              <a:t>h</a:t>
+            </a:r>
+            <a:r>
+              <a:rPr lang="en-US" sz="2000" baseline="-25000" dirty="0" smtClean="0"/>
+              <a:t>2</a:t>
+            </a:r>
+            <a:r>
+              <a:rPr lang="en-US" sz="2000" dirty="0" smtClean="0"/>
+              <a:t> &lt; </a:t>
+            </a:r>
+            <a:r>
+              <a:rPr lang="en-US" sz="2000" dirty="0" smtClean="0">
+                <a:latin typeface="Symbol" panose="05050102010706020507" pitchFamily="18" charset="2"/>
+              </a:rPr>
+              <a:t>h</a:t>
+            </a:r>
+            <a:r>
+              <a:rPr lang="en-US" sz="2000" baseline="-25000" dirty="0" smtClean="0"/>
+              <a:t>3</a:t>
+            </a:r>
+            <a:r>
+              <a:rPr lang="en-US" sz="2000" dirty="0" smtClean="0"/>
+              <a:t> and</a:t>
+            </a:r>
+          </a:p>
+          <a:p>
+            <a:r>
+              <a:rPr lang="en-US" sz="2000" dirty="0" smtClean="0"/>
+              <a:t>and E(</a:t>
+            </a:r>
+            <a:r>
+              <a:rPr lang="en-US" sz="2000" dirty="0" smtClean="0">
+                <a:latin typeface="Symbol" panose="05050102010706020507" pitchFamily="18" charset="2"/>
+              </a:rPr>
+              <a:t>h</a:t>
+            </a:r>
+            <a:r>
+              <a:rPr lang="en-US" sz="2000" baseline="-25000" dirty="0" smtClean="0"/>
+              <a:t>2</a:t>
+            </a:r>
+            <a:r>
+              <a:rPr lang="en-US" sz="2000" dirty="0" smtClean="0"/>
+              <a:t>) &lt;  min( E(</a:t>
+            </a:r>
+            <a:r>
+              <a:rPr lang="en-US" sz="2000" dirty="0" smtClean="0">
+                <a:latin typeface="Symbol" panose="05050102010706020507" pitchFamily="18" charset="2"/>
+              </a:rPr>
+              <a:t>h</a:t>
+            </a:r>
+            <a:r>
+              <a:rPr lang="en-US" sz="2000" baseline="-25000" dirty="0" smtClean="0"/>
+              <a:t>1</a:t>
+            </a:r>
+            <a:r>
+              <a:rPr lang="en-US" sz="2000" dirty="0" smtClean="0"/>
+              <a:t>), E(</a:t>
+            </a:r>
+            <a:r>
+              <a:rPr lang="en-US" sz="2000" dirty="0" smtClean="0">
+                <a:latin typeface="Symbol" panose="05050102010706020507" pitchFamily="18" charset="2"/>
+              </a:rPr>
+              <a:t>h</a:t>
+            </a:r>
+            <a:r>
+              <a:rPr lang="en-US" sz="2000" baseline="-25000" dirty="0" smtClean="0"/>
+              <a:t>3</a:t>
+            </a:r>
+            <a:r>
+              <a:rPr lang="en-US" sz="2000" dirty="0" smtClean="0"/>
+              <a:t>))</a:t>
+            </a:r>
+          </a:p>
+          <a:p>
+            <a:endParaRPr lang="en-US" sz="2000" dirty="0" smtClean="0"/>
+          </a:p>
+          <a:p>
+            <a:r>
+              <a:rPr lang="en-US" sz="2000" dirty="0" smtClean="0"/>
+              <a:t>Guess </a:t>
+            </a:r>
+            <a:r>
+              <a:rPr lang="en-US" sz="2000" dirty="0" smtClean="0">
+                <a:latin typeface="Symbol" panose="05050102010706020507" pitchFamily="18" charset="2"/>
+              </a:rPr>
+              <a:t>h</a:t>
+            </a:r>
+            <a:r>
+              <a:rPr lang="en-US" sz="2000" dirty="0" smtClean="0"/>
+              <a:t> = (</a:t>
+            </a:r>
+            <a:r>
+              <a:rPr lang="en-US" sz="2000" dirty="0" smtClean="0">
+                <a:latin typeface="Symbol" panose="05050102010706020507" pitchFamily="18" charset="2"/>
+              </a:rPr>
+              <a:t>h</a:t>
+            </a:r>
+            <a:r>
+              <a:rPr lang="en-US" sz="2000" baseline="-25000" dirty="0" smtClean="0"/>
+              <a:t>1</a:t>
+            </a:r>
+            <a:r>
+              <a:rPr lang="en-US" sz="2000" dirty="0" smtClean="0"/>
+              <a:t> + </a:t>
+            </a:r>
+            <a:r>
+              <a:rPr lang="en-US" sz="2000" dirty="0" smtClean="0">
+                <a:latin typeface="Symbol" panose="05050102010706020507" pitchFamily="18" charset="2"/>
+              </a:rPr>
+              <a:t>h</a:t>
+            </a:r>
+            <a:r>
+              <a:rPr lang="en-US" sz="2000" baseline="-25000" dirty="0" smtClean="0"/>
+              <a:t>3</a:t>
+            </a:r>
+            <a:r>
+              <a:rPr lang="en-US" sz="2000" dirty="0" smtClean="0"/>
+              <a:t> )/2 as solution of line search</a:t>
+            </a:r>
+          </a:p>
+          <a:p>
+            <a:endParaRPr lang="en-US" sz="2000" dirty="0" smtClean="0"/>
+          </a:p>
+          <a:p>
+            <a:r>
+              <a:rPr lang="en-US" sz="2000" dirty="0" smtClean="0"/>
+              <a:t>If E(</a:t>
+            </a:r>
+            <a:r>
+              <a:rPr lang="en-US" sz="2000" dirty="0" smtClean="0">
+                <a:latin typeface="Symbol" panose="05050102010706020507" pitchFamily="18" charset="2"/>
+              </a:rPr>
+              <a:t>h</a:t>
+            </a:r>
+            <a:r>
+              <a:rPr lang="en-US" sz="2000" dirty="0" smtClean="0"/>
+              <a:t>) &lt; E(</a:t>
+            </a:r>
+            <a:r>
+              <a:rPr lang="en-US" sz="2000" dirty="0" smtClean="0">
+                <a:latin typeface="Symbol" panose="05050102010706020507" pitchFamily="18" charset="2"/>
+              </a:rPr>
+              <a:t>h</a:t>
+            </a:r>
+            <a:r>
+              <a:rPr lang="en-US" sz="2000" baseline="-25000" dirty="0" smtClean="0"/>
+              <a:t>2</a:t>
+            </a:r>
+            <a:r>
+              <a:rPr lang="en-US" sz="2000" dirty="0" smtClean="0"/>
+              <a:t>) repeat with </a:t>
+            </a:r>
+            <a:r>
+              <a:rPr lang="en-US" sz="2000" dirty="0" smtClean="0">
+                <a:latin typeface="Symbol" panose="05050102010706020507" pitchFamily="18" charset="2"/>
+              </a:rPr>
+              <a:t>h</a:t>
+            </a:r>
+            <a:r>
+              <a:rPr lang="en-US" sz="2000" baseline="-25000" dirty="0" smtClean="0"/>
+              <a:t>1</a:t>
+            </a:r>
+            <a:r>
+              <a:rPr lang="en-US" sz="2000" dirty="0" smtClean="0"/>
+              <a:t> &lt; </a:t>
+            </a:r>
+            <a:r>
+              <a:rPr lang="en-US" sz="2000" dirty="0" smtClean="0">
+                <a:latin typeface="Symbol" panose="05050102010706020507" pitchFamily="18" charset="2"/>
+              </a:rPr>
+              <a:t>h</a:t>
+            </a:r>
+            <a:r>
+              <a:rPr lang="en-US" sz="2000" dirty="0" smtClean="0"/>
+              <a:t> &lt; </a:t>
+            </a:r>
+            <a:r>
+              <a:rPr lang="en-US" sz="2000" dirty="0" smtClean="0">
+                <a:latin typeface="Symbol" panose="05050102010706020507" pitchFamily="18" charset="2"/>
+              </a:rPr>
+              <a:t>h</a:t>
+            </a:r>
+            <a:r>
+              <a:rPr lang="en-US" sz="2000" baseline="-25000" dirty="0" smtClean="0"/>
+              <a:t>2</a:t>
+            </a:r>
+            <a:r>
+              <a:rPr lang="en-US" sz="2000" dirty="0" smtClean="0"/>
+              <a:t> (shown)</a:t>
+            </a:r>
+          </a:p>
+          <a:p>
+            <a:r>
+              <a:rPr lang="en-US" sz="2000" dirty="0"/>
+              <a:t>If E(</a:t>
+            </a:r>
+            <a:r>
+              <a:rPr lang="en-US" sz="2000" dirty="0">
+                <a:latin typeface="Symbol" panose="05050102010706020507" pitchFamily="18" charset="2"/>
+              </a:rPr>
+              <a:t>h</a:t>
+            </a:r>
+            <a:r>
+              <a:rPr lang="en-US" sz="2000" dirty="0" smtClean="0"/>
+              <a:t>) &gt; </a:t>
+            </a:r>
+            <a:r>
+              <a:rPr lang="en-US" sz="2000" dirty="0"/>
+              <a:t>E(</a:t>
+            </a:r>
+            <a:r>
+              <a:rPr lang="en-US" sz="2000" dirty="0">
+                <a:latin typeface="Symbol" panose="05050102010706020507" pitchFamily="18" charset="2"/>
+              </a:rPr>
+              <a:t>h</a:t>
+            </a:r>
+            <a:r>
+              <a:rPr lang="en-US" sz="2000" baseline="-25000" dirty="0"/>
+              <a:t>2</a:t>
+            </a:r>
+            <a:r>
+              <a:rPr lang="en-US" sz="2000" dirty="0"/>
+              <a:t>) </a:t>
+            </a:r>
+            <a:r>
+              <a:rPr lang="en-US" sz="2000" dirty="0" smtClean="0"/>
+              <a:t>repeat with </a:t>
+            </a:r>
+            <a:r>
+              <a:rPr lang="en-US" sz="2000" dirty="0" smtClean="0">
+                <a:latin typeface="Symbol" panose="05050102010706020507" pitchFamily="18" charset="2"/>
+              </a:rPr>
+              <a:t>h</a:t>
+            </a:r>
+            <a:r>
+              <a:rPr lang="en-US" sz="2000" dirty="0" smtClean="0"/>
+              <a:t> </a:t>
+            </a:r>
+            <a:r>
+              <a:rPr lang="en-US" sz="2000" dirty="0"/>
+              <a:t>&lt; </a:t>
+            </a:r>
+            <a:r>
+              <a:rPr lang="en-US" sz="2000" dirty="0">
+                <a:latin typeface="Symbol" panose="05050102010706020507" pitchFamily="18" charset="2"/>
+              </a:rPr>
+              <a:t>h</a:t>
+            </a:r>
+            <a:r>
+              <a:rPr lang="en-US" sz="2000" baseline="-25000" dirty="0"/>
+              <a:t>2</a:t>
+            </a:r>
+            <a:r>
+              <a:rPr lang="en-US" sz="2000" dirty="0"/>
+              <a:t> &lt; </a:t>
+            </a:r>
+            <a:r>
+              <a:rPr lang="en-US" sz="2000" dirty="0" smtClean="0">
+                <a:latin typeface="Symbol" panose="05050102010706020507" pitchFamily="18" charset="2"/>
+              </a:rPr>
+              <a:t>h</a:t>
+            </a:r>
+            <a:r>
+              <a:rPr lang="en-US" sz="2000" baseline="-25000" dirty="0" smtClean="0"/>
+              <a:t>3</a:t>
+            </a:r>
+            <a:endParaRPr lang="en-US" sz="2000" dirty="0" smtClean="0"/>
+          </a:p>
+          <a:p>
+            <a:endParaRPr lang="en-US" sz="2000" dirty="0"/>
+          </a:p>
+          <a:p>
+            <a:r>
+              <a:rPr lang="en-US" sz="2000" dirty="0" smtClean="0"/>
+              <a:t>Stop when E(</a:t>
+            </a:r>
+            <a:r>
+              <a:rPr lang="en-US" sz="2000" dirty="0" smtClean="0">
+                <a:latin typeface="Symbol" panose="05050102010706020507" pitchFamily="18" charset="2"/>
+              </a:rPr>
+              <a:t>h</a:t>
+            </a:r>
+            <a:r>
+              <a:rPr lang="en-US" sz="2000" baseline="-25000" dirty="0" smtClean="0"/>
+              <a:t>k+1</a:t>
+            </a:r>
+            <a:r>
+              <a:rPr lang="en-US" sz="2000" dirty="0" smtClean="0"/>
+              <a:t>) </a:t>
+            </a:r>
+            <a:r>
+              <a:rPr lang="en-US" sz="2000" u="sng" dirty="0" smtClean="0"/>
+              <a:t>~</a:t>
+            </a:r>
+            <a:r>
+              <a:rPr lang="en-US" sz="2000" dirty="0" smtClean="0"/>
+              <a:t> E(</a:t>
+            </a:r>
+            <a:r>
+              <a:rPr lang="en-US" sz="2000" dirty="0" err="1" smtClean="0">
+                <a:latin typeface="Symbol" panose="05050102010706020507" pitchFamily="18" charset="2"/>
+              </a:rPr>
+              <a:t>h</a:t>
+            </a:r>
+            <a:r>
+              <a:rPr lang="en-US" sz="2000" baseline="-25000" dirty="0" err="1" smtClean="0"/>
+              <a:t>k</a:t>
+            </a:r>
+            <a:r>
+              <a:rPr lang="en-US" sz="2000" dirty="0" smtClean="0"/>
+              <a:t>) or max iterations</a:t>
+            </a:r>
+          </a:p>
+          <a:p>
+            <a:endParaRPr lang="en-US" sz="2000" dirty="0"/>
+          </a:p>
+          <a:p>
+            <a:r>
+              <a:rPr lang="en-US" sz="2000" dirty="0" smtClean="0"/>
+              <a:t>To find initial set of </a:t>
+            </a:r>
+            <a:r>
+              <a:rPr lang="en-US" sz="2000" dirty="0" smtClean="0">
+                <a:latin typeface="Symbol" panose="05050102010706020507" pitchFamily="18" charset="2"/>
+              </a:rPr>
+              <a:t>h</a:t>
+            </a:r>
+            <a:r>
+              <a:rPr lang="en-US" sz="2000" dirty="0" smtClean="0"/>
+              <a:t>’s, start with </a:t>
+            </a:r>
+            <a:r>
+              <a:rPr lang="en-US" sz="2000" dirty="0" smtClean="0">
+                <a:latin typeface="Symbol" panose="05050102010706020507" pitchFamily="18" charset="2"/>
+              </a:rPr>
+              <a:t>h</a:t>
+            </a:r>
+            <a:r>
+              <a:rPr lang="en-US" sz="2000" baseline="-25000" dirty="0" smtClean="0"/>
+              <a:t>1</a:t>
+            </a:r>
+            <a:r>
+              <a:rPr lang="en-US" sz="2000" dirty="0" smtClean="0"/>
+              <a:t> = 0 and </a:t>
+            </a:r>
+            <a:r>
+              <a:rPr lang="en-US" sz="2000" dirty="0" smtClean="0">
+                <a:latin typeface="Symbol" panose="05050102010706020507" pitchFamily="18" charset="2"/>
+              </a:rPr>
+              <a:t>h</a:t>
+            </a:r>
+            <a:r>
+              <a:rPr lang="en-US" sz="2000" baseline="-25000" dirty="0" smtClean="0"/>
+              <a:t>3</a:t>
+            </a:r>
+            <a:r>
+              <a:rPr lang="en-US" sz="2000" dirty="0" smtClean="0"/>
+              <a:t> = </a:t>
+            </a:r>
+            <a:r>
+              <a:rPr lang="en-US" sz="2000" dirty="0" smtClean="0">
+                <a:latin typeface="Symbol" panose="05050102010706020507" pitchFamily="18" charset="2"/>
+              </a:rPr>
+              <a:t>e</a:t>
+            </a:r>
+          </a:p>
+          <a:p>
+            <a:r>
+              <a:rPr lang="en-US" sz="2000" dirty="0" smtClean="0"/>
+              <a:t>If </a:t>
+            </a:r>
+            <a:r>
+              <a:rPr lang="en-US" sz="2000" dirty="0"/>
+              <a:t>E(</a:t>
+            </a:r>
+            <a:r>
+              <a:rPr lang="en-US" sz="2000" dirty="0">
+                <a:latin typeface="Symbol" panose="05050102010706020507" pitchFamily="18" charset="2"/>
+              </a:rPr>
+              <a:t>h</a:t>
+            </a:r>
+            <a:r>
+              <a:rPr lang="en-US" sz="2000" baseline="-25000" dirty="0"/>
+              <a:t>2</a:t>
+            </a:r>
+            <a:r>
+              <a:rPr lang="en-US" sz="2000" dirty="0"/>
+              <a:t>) &lt; </a:t>
+            </a:r>
+            <a:r>
+              <a:rPr lang="en-US" sz="2000" dirty="0" smtClean="0"/>
+              <a:t> </a:t>
+            </a:r>
+            <a:r>
+              <a:rPr lang="en-US" sz="2000" dirty="0"/>
+              <a:t>E(</a:t>
+            </a:r>
+            <a:r>
+              <a:rPr lang="en-US" sz="2000" dirty="0">
+                <a:latin typeface="Symbol" panose="05050102010706020507" pitchFamily="18" charset="2"/>
+              </a:rPr>
+              <a:t>h</a:t>
+            </a:r>
+            <a:r>
+              <a:rPr lang="en-US" sz="2000" baseline="-25000" dirty="0"/>
+              <a:t>1</a:t>
+            </a:r>
+            <a:r>
+              <a:rPr lang="en-US" sz="2000" dirty="0" smtClean="0"/>
+              <a:t>) try </a:t>
+            </a:r>
+            <a:r>
+              <a:rPr lang="en-US" sz="2000" dirty="0" smtClean="0">
+                <a:latin typeface="Symbol" panose="05050102010706020507" pitchFamily="18" charset="2"/>
+              </a:rPr>
+              <a:t>h</a:t>
+            </a:r>
+            <a:r>
+              <a:rPr lang="en-US" sz="2000" dirty="0" smtClean="0"/>
+              <a:t> </a:t>
+            </a:r>
+            <a:r>
+              <a:rPr lang="en-US" sz="2000" dirty="0"/>
+              <a:t>= </a:t>
+            </a:r>
+            <a:r>
+              <a:rPr lang="en-US" sz="2000" dirty="0" smtClean="0"/>
+              <a:t>0, </a:t>
+            </a:r>
+            <a:r>
+              <a:rPr lang="en-US" sz="2000" dirty="0" smtClean="0">
+                <a:latin typeface="Symbol" panose="05050102010706020507" pitchFamily="18" charset="2"/>
+              </a:rPr>
+              <a:t>e, 2e, 4e, </a:t>
+            </a:r>
+            <a:r>
+              <a:rPr lang="en-US" sz="2000" dirty="0" smtClean="0"/>
+              <a:t>etc. until E increases</a:t>
+            </a:r>
+          </a:p>
+          <a:p>
+            <a:r>
+              <a:rPr lang="en-US" sz="2000" dirty="0"/>
+              <a:t>If E(</a:t>
+            </a:r>
+            <a:r>
+              <a:rPr lang="en-US" sz="2000" dirty="0">
+                <a:latin typeface="Symbol" panose="05050102010706020507" pitchFamily="18" charset="2"/>
+              </a:rPr>
+              <a:t>h</a:t>
+            </a:r>
+            <a:r>
+              <a:rPr lang="en-US" sz="2000" baseline="-25000" dirty="0"/>
+              <a:t>2</a:t>
+            </a:r>
+            <a:r>
+              <a:rPr lang="en-US" sz="2000" dirty="0"/>
+              <a:t>) </a:t>
+            </a:r>
+            <a:r>
+              <a:rPr lang="en-US" sz="2000" dirty="0" smtClean="0"/>
+              <a:t>&gt;  </a:t>
+            </a:r>
+            <a:r>
+              <a:rPr lang="en-US" sz="2000" dirty="0"/>
+              <a:t>E(</a:t>
+            </a:r>
+            <a:r>
+              <a:rPr lang="en-US" sz="2000" dirty="0">
+                <a:latin typeface="Symbol" panose="05050102010706020507" pitchFamily="18" charset="2"/>
+              </a:rPr>
+              <a:t>h</a:t>
+            </a:r>
+            <a:r>
+              <a:rPr lang="en-US" sz="2000" baseline="-25000" dirty="0"/>
+              <a:t>1</a:t>
+            </a:r>
+            <a:r>
+              <a:rPr lang="en-US" sz="2000" dirty="0"/>
+              <a:t>) try </a:t>
+            </a:r>
+            <a:r>
+              <a:rPr lang="en-US" sz="2000" dirty="0">
+                <a:latin typeface="Symbol" panose="05050102010706020507" pitchFamily="18" charset="2"/>
+              </a:rPr>
+              <a:t>h</a:t>
+            </a:r>
+            <a:r>
+              <a:rPr lang="en-US" sz="2000" dirty="0"/>
+              <a:t> = </a:t>
+            </a:r>
+            <a:r>
+              <a:rPr lang="en-US" sz="2000" dirty="0" smtClean="0">
+                <a:latin typeface="Symbol" panose="05050102010706020507" pitchFamily="18" charset="2"/>
+              </a:rPr>
+              <a:t>e</a:t>
+            </a:r>
+            <a:r>
+              <a:rPr lang="en-US" sz="2000" dirty="0">
+                <a:latin typeface="Symbol" panose="05050102010706020507" pitchFamily="18" charset="2"/>
+              </a:rPr>
+              <a:t>, </a:t>
+            </a:r>
+            <a:r>
+              <a:rPr lang="en-US" sz="2000" dirty="0" smtClean="0">
+                <a:latin typeface="Symbol" panose="05050102010706020507" pitchFamily="18" charset="2"/>
+              </a:rPr>
+              <a:t>0, -2e</a:t>
+            </a:r>
+            <a:r>
+              <a:rPr lang="en-US" sz="2000" dirty="0">
+                <a:latin typeface="Symbol" panose="05050102010706020507" pitchFamily="18" charset="2"/>
+              </a:rPr>
+              <a:t>, </a:t>
+            </a:r>
+            <a:r>
+              <a:rPr lang="en-US" sz="2000" dirty="0" smtClean="0">
+                <a:latin typeface="Symbol" panose="05050102010706020507" pitchFamily="18" charset="2"/>
+              </a:rPr>
+              <a:t>-4e</a:t>
+            </a:r>
+            <a:r>
+              <a:rPr lang="en-US" sz="2000" dirty="0">
+                <a:latin typeface="Symbol" panose="05050102010706020507" pitchFamily="18" charset="2"/>
+              </a:rPr>
+              <a:t>, </a:t>
+            </a:r>
+            <a:r>
+              <a:rPr lang="en-US" sz="2000" dirty="0"/>
+              <a:t>etc. until E </a:t>
+            </a:r>
+            <a:r>
+              <a:rPr lang="en-US" sz="2000" dirty="0" smtClean="0"/>
+              <a:t>increases</a:t>
+            </a:r>
+            <a:endParaRPr lang="en-US" sz="2000" dirty="0">
+              <a:latin typeface="Symbol" panose="05050102010706020507" pitchFamily="18" charset="2"/>
+            </a:endParaRPr>
+          </a:p>
+        </p:txBody>
+      </p:sp>
+    </p:spTree>
+    <p:extLst>
+      <p:ext uri="{BB962C8B-B14F-4D97-AF65-F5344CB8AC3E}">
+        <p14:creationId xmlns:p14="http://schemas.microsoft.com/office/powerpoint/2010/main" val="516069034"/>
+      </p:ext>
+    </p:extLst>
+  </p:cSld>
+  <p:clrMapOvr>
+    <a:masterClrMapping/>
+  </p:clrMapOvr>
+  <p:timing>
+    <p:tnLst>
+      <p:par>
+        <p:cTn id="1" dur="indefinite" restart="never" nodeType="tmRoot"/>
+      </p:par>
+    </p:tnLst>
+  </p:timing>
+</p:sld>
+</file>
+
+<file path=ppt/slides/slide51.xml><?xml version="1.0" encoding="utf-8"?>
+<p:sld xmlns:a="http://schemas.openxmlformats.org/drawingml/2006/main" xmlns:r="http://schemas.openxmlformats.org/officeDocument/2006/relationships" xmlns:p="http://schemas.openxmlformats.org/presentationml/2006/main">
+  <p:cSld>
+    <p:spTree>
+      <p:nvGrpSpPr>
+        <p:cNvPr id="1" name=""/>
+        <p:cNvGrpSpPr/>
+        <p:nvPr/>
+      </p:nvGrpSpPr>
+      <p:grpSpPr>
+        <a:xfrm>
+          <a:off x="0" y="0"/>
+          <a:ext cx="0" cy="0"/>
+          <a:chOff x="0" y="0"/>
+          <a:chExt cx="0" cy="0"/>
+        </a:xfrm>
+      </p:grpSpPr>
+      <p:pic>
+        <p:nvPicPr>
+          <p:cNvPr id="3" name="Picture 2"/>
+          <p:cNvPicPr>
+            <a:picLocks noChangeAspect="1"/>
+          </p:cNvPicPr>
+          <p:nvPr/>
+        </p:nvPicPr>
+        <p:blipFill>
+          <a:blip r:embed="rId2">
+            <a:extLst>
+              <a:ext uri="{28A0092B-C50C-407E-A947-70E740481C1C}">
+                <a14:useLocalDpi xmlns:a14="http://schemas.microsoft.com/office/drawing/2010/main" val="0"/>
+              </a:ext>
+            </a:extLst>
+          </a:blip>
+          <a:stretch>
+            <a:fillRect/>
+          </a:stretch>
+        </p:blipFill>
+        <p:spPr>
+          <a:xfrm>
+            <a:off x="2363819" y="727248"/>
+            <a:ext cx="7237379" cy="5819127"/>
+          </a:xfrm>
+          <a:prstGeom prst="rect">
+            <a:avLst/>
+          </a:prstGeom>
+        </p:spPr>
+      </p:pic>
+    </p:spTree>
+    <p:extLst>
+      <p:ext uri="{BB962C8B-B14F-4D97-AF65-F5344CB8AC3E}">
+        <p14:creationId xmlns:p14="http://schemas.microsoft.com/office/powerpoint/2010/main" val="864174072"/>
+      </p:ext>
+    </p:extLst>
+  </p:cSld>
+  <p:clrMapOvr>
+    <a:masterClrMapping/>
+  </p:clrMapOvr>
+  <p:timing>
+    <p:tnLst>
+      <p:par>
+        <p:cTn id="1" dur="indefinite" restart="never" nodeType="tmRoot"/>
+      </p:par>
+    </p:tnLst>
+  </p:timing>
+</p:sld>
+</file>
+
+<file path=ppt/slides/slide52.xml><?xml version="1.0" encoding="utf-8"?>
+<p:sld xmlns:a="http://schemas.openxmlformats.org/drawingml/2006/main" xmlns:r="http://schemas.openxmlformats.org/officeDocument/2006/relationships" xmlns:p="http://schemas.openxmlformats.org/presentationml/2006/main">
+  <p:cSld>
+    <p:spTree>
+      <p:nvGrpSpPr>
+        <p:cNvPr id="1" name=""/>
+        <p:cNvGrpSpPr/>
+        <p:nvPr/>
+      </p:nvGrpSpPr>
+      <p:grpSpPr>
+        <a:xfrm>
+          <a:off x="0" y="0"/>
+          <a:ext cx="0" cy="0"/>
+          <a:chOff x="0" y="0"/>
+          <a:chExt cx="0" cy="0"/>
+        </a:xfrm>
+      </p:grpSpPr>
+      <p:pic>
+        <p:nvPicPr>
+          <p:cNvPr id="2" name="Picture 1"/>
+          <p:cNvPicPr>
+            <a:picLocks noChangeAspect="1"/>
+          </p:cNvPicPr>
+          <p:nvPr/>
+        </p:nvPicPr>
+        <p:blipFill>
+          <a:blip r:embed="rId2">
+            <a:extLst>
+              <a:ext uri="{28A0092B-C50C-407E-A947-70E740481C1C}">
+                <a14:useLocalDpi xmlns:a14="http://schemas.microsoft.com/office/drawing/2010/main" val="0"/>
+              </a:ext>
+            </a:extLst>
+          </a:blip>
+          <a:stretch>
+            <a:fillRect/>
+          </a:stretch>
+        </p:blipFill>
+        <p:spPr>
+          <a:xfrm>
+            <a:off x="2200892" y="864446"/>
+            <a:ext cx="7585134" cy="4479340"/>
+          </a:xfrm>
+          <a:prstGeom prst="rect">
+            <a:avLst/>
+          </a:prstGeom>
+        </p:spPr>
+      </p:pic>
+      <p:sp>
+        <p:nvSpPr>
+          <p:cNvPr id="3" name="TextBox 2"/>
+          <p:cNvSpPr txBox="1"/>
+          <p:nvPr/>
+        </p:nvSpPr>
+        <p:spPr>
+          <a:xfrm>
+            <a:off x="1574845" y="5486400"/>
+            <a:ext cx="8637236" cy="830997"/>
+          </a:xfrm>
+          <a:prstGeom prst="rect">
+            <a:avLst/>
+          </a:prstGeom>
+          <a:noFill/>
+        </p:spPr>
+        <p:txBody>
+          <a:bodyPr wrap="none" rtlCol="0">
+            <a:spAutoFit/>
+          </a:bodyPr>
+          <a:lstStyle/>
+          <a:p>
+            <a:r>
+              <a:rPr lang="en-US" sz="2400" dirty="0" smtClean="0"/>
+              <a:t>After a few conjugate gradient iterations, do an iterations with </a:t>
+            </a:r>
+            <a:r>
+              <a:rPr lang="en-US" sz="2400" dirty="0" smtClean="0">
+                <a:latin typeface="Symbol" panose="05050102010706020507" pitchFamily="18" charset="2"/>
+              </a:rPr>
+              <a:t>m</a:t>
+            </a:r>
+            <a:r>
+              <a:rPr lang="en-US" sz="2400" dirty="0" smtClean="0"/>
+              <a:t> = 0 </a:t>
+            </a:r>
+          </a:p>
+          <a:p>
+            <a:r>
+              <a:rPr lang="en-US" sz="2400" dirty="0" smtClean="0"/>
+              <a:t>(i.e. steepest decent) </a:t>
+            </a:r>
+            <a:endParaRPr lang="en-US" sz="2400" dirty="0"/>
+          </a:p>
+        </p:txBody>
+      </p:sp>
+    </p:spTree>
+    <p:extLst>
+      <p:ext uri="{BB962C8B-B14F-4D97-AF65-F5344CB8AC3E}">
+        <p14:creationId xmlns:p14="http://schemas.microsoft.com/office/powerpoint/2010/main" val="57566745"/>
+      </p:ext>
+    </p:extLst>
+  </p:cSld>
+  <p:clrMapOvr>
+    <a:masterClrMapping/>
+  </p:clrMapOvr>
+  <p:timing>
+    <p:tnLst>
+      <p:par>
+        <p:cTn id="1" dur="indefinite" restart="never" nodeType="tmRoot"/>
+      </p:par>
+    </p:tnLst>
+  </p:timing>
+</p:sld>
+</file>
+
+<file path=ppt/slides/slide53.xml><?xml version="1.0" encoding="utf-8"?>
+<p:sld xmlns:a="http://schemas.openxmlformats.org/drawingml/2006/main" xmlns:r="http://schemas.openxmlformats.org/officeDocument/2006/relationships" xmlns:p="http://schemas.openxmlformats.org/presentationml/2006/main">
+  <p:cSld>
+    <p:spTree>
+      <p:nvGrpSpPr>
+        <p:cNvPr id="1" name=""/>
+        <p:cNvGrpSpPr/>
+        <p:nvPr/>
+      </p:nvGrpSpPr>
+      <p:grpSpPr>
+        <a:xfrm>
+          <a:off x="0" y="0"/>
+          <a:ext cx="0" cy="0"/>
+          <a:chOff x="0" y="0"/>
+          <a:chExt cx="0" cy="0"/>
+        </a:xfrm>
+      </p:grpSpPr>
+      <p:pic>
+        <p:nvPicPr>
+          <p:cNvPr id="2" name="Picture 1"/>
+          <p:cNvPicPr>
+            <a:picLocks noChangeAspect="1"/>
+          </p:cNvPicPr>
+          <p:nvPr/>
+        </p:nvPicPr>
+        <p:blipFill>
+          <a:blip r:embed="rId2">
+            <a:extLst>
+              <a:ext uri="{28A0092B-C50C-407E-A947-70E740481C1C}">
+                <a14:useLocalDpi xmlns:a14="http://schemas.microsoft.com/office/drawing/2010/main" val="0"/>
+              </a:ext>
+            </a:extLst>
+          </a:blip>
+          <a:stretch>
+            <a:fillRect/>
+          </a:stretch>
+        </p:blipFill>
+        <p:spPr>
+          <a:xfrm>
+            <a:off x="2752928" y="838523"/>
+            <a:ext cx="6780682" cy="5497303"/>
+          </a:xfrm>
+          <a:prstGeom prst="rect">
+            <a:avLst/>
+          </a:prstGeom>
+        </p:spPr>
+      </p:pic>
+    </p:spTree>
+    <p:extLst>
+      <p:ext uri="{BB962C8B-B14F-4D97-AF65-F5344CB8AC3E}">
+        <p14:creationId xmlns:p14="http://schemas.microsoft.com/office/powerpoint/2010/main" val="2237068426"/>
+      </p:ext>
+    </p:extLst>
+  </p:cSld>
+  <p:clrMapOvr>
+    <a:masterClrMapping/>
+  </p:clrMapOvr>
+  <p:timing>
+    <p:tnLst>
+      <p:par>
+        <p:cTn id="1" dur="indefinite" restart="never" nodeType="tmRoot"/>
+      </p:par>
+    </p:tnLst>
+  </p:timing>
+</p:sld>
+</file>
+
+<file path=ppt/slides/slide54.xml><?xml version="1.0" encoding="utf-8"?>
+<p:sld xmlns:a="http://schemas.openxmlformats.org/drawingml/2006/main" xmlns:r="http://schemas.openxmlformats.org/officeDocument/2006/relationships" xmlns:p="http://schemas.openxmlformats.org/presentationml/2006/main">
+  <p:cSld>
+    <p:spTree>
+      <p:nvGrpSpPr>
+        <p:cNvPr id="1" name=""/>
+        <p:cNvGrpSpPr/>
+        <p:nvPr/>
+      </p:nvGrpSpPr>
+      <p:grpSpPr>
+        <a:xfrm>
+          <a:off x="0" y="0"/>
+          <a:ext cx="0" cy="0"/>
+          <a:chOff x="0" y="0"/>
+          <a:chExt cx="0" cy="0"/>
+        </a:xfrm>
+      </p:grpSpPr>
+      <p:pic>
+        <p:nvPicPr>
+          <p:cNvPr id="2" name="Picture 1"/>
+          <p:cNvPicPr/>
+          <p:nvPr/>
+        </p:nvPicPr>
+        <p:blipFill>
+          <a:blip r:embed="rId2"/>
+          <a:stretch>
+            <a:fillRect/>
+          </a:stretch>
+        </p:blipFill>
+        <p:spPr>
+          <a:xfrm>
+            <a:off x="1257042" y="560173"/>
+            <a:ext cx="6074634" cy="6038335"/>
+          </a:xfrm>
+          <a:prstGeom prst="rect">
+            <a:avLst/>
+          </a:prstGeom>
+        </p:spPr>
+      </p:pic>
+      <p:sp>
+        <p:nvSpPr>
+          <p:cNvPr id="3" name="TextBox 2"/>
+          <p:cNvSpPr txBox="1"/>
+          <p:nvPr/>
+        </p:nvSpPr>
+        <p:spPr>
+          <a:xfrm>
+            <a:off x="1598140" y="315790"/>
+            <a:ext cx="5854873" cy="369332"/>
+          </a:xfrm>
+          <a:prstGeom prst="rect">
+            <a:avLst/>
+          </a:prstGeom>
+          <a:noFill/>
+        </p:spPr>
+        <p:txBody>
+          <a:bodyPr wrap="none" rtlCol="0">
+            <a:spAutoFit/>
+          </a:bodyPr>
+          <a:lstStyle/>
+          <a:p>
+            <a:r>
+              <a:rPr lang="en-US" dirty="0" smtClean="0"/>
+              <a:t>Edom’s results on optimization methods leaning rate = 0.001</a:t>
+            </a:r>
+            <a:endParaRPr lang="en-US" dirty="0"/>
+          </a:p>
+        </p:txBody>
+      </p:sp>
+      <p:sp>
+        <p:nvSpPr>
+          <p:cNvPr id="4" name="TextBox 3"/>
+          <p:cNvSpPr txBox="1"/>
+          <p:nvPr/>
+        </p:nvSpPr>
+        <p:spPr>
+          <a:xfrm>
+            <a:off x="7331676" y="685122"/>
+            <a:ext cx="4463081" cy="3416320"/>
+          </a:xfrm>
+          <a:prstGeom prst="rect">
+            <a:avLst/>
+          </a:prstGeom>
+          <a:noFill/>
+        </p:spPr>
+        <p:txBody>
+          <a:bodyPr wrap="none" rtlCol="0">
+            <a:spAutoFit/>
+          </a:bodyPr>
+          <a:lstStyle/>
+          <a:p>
+            <a:r>
+              <a:rPr lang="en-US" dirty="0" smtClean="0"/>
+              <a:t>Conclusions:</a:t>
+            </a:r>
+          </a:p>
+          <a:p>
+            <a:r>
+              <a:rPr lang="en-US" dirty="0" smtClean="0"/>
+              <a:t>All methods, except constant leaning rate, </a:t>
+            </a:r>
+          </a:p>
+          <a:p>
+            <a:r>
+              <a:rPr lang="en-US" dirty="0" smtClean="0"/>
+              <a:t>are stable with leaning rate as high as 0.001.</a:t>
+            </a:r>
+          </a:p>
+          <a:p>
+            <a:endParaRPr lang="en-US" dirty="0"/>
+          </a:p>
+          <a:p>
+            <a:r>
+              <a:rPr lang="en-US" dirty="0" smtClean="0"/>
+              <a:t>For stability, momentum term of conjugate </a:t>
+            </a:r>
+          </a:p>
+          <a:p>
+            <a:r>
+              <a:rPr lang="en-US" dirty="0" smtClean="0"/>
+              <a:t>gradient set to zero on ever other iteration.</a:t>
+            </a:r>
+          </a:p>
+          <a:p>
+            <a:endParaRPr lang="en-US" dirty="0"/>
+          </a:p>
+          <a:p>
+            <a:r>
+              <a:rPr lang="en-US" dirty="0" smtClean="0"/>
+              <a:t>Line search by bisection method significantly </a:t>
+            </a:r>
+          </a:p>
+          <a:p>
+            <a:r>
+              <a:rPr lang="en-US" dirty="0" smtClean="0"/>
+              <a:t>decreases speed per iteration.</a:t>
+            </a:r>
+          </a:p>
+          <a:p>
+            <a:endParaRPr lang="en-US" dirty="0"/>
+          </a:p>
+          <a:p>
+            <a:r>
+              <a:rPr lang="en-US" dirty="0" smtClean="0"/>
+              <a:t>In norm of gradient, see evidence of multiple </a:t>
+            </a:r>
+          </a:p>
+          <a:p>
+            <a:r>
+              <a:rPr lang="en-US" dirty="0" smtClean="0"/>
+              <a:t>local minima.</a:t>
+            </a:r>
+            <a:endParaRPr lang="en-US" dirty="0"/>
+          </a:p>
+        </p:txBody>
+      </p:sp>
+    </p:spTree>
+    <p:extLst>
+      <p:ext uri="{BB962C8B-B14F-4D97-AF65-F5344CB8AC3E}">
+        <p14:creationId xmlns:p14="http://schemas.microsoft.com/office/powerpoint/2010/main" val="1761311854"/>
+      </p:ext>
+    </p:extLst>
+  </p:cSld>
+  <p:clrMapOvr>
+    <a:masterClrMapping/>
+  </p:clrMapOvr>
+  <p:timing>
+    <p:tnLst>
+      <p:par>
+        <p:cTn id="1" dur="indefinite" restart="never" nodeType="tmRoot"/>
+      </p:par>
+    </p:tnLst>
+  </p:timing>
+</p:sld>
+</file>
+
 <file path=ppt/slides/slide6.xml><?xml version="1.0" encoding="utf-8"?>
 <p:sld xmlns:a="http://schemas.openxmlformats.org/drawingml/2006/main" xmlns:r="http://schemas.openxmlformats.org/officeDocument/2006/relationships" xmlns:p="http://schemas.openxmlformats.org/presentationml/2006/main">
   <p:cSld>
@@ -14590,7 +23060,7 @@
           <a:graphicData uri="http://schemas.openxmlformats.org/presentationml/2006/ole">
             <mc:AlternateContent xmlns:mc="http://schemas.openxmlformats.org/markup-compatibility/2006">
               <mc:Choice xmlns:v="urn:schemas-microsoft-com:vml" Requires="v">
-                <p:oleObj spid="_x0000_s2050" name="Equation" r:id="rId3" imgW="622080" imgH="1879560" progId="Equation.3">
+                <p:oleObj spid="_x0000_s2058" name="Equation" r:id="rId3" imgW="622080" imgH="1879560" progId="Equation.3">
                   <p:embed/>
                 </p:oleObj>
               </mc:Choice>
@@ -14787,7 +23257,7 @@
           <a:graphicData uri="http://schemas.openxmlformats.org/presentationml/2006/ole">
             <mc:AlternateContent xmlns:mc="http://schemas.openxmlformats.org/markup-compatibility/2006">
               <mc:Choice xmlns:v="urn:schemas-microsoft-com:vml" Requires="v">
-                <p:oleObj spid="_x0000_s2051" name="Equation" r:id="rId6" imgW="799920" imgH="1879560" progId="Equation.3">
+                <p:oleObj spid="_x0000_s2059" name="Equation" r:id="rId6" imgW="799920" imgH="1879560" progId="Equation.3">
                   <p:embed/>
                 </p:oleObj>
               </mc:Choice>
